--- a/templates/template.pptx
+++ b/templates/template.pptx
@@ -339,7 +339,7 @@
             <a:fld id="{1D8BD707-D9CF-40AE-B4C6-C98DA3205C09}" type="datetimeFigureOut">
               <a:rPr lang="en-US" smtClean="0"/>
               <a:pPr/>
-              <a:t>11/24/2025</a:t>
+              <a:t>11/26/2025</a:t>
             </a:fld>
             <a:endParaRPr lang="en-US"/>
           </a:p>
@@ -504,7 +504,7 @@
             <a:fld id="{1D8BD707-D9CF-40AE-B4C6-C98DA3205C09}" type="datetimeFigureOut">
               <a:rPr lang="en-US" smtClean="0"/>
               <a:pPr/>
-              <a:t>11/24/2025</a:t>
+              <a:t>11/26/2025</a:t>
             </a:fld>
             <a:endParaRPr lang="en-US"/>
           </a:p>
@@ -679,7 +679,7 @@
             <a:fld id="{1D8BD707-D9CF-40AE-B4C6-C98DA3205C09}" type="datetimeFigureOut">
               <a:rPr lang="en-US" smtClean="0"/>
               <a:pPr/>
-              <a:t>11/24/2025</a:t>
+              <a:t>11/26/2025</a:t>
             </a:fld>
             <a:endParaRPr lang="en-US"/>
           </a:p>
@@ -844,7 +844,7 @@
             <a:fld id="{1D8BD707-D9CF-40AE-B4C6-C98DA3205C09}" type="datetimeFigureOut">
               <a:rPr lang="en-US" smtClean="0"/>
               <a:pPr/>
-              <a:t>11/24/2025</a:t>
+              <a:t>11/26/2025</a:t>
             </a:fld>
             <a:endParaRPr lang="en-US"/>
           </a:p>
@@ -1086,7 +1086,7 @@
             <a:fld id="{1D8BD707-D9CF-40AE-B4C6-C98DA3205C09}" type="datetimeFigureOut">
               <a:rPr lang="en-US" smtClean="0"/>
               <a:pPr/>
-              <a:t>11/24/2025</a:t>
+              <a:t>11/26/2025</a:t>
             </a:fld>
             <a:endParaRPr lang="en-US"/>
           </a:p>
@@ -1368,7 +1368,7 @@
             <a:fld id="{1D8BD707-D9CF-40AE-B4C6-C98DA3205C09}" type="datetimeFigureOut">
               <a:rPr lang="en-US" smtClean="0"/>
               <a:pPr/>
-              <a:t>11/24/2025</a:t>
+              <a:t>11/26/2025</a:t>
             </a:fld>
             <a:endParaRPr lang="en-US"/>
           </a:p>
@@ -1784,7 +1784,7 @@
             <a:fld id="{1D8BD707-D9CF-40AE-B4C6-C98DA3205C09}" type="datetimeFigureOut">
               <a:rPr lang="en-US" smtClean="0"/>
               <a:pPr/>
-              <a:t>11/24/2025</a:t>
+              <a:t>11/26/2025</a:t>
             </a:fld>
             <a:endParaRPr lang="en-US"/>
           </a:p>
@@ -1898,7 +1898,7 @@
             <a:fld id="{1D8BD707-D9CF-40AE-B4C6-C98DA3205C09}" type="datetimeFigureOut">
               <a:rPr lang="en-US" smtClean="0"/>
               <a:pPr/>
-              <a:t>11/24/2025</a:t>
+              <a:t>11/26/2025</a:t>
             </a:fld>
             <a:endParaRPr lang="en-US"/>
           </a:p>
@@ -1990,7 +1990,7 @@
             <a:fld id="{1D8BD707-D9CF-40AE-B4C6-C98DA3205C09}" type="datetimeFigureOut">
               <a:rPr lang="en-US" smtClean="0"/>
               <a:pPr/>
-              <a:t>11/24/2025</a:t>
+              <a:t>11/26/2025</a:t>
             </a:fld>
             <a:endParaRPr lang="en-US"/>
           </a:p>
@@ -2262,7 +2262,7 @@
             <a:fld id="{1D8BD707-D9CF-40AE-B4C6-C98DA3205C09}" type="datetimeFigureOut">
               <a:rPr lang="en-US" smtClean="0"/>
               <a:pPr/>
-              <a:t>11/24/2025</a:t>
+              <a:t>11/26/2025</a:t>
             </a:fld>
             <a:endParaRPr lang="en-US"/>
           </a:p>
@@ -2511,7 +2511,7 @@
             <a:fld id="{1D8BD707-D9CF-40AE-B4C6-C98DA3205C09}" type="datetimeFigureOut">
               <a:rPr lang="en-US" smtClean="0"/>
               <a:pPr/>
-              <a:t>11/24/2025</a:t>
+              <a:t>11/26/2025</a:t>
             </a:fld>
             <a:endParaRPr lang="en-US"/>
           </a:p>
@@ -2719,7 +2719,7 @@
             <a:fld id="{1D8BD707-D9CF-40AE-B4C6-C98DA3205C09}" type="datetimeFigureOut">
               <a:rPr lang="en-US" smtClean="0"/>
               <a:pPr/>
-              <a:t>11/24/2025</a:t>
+              <a:t>11/26/2025</a:t>
             </a:fld>
             <a:endParaRPr lang="en-US"/>
           </a:p>
@@ -9234,8 +9234,8 @@
         </p:nvSpPr>
         <p:spPr>
           <a:xfrm>
-            <a:off x="2489190" y="2264946"/>
-            <a:ext cx="595035" cy="338554"/>
+            <a:off x="826722" y="2264946"/>
+            <a:ext cx="4530451" cy="338554"/>
           </a:xfrm>
           <a:prstGeom prst="rect">
             <a:avLst/>
@@ -9243,7 +9243,7 @@
           <a:noFill/>
         </p:spPr>
         <p:txBody>
-          <a:bodyPr wrap="none">
+          <a:bodyPr wrap="square">
             <a:spAutoFit/>
           </a:bodyPr>
           <a:lstStyle/>
@@ -9270,8 +9270,8 @@
         </p:nvSpPr>
         <p:spPr>
           <a:xfrm>
-            <a:off x="1944720" y="2546353"/>
-            <a:ext cx="1650837" cy="338554"/>
+            <a:off x="826722" y="2546353"/>
+            <a:ext cx="4530451" cy="338554"/>
           </a:xfrm>
           <a:prstGeom prst="rect">
             <a:avLst/>
@@ -9279,11 +9279,12 @@
           <a:noFill/>
         </p:spPr>
         <p:txBody>
-          <a:bodyPr wrap="none">
+          <a:bodyPr wrap="square">
             <a:spAutoFit/>
           </a:bodyPr>
           <a:lstStyle/>
           <a:p>
+            <a:pPr algn="ctr"/>
             <a:r>
               <a:rPr lang="en-US" sz="1600" dirty="0"/>
               <a:t>{{</a:t>
@@ -9313,8 +9314,8 @@
         </p:nvSpPr>
         <p:spPr>
           <a:xfrm>
-            <a:off x="2337704" y="3781594"/>
-            <a:ext cx="898003" cy="338554"/>
+            <a:off x="826722" y="3781594"/>
+            <a:ext cx="4530451" cy="338554"/>
           </a:xfrm>
           <a:prstGeom prst="rect">
             <a:avLst/>
@@ -9322,11 +9323,12 @@
           <a:noFill/>
         </p:spPr>
         <p:txBody>
-          <a:bodyPr wrap="none">
+          <a:bodyPr wrap="square">
             <a:spAutoFit/>
           </a:bodyPr>
           <a:lstStyle/>
           <a:p>
+            <a:pPr algn="ctr"/>
             <a:r>
               <a:rPr lang="en-US" sz="1600" dirty="0"/>
               <a:t>{{email}}</a:t>
@@ -9348,8 +9350,8 @@
         </p:nvSpPr>
         <p:spPr>
           <a:xfrm>
-            <a:off x="2364956" y="2827759"/>
-            <a:ext cx="843501" cy="338554"/>
+            <a:off x="826722" y="2827759"/>
+            <a:ext cx="4530451" cy="338554"/>
           </a:xfrm>
           <a:prstGeom prst="rect">
             <a:avLst/>
@@ -9357,7 +9359,7 @@
           <a:noFill/>
         </p:spPr>
         <p:txBody>
-          <a:bodyPr wrap="none">
+          <a:bodyPr wrap="square">
             <a:spAutoFit/>
           </a:bodyPr>
           <a:lstStyle/>
@@ -9384,8 +9386,8 @@
         </p:nvSpPr>
         <p:spPr>
           <a:xfrm>
-            <a:off x="2301092" y="3367573"/>
-            <a:ext cx="974947" cy="338554"/>
+            <a:off x="826722" y="3367573"/>
+            <a:ext cx="4530451" cy="338554"/>
           </a:xfrm>
           <a:prstGeom prst="rect">
             <a:avLst/>
@@ -9393,11 +9395,12 @@
           <a:noFill/>
         </p:spPr>
         <p:txBody>
-          <a:bodyPr wrap="none">
+          <a:bodyPr wrap="square">
             <a:spAutoFit/>
           </a:bodyPr>
           <a:lstStyle/>
           <a:p>
+            <a:pPr algn="ctr"/>
             <a:r>
               <a:rPr lang="en-US" sz="1600" dirty="0"/>
               <a:t>{{phone}}</a:t>
@@ -9419,8 +9422,8 @@
         </p:nvSpPr>
         <p:spPr>
           <a:xfrm>
-            <a:off x="2297373" y="3086167"/>
-            <a:ext cx="978666" cy="338554"/>
+            <a:off x="826722" y="3086167"/>
+            <a:ext cx="4530451" cy="338554"/>
           </a:xfrm>
           <a:prstGeom prst="rect">
             <a:avLst/>
@@ -9428,11 +9431,12 @@
           <a:noFill/>
         </p:spPr>
         <p:txBody>
-          <a:bodyPr wrap="none">
+          <a:bodyPr wrap="square">
             <a:spAutoFit/>
           </a:bodyPr>
           <a:lstStyle/>
           <a:p>
+            <a:pPr algn="ctr"/>
             <a:r>
               <a:rPr lang="en-US" sz="1600" dirty="0"/>
               <a:t>{{</a:t>
@@ -9463,7 +9467,7 @@
         <p:spPr>
           <a:xfrm>
             <a:off x="882650" y="5307354"/>
-            <a:ext cx="813749" cy="338554"/>
+            <a:ext cx="907328" cy="338554"/>
           </a:xfrm>
           <a:prstGeom prst="rect">
             <a:avLst/>
@@ -9471,7 +9475,7 @@
           <a:noFill/>
         </p:spPr>
         <p:txBody>
-          <a:bodyPr wrap="none">
+          <a:bodyPr wrap="square">
             <a:spAutoFit/>
           </a:bodyPr>
           <a:lstStyle/>
@@ -9702,8 +9706,8 @@
         </p:nvSpPr>
         <p:spPr>
           <a:xfrm>
-            <a:off x="1148966" y="6577255"/>
-            <a:ext cx="760144" cy="338554"/>
+            <a:off x="826722" y="6577255"/>
+            <a:ext cx="1503728" cy="338554"/>
           </a:xfrm>
           <a:prstGeom prst="rect">
             <a:avLst/>
@@ -9711,7 +9715,7 @@
           <a:noFill/>
         </p:spPr>
         <p:txBody>
-          <a:bodyPr wrap="none">
+          <a:bodyPr wrap="square">
             <a:spAutoFit/>
           </a:bodyPr>
           <a:lstStyle/>
@@ -9738,8 +9742,8 @@
         </p:nvSpPr>
         <p:spPr>
           <a:xfrm>
-            <a:off x="2672092" y="6597820"/>
-            <a:ext cx="824265" cy="338554"/>
+            <a:off x="2349220" y="6597820"/>
+            <a:ext cx="1487402" cy="338554"/>
           </a:xfrm>
           <a:prstGeom prst="rect">
             <a:avLst/>
@@ -9747,7 +9751,7 @@
           <a:noFill/>
         </p:spPr>
         <p:txBody>
-          <a:bodyPr wrap="none">
+          <a:bodyPr wrap="square">
             <a:spAutoFit/>
           </a:bodyPr>
           <a:lstStyle/>
@@ -9774,8 +9778,8 @@
         </p:nvSpPr>
         <p:spPr>
           <a:xfrm>
-            <a:off x="4243768" y="6577255"/>
-            <a:ext cx="795731" cy="338554"/>
+            <a:off x="3852948" y="6577255"/>
+            <a:ext cx="1487402" cy="338554"/>
           </a:xfrm>
           <a:prstGeom prst="rect">
             <a:avLst/>
@@ -9783,7 +9787,7 @@
           <a:noFill/>
         </p:spPr>
         <p:txBody>
-          <a:bodyPr wrap="none">
+          <a:bodyPr wrap="square">
             <a:spAutoFit/>
           </a:bodyPr>
           <a:lstStyle/>
@@ -9810,8 +9814,8 @@
         </p:nvSpPr>
         <p:spPr>
           <a:xfrm>
-            <a:off x="5577868" y="6597820"/>
-            <a:ext cx="1076961" cy="338554"/>
+            <a:off x="5356676" y="6597820"/>
+            <a:ext cx="1471035" cy="338554"/>
           </a:xfrm>
           <a:prstGeom prst="rect">
             <a:avLst/>
@@ -9819,7 +9823,7 @@
           <a:noFill/>
         </p:spPr>
         <p:txBody>
-          <a:bodyPr wrap="none">
+          <a:bodyPr wrap="square">
             <a:spAutoFit/>
           </a:bodyPr>
           <a:lstStyle/>

--- a/templates/template.pptx
+++ b/templates/template.pptx
@@ -11414,6 +11414,42 @@
           </a:prstGeom>
         </p:spPr>
       </p:pic>
+      <p:sp>
+        <p:nvSpPr>
+          <p:cNvPr id="10" name="TextBox 2">
+            <a:extLst>
+              <a:ext uri="{FF2B5EF4-FFF2-40B4-BE49-F238E27FC236}">
+                <a16:creationId xmlns:a16="http://schemas.microsoft.com/office/drawing/2014/main" id="{35BB5D62-D95D-ADAC-5F73-03C8D80D2EFE}"/>
+              </a:ext>
+            </a:extLst>
+          </p:cNvPr>
+          <p:cNvSpPr txBox="1"/>
+          <p:nvPr/>
+        </p:nvSpPr>
+        <p:spPr>
+          <a:xfrm>
+            <a:off x="2759932" y="6642255"/>
+            <a:ext cx="2036629" cy="338554"/>
+          </a:xfrm>
+          <a:prstGeom prst="rect">
+            <a:avLst/>
+          </a:prstGeom>
+          <a:noFill/>
+        </p:spPr>
+        <p:txBody>
+          <a:bodyPr wrap="square">
+            <a:spAutoFit/>
+          </a:bodyPr>
+          <a:lstStyle/>
+          <a:p>
+            <a:pPr algn="ctr"/>
+            <a:r>
+              <a:rPr lang="en-US" sz="1600" dirty="0"/>
+              <a:t>{{qr1}}</a:t>
+            </a:r>
+          </a:p>
+        </p:txBody>
+      </p:sp>
     </p:spTree>
     <p:extLst>
       <p:ext uri="{BB962C8B-B14F-4D97-AF65-F5344CB8AC3E}">
@@ -13434,10 +13470,10 @@
       </p:pic>
       <p:pic>
         <p:nvPicPr>
-          <p:cNvPr id="10" name="صورة 9">
+          <p:cNvPr id="8" name="صورة 7">
             <a:extLst>
               <a:ext uri="{FF2B5EF4-FFF2-40B4-BE49-F238E27FC236}">
-                <a16:creationId xmlns:a16="http://schemas.microsoft.com/office/drawing/2014/main" id="{9B5468F5-6C50-B322-C763-36F065D5E445}"/>
+                <a16:creationId xmlns:a16="http://schemas.microsoft.com/office/drawing/2014/main" id="{566DA74B-2FBC-E5A2-BC5A-26F77594DD21}"/>
               </a:ext>
             </a:extLst>
           </p:cNvPr>
@@ -13460,7 +13496,7 @@
         </p:blipFill>
         <p:spPr>
           <a:xfrm>
-            <a:off x="1672841" y="6413500"/>
+            <a:off x="1647874" y="6454049"/>
             <a:ext cx="4210816" cy="2357302"/>
           </a:xfrm>
           <a:prstGeom prst="rect">
@@ -13468,6 +13504,42 @@
           </a:prstGeom>
         </p:spPr>
       </p:pic>
+      <p:sp>
+        <p:nvSpPr>
+          <p:cNvPr id="11" name="TextBox 2">
+            <a:extLst>
+              <a:ext uri="{FF2B5EF4-FFF2-40B4-BE49-F238E27FC236}">
+                <a16:creationId xmlns:a16="http://schemas.microsoft.com/office/drawing/2014/main" id="{99A4321F-5A48-26C5-3EED-1FE4FDB11174}"/>
+              </a:ext>
+            </a:extLst>
+          </p:cNvPr>
+          <p:cNvSpPr txBox="1"/>
+          <p:nvPr/>
+        </p:nvSpPr>
+        <p:spPr>
+          <a:xfrm>
+            <a:off x="2734968" y="7463423"/>
+            <a:ext cx="2036629" cy="338554"/>
+          </a:xfrm>
+          <a:prstGeom prst="rect">
+            <a:avLst/>
+          </a:prstGeom>
+          <a:noFill/>
+        </p:spPr>
+        <p:txBody>
+          <a:bodyPr wrap="square">
+            <a:spAutoFit/>
+          </a:bodyPr>
+          <a:lstStyle/>
+          <a:p>
+            <a:pPr algn="ctr"/>
+            <a:r>
+              <a:rPr lang="en-US" sz="1600" dirty="0"/>
+              <a:t>{{qr2}}</a:t>
+            </a:r>
+          </a:p>
+        </p:txBody>
+      </p:sp>
     </p:spTree>
     <p:extLst>
       <p:ext uri="{BB962C8B-B14F-4D97-AF65-F5344CB8AC3E}">
@@ -14897,10 +14969,10 @@
       </p:pic>
       <p:pic>
         <p:nvPicPr>
-          <p:cNvPr id="11" name="صورة 10">
+          <p:cNvPr id="8" name="صورة 7">
             <a:extLst>
               <a:ext uri="{FF2B5EF4-FFF2-40B4-BE49-F238E27FC236}">
-                <a16:creationId xmlns:a16="http://schemas.microsoft.com/office/drawing/2014/main" id="{43CC4A08-1B64-34D2-5173-D660CEE334BB}"/>
+                <a16:creationId xmlns:a16="http://schemas.microsoft.com/office/drawing/2014/main" id="{3BDC1456-70AA-0A0D-29E6-0B7B35CC8784}"/>
               </a:ext>
             </a:extLst>
           </p:cNvPr>
@@ -14923,7 +14995,7 @@
         </p:blipFill>
         <p:spPr>
           <a:xfrm>
-            <a:off x="1672841" y="6413500"/>
+            <a:off x="1672842" y="6444186"/>
             <a:ext cx="4210816" cy="2357302"/>
           </a:xfrm>
           <a:prstGeom prst="rect">
@@ -14931,6 +15003,42 @@
           </a:prstGeom>
         </p:spPr>
       </p:pic>
+      <p:sp>
+        <p:nvSpPr>
+          <p:cNvPr id="9" name="TextBox 2">
+            <a:extLst>
+              <a:ext uri="{FF2B5EF4-FFF2-40B4-BE49-F238E27FC236}">
+                <a16:creationId xmlns:a16="http://schemas.microsoft.com/office/drawing/2014/main" id="{0DD41000-8FC3-146C-A0BB-7C00AE36A013}"/>
+              </a:ext>
+            </a:extLst>
+          </p:cNvPr>
+          <p:cNvSpPr txBox="1"/>
+          <p:nvPr/>
+        </p:nvSpPr>
+        <p:spPr>
+          <a:xfrm>
+            <a:off x="2759936" y="7453560"/>
+            <a:ext cx="2036629" cy="338554"/>
+          </a:xfrm>
+          <a:prstGeom prst="rect">
+            <a:avLst/>
+          </a:prstGeom>
+          <a:noFill/>
+        </p:spPr>
+        <p:txBody>
+          <a:bodyPr wrap="square">
+            <a:spAutoFit/>
+          </a:bodyPr>
+          <a:lstStyle/>
+          <a:p>
+            <a:pPr algn="ctr"/>
+            <a:r>
+              <a:rPr lang="en-US" sz="1600" dirty="0"/>
+              <a:t>{{qr3}}</a:t>
+            </a:r>
+          </a:p>
+        </p:txBody>
+      </p:sp>
     </p:spTree>
     <p:extLst>
       <p:ext uri="{BB962C8B-B14F-4D97-AF65-F5344CB8AC3E}">
@@ -16368,10 +16476,10 @@
       </p:pic>
       <p:pic>
         <p:nvPicPr>
-          <p:cNvPr id="17" name="صورة 16">
+          <p:cNvPr id="18" name="صورة 17">
             <a:extLst>
               <a:ext uri="{FF2B5EF4-FFF2-40B4-BE49-F238E27FC236}">
-                <a16:creationId xmlns:a16="http://schemas.microsoft.com/office/drawing/2014/main" id="{E4EDD610-C659-3FDF-5833-6F8E8BCF62CA}"/>
+                <a16:creationId xmlns:a16="http://schemas.microsoft.com/office/drawing/2014/main" id="{BF64D352-D41B-5C2A-09B9-11CF888FDA7E}"/>
               </a:ext>
             </a:extLst>
           </p:cNvPr>
@@ -16394,8 +16502,8 @@
         </p:blipFill>
         <p:spPr>
           <a:xfrm>
-            <a:off x="1672841" y="6413500"/>
-            <a:ext cx="4210816" cy="2357302"/>
+            <a:off x="349250" y="9026160"/>
+            <a:ext cx="2081065" cy="1165023"/>
           </a:xfrm>
           <a:prstGeom prst="rect">
             <a:avLst/>
@@ -16404,10 +16512,10 @@
       </p:pic>
       <p:pic>
         <p:nvPicPr>
-          <p:cNvPr id="18" name="صورة 17">
+          <p:cNvPr id="5" name="صورة 4">
             <a:extLst>
               <a:ext uri="{FF2B5EF4-FFF2-40B4-BE49-F238E27FC236}">
-                <a16:creationId xmlns:a16="http://schemas.microsoft.com/office/drawing/2014/main" id="{BF64D352-D41B-5C2A-09B9-11CF888FDA7E}"/>
+                <a16:creationId xmlns:a16="http://schemas.microsoft.com/office/drawing/2014/main" id="{90EED848-4E18-F48C-AE70-45E8F9E8B19B}"/>
               </a:ext>
             </a:extLst>
           </p:cNvPr>
@@ -16430,14 +16538,50 @@
         </p:blipFill>
         <p:spPr>
           <a:xfrm>
-            <a:off x="349250" y="9026160"/>
-            <a:ext cx="2081065" cy="1165023"/>
+            <a:off x="1672843" y="6171805"/>
+            <a:ext cx="4210816" cy="2357302"/>
           </a:xfrm>
           <a:prstGeom prst="rect">
             <a:avLst/>
           </a:prstGeom>
         </p:spPr>
       </p:pic>
+      <p:sp>
+        <p:nvSpPr>
+          <p:cNvPr id="6" name="TextBox 2">
+            <a:extLst>
+              <a:ext uri="{FF2B5EF4-FFF2-40B4-BE49-F238E27FC236}">
+                <a16:creationId xmlns:a16="http://schemas.microsoft.com/office/drawing/2014/main" id="{49F6E161-1CAC-AC91-F68D-7E486543CFF8}"/>
+              </a:ext>
+            </a:extLst>
+          </p:cNvPr>
+          <p:cNvSpPr txBox="1"/>
+          <p:nvPr/>
+        </p:nvSpPr>
+        <p:spPr>
+          <a:xfrm>
+            <a:off x="2759935" y="7181179"/>
+            <a:ext cx="2036629" cy="338554"/>
+          </a:xfrm>
+          <a:prstGeom prst="rect">
+            <a:avLst/>
+          </a:prstGeom>
+          <a:noFill/>
+        </p:spPr>
+        <p:txBody>
+          <a:bodyPr wrap="square">
+            <a:spAutoFit/>
+          </a:bodyPr>
+          <a:lstStyle/>
+          <a:p>
+            <a:pPr algn="ctr"/>
+            <a:r>
+              <a:rPr lang="en-US" sz="1600" dirty="0"/>
+              <a:t>{{qr4}}</a:t>
+            </a:r>
+          </a:p>
+        </p:txBody>
+      </p:sp>
     </p:spTree>
     <p:extLst>
       <p:ext uri="{BB962C8B-B14F-4D97-AF65-F5344CB8AC3E}">
@@ -17859,10 +18003,10 @@
       </p:pic>
       <p:pic>
         <p:nvPicPr>
-          <p:cNvPr id="18" name="صورة 17">
+          <p:cNvPr id="19" name="صورة 18">
             <a:extLst>
               <a:ext uri="{FF2B5EF4-FFF2-40B4-BE49-F238E27FC236}">
-                <a16:creationId xmlns:a16="http://schemas.microsoft.com/office/drawing/2014/main" id="{C9293703-526D-1E7C-C7F1-2EEEFBBE4B31}"/>
+                <a16:creationId xmlns:a16="http://schemas.microsoft.com/office/drawing/2014/main" id="{6D1B6F36-749D-0144-A7CD-CCABC66FAF75}"/>
               </a:ext>
             </a:extLst>
           </p:cNvPr>
@@ -17885,8 +18029,8 @@
         </p:blipFill>
         <p:spPr>
           <a:xfrm>
-            <a:off x="1672841" y="6413500"/>
-            <a:ext cx="4210816" cy="2357302"/>
+            <a:off x="349250" y="9026160"/>
+            <a:ext cx="2081065" cy="1165023"/>
           </a:xfrm>
           <a:prstGeom prst="rect">
             <a:avLst/>
@@ -17895,10 +18039,10 @@
       </p:pic>
       <p:pic>
         <p:nvPicPr>
-          <p:cNvPr id="19" name="صورة 18">
+          <p:cNvPr id="5" name="صورة 4">
             <a:extLst>
               <a:ext uri="{FF2B5EF4-FFF2-40B4-BE49-F238E27FC236}">
-                <a16:creationId xmlns:a16="http://schemas.microsoft.com/office/drawing/2014/main" id="{6D1B6F36-749D-0144-A7CD-CCABC66FAF75}"/>
+                <a16:creationId xmlns:a16="http://schemas.microsoft.com/office/drawing/2014/main" id="{EF5792BA-36C2-6FBF-F4F0-ADE55C0EAB3B}"/>
               </a:ext>
             </a:extLst>
           </p:cNvPr>
@@ -17921,14 +18065,50 @@
         </p:blipFill>
         <p:spPr>
           <a:xfrm>
-            <a:off x="349250" y="9026160"/>
-            <a:ext cx="2081065" cy="1165023"/>
+            <a:off x="1672842" y="6379416"/>
+            <a:ext cx="4210816" cy="2357302"/>
           </a:xfrm>
           <a:prstGeom prst="rect">
             <a:avLst/>
           </a:prstGeom>
         </p:spPr>
       </p:pic>
+      <p:sp>
+        <p:nvSpPr>
+          <p:cNvPr id="6" name="TextBox 2">
+            <a:extLst>
+              <a:ext uri="{FF2B5EF4-FFF2-40B4-BE49-F238E27FC236}">
+                <a16:creationId xmlns:a16="http://schemas.microsoft.com/office/drawing/2014/main" id="{63869549-EE58-271C-BF4A-B57FD82EA0CC}"/>
+              </a:ext>
+            </a:extLst>
+          </p:cNvPr>
+          <p:cNvSpPr txBox="1"/>
+          <p:nvPr/>
+        </p:nvSpPr>
+        <p:spPr>
+          <a:xfrm>
+            <a:off x="2759934" y="7388790"/>
+            <a:ext cx="2036629" cy="338554"/>
+          </a:xfrm>
+          <a:prstGeom prst="rect">
+            <a:avLst/>
+          </a:prstGeom>
+          <a:noFill/>
+        </p:spPr>
+        <p:txBody>
+          <a:bodyPr wrap="square">
+            <a:spAutoFit/>
+          </a:bodyPr>
+          <a:lstStyle/>
+          <a:p>
+            <a:pPr algn="ctr"/>
+            <a:r>
+              <a:rPr lang="en-US" sz="1600" dirty="0"/>
+              <a:t>{{qr5}}</a:t>
+            </a:r>
+          </a:p>
+        </p:txBody>
+      </p:sp>
     </p:spTree>
     <p:extLst>
       <p:ext uri="{BB962C8B-B14F-4D97-AF65-F5344CB8AC3E}">
@@ -18026,42 +18206,6 @@
           </a:p>
         </p:txBody>
       </p:sp>
-      <p:pic>
-        <p:nvPicPr>
-          <p:cNvPr id="11" name="صورة 10">
-            <a:extLst>
-              <a:ext uri="{FF2B5EF4-FFF2-40B4-BE49-F238E27FC236}">
-                <a16:creationId xmlns:a16="http://schemas.microsoft.com/office/drawing/2014/main" id="{CDBBECF0-00A2-DB99-2D40-E57714E9A2A4}"/>
-              </a:ext>
-            </a:extLst>
-          </p:cNvPr>
-          <p:cNvPicPr>
-            <a:picLocks noChangeAspect="1"/>
-          </p:cNvPicPr>
-          <p:nvPr/>
-        </p:nvPicPr>
-        <p:blipFill>
-          <a:blip r:embed="rId3" cstate="print">
-            <a:extLst>
-              <a:ext uri="{28A0092B-C50C-407E-A947-70E740481C1C}">
-                <a14:useLocalDpi xmlns:a14="http://schemas.microsoft.com/office/drawing/2010/main" val="0"/>
-              </a:ext>
-            </a:extLst>
-          </a:blip>
-          <a:stretch>
-            <a:fillRect/>
-          </a:stretch>
-        </p:blipFill>
-        <p:spPr>
-          <a:xfrm>
-            <a:off x="1672841" y="6413500"/>
-            <a:ext cx="4210816" cy="2357302"/>
-          </a:xfrm>
-          <a:prstGeom prst="rect">
-            <a:avLst/>
-          </a:prstGeom>
-        </p:spPr>
-      </p:pic>
       <p:sp>
         <p:nvSpPr>
           <p:cNvPr id="3" name="Freeform 3">
@@ -18109,11 +18253,11 @@
             </a:pathLst>
           </a:custGeom>
           <a:blipFill>
-            <a:blip r:embed="rId4">
+            <a:blip r:embed="rId3">
               <a:alphaModFix amt="83000"/>
               <a:extLst>
                 <a:ext uri="{96DAC541-7B7A-43D3-8B79-37D633B846F1}">
-                  <asvg:svgBlip xmlns:asvg="http://schemas.microsoft.com/office/drawing/2016/SVG/main" r:embed="rId5"/>
+                  <asvg:svgBlip xmlns:asvg="http://schemas.microsoft.com/office/drawing/2016/SVG/main" r:embed="rId4"/>
                 </a:ext>
               </a:extLst>
             </a:blip>
@@ -18177,11 +18321,11 @@
             </a:pathLst>
           </a:custGeom>
           <a:blipFill>
-            <a:blip r:embed="rId4">
+            <a:blip r:embed="rId3">
               <a:alphaModFix amt="83000"/>
               <a:extLst>
                 <a:ext uri="{96DAC541-7B7A-43D3-8B79-37D633B846F1}">
-                  <asvg:svgBlip xmlns:asvg="http://schemas.microsoft.com/office/drawing/2016/SVG/main" r:embed="rId5"/>
+                  <asvg:svgBlip xmlns:asvg="http://schemas.microsoft.com/office/drawing/2016/SVG/main" r:embed="rId4"/>
                 </a:ext>
               </a:extLst>
             </a:blip>
@@ -19351,7 +19495,7 @@
           <p:nvPr/>
         </p:nvPicPr>
         <p:blipFill>
-          <a:blip r:embed="rId6" cstate="print">
+          <a:blip r:embed="rId5" cstate="print">
             <a:extLst>
               <a:ext uri="{28A0092B-C50C-407E-A947-70E740481C1C}">
                 <a14:useLocalDpi xmlns:a14="http://schemas.microsoft.com/office/drawing/2010/main" val="0"/>
@@ -19387,7 +19531,7 @@
           <p:nvPr/>
         </p:nvPicPr>
         <p:blipFill>
-          <a:blip r:embed="rId7" cstate="print">
+          <a:blip r:embed="rId6" cstate="print">
             <a:extLst>
               <a:ext uri="{28A0092B-C50C-407E-A947-70E740481C1C}">
                 <a14:useLocalDpi xmlns:a14="http://schemas.microsoft.com/office/drawing/2010/main" val="0"/>
@@ -19408,6 +19552,78 @@
           </a:prstGeom>
         </p:spPr>
       </p:pic>
+      <p:pic>
+        <p:nvPicPr>
+          <p:cNvPr id="8" name="صورة 7">
+            <a:extLst>
+              <a:ext uri="{FF2B5EF4-FFF2-40B4-BE49-F238E27FC236}">
+                <a16:creationId xmlns:a16="http://schemas.microsoft.com/office/drawing/2014/main" id="{39FFEE5F-7D65-1027-22BB-5DF3110DF683}"/>
+              </a:ext>
+            </a:extLst>
+          </p:cNvPr>
+          <p:cNvPicPr>
+            <a:picLocks noChangeAspect="1"/>
+          </p:cNvPicPr>
+          <p:nvPr/>
+        </p:nvPicPr>
+        <p:blipFill>
+          <a:blip r:embed="rId7" cstate="print">
+            <a:extLst>
+              <a:ext uri="{28A0092B-C50C-407E-A947-70E740481C1C}">
+                <a14:useLocalDpi xmlns:a14="http://schemas.microsoft.com/office/drawing/2010/main" val="0"/>
+              </a:ext>
+            </a:extLst>
+          </a:blip>
+          <a:stretch>
+            <a:fillRect/>
+          </a:stretch>
+        </p:blipFill>
+        <p:spPr>
+          <a:xfrm>
+            <a:off x="1672842" y="6283952"/>
+            <a:ext cx="4210816" cy="2357302"/>
+          </a:xfrm>
+          <a:prstGeom prst="rect">
+            <a:avLst/>
+          </a:prstGeom>
+        </p:spPr>
+      </p:pic>
+      <p:sp>
+        <p:nvSpPr>
+          <p:cNvPr id="10" name="TextBox 2">
+            <a:extLst>
+              <a:ext uri="{FF2B5EF4-FFF2-40B4-BE49-F238E27FC236}">
+                <a16:creationId xmlns:a16="http://schemas.microsoft.com/office/drawing/2014/main" id="{2C139B8A-3110-5CA3-6078-1E5512A7CEAA}"/>
+              </a:ext>
+            </a:extLst>
+          </p:cNvPr>
+          <p:cNvSpPr txBox="1"/>
+          <p:nvPr/>
+        </p:nvSpPr>
+        <p:spPr>
+          <a:xfrm>
+            <a:off x="2759934" y="7293326"/>
+            <a:ext cx="2036629" cy="338554"/>
+          </a:xfrm>
+          <a:prstGeom prst="rect">
+            <a:avLst/>
+          </a:prstGeom>
+          <a:noFill/>
+        </p:spPr>
+        <p:txBody>
+          <a:bodyPr wrap="square">
+            <a:spAutoFit/>
+          </a:bodyPr>
+          <a:lstStyle/>
+          <a:p>
+            <a:pPr algn="ctr"/>
+            <a:r>
+              <a:rPr lang="en-US" sz="1600" dirty="0"/>
+              <a:t>{{qr6}}</a:t>
+            </a:r>
+          </a:p>
+        </p:txBody>
+      </p:sp>
     </p:spTree>
     <p:extLst>
       <p:ext uri="{BB962C8B-B14F-4D97-AF65-F5344CB8AC3E}">
@@ -21097,10 +21313,10 @@
       </p:pic>
       <p:pic>
         <p:nvPicPr>
-          <p:cNvPr id="10" name="صورة 9">
+          <p:cNvPr id="8" name="صورة 7">
             <a:extLst>
               <a:ext uri="{FF2B5EF4-FFF2-40B4-BE49-F238E27FC236}">
-                <a16:creationId xmlns:a16="http://schemas.microsoft.com/office/drawing/2014/main" id="{CCC4DC90-EACE-1661-AF77-790D06982E6C}"/>
+                <a16:creationId xmlns:a16="http://schemas.microsoft.com/office/drawing/2014/main" id="{6EF5EB08-2594-23A8-CAC3-EC173E64ABAD}"/>
               </a:ext>
             </a:extLst>
           </p:cNvPr>
@@ -21123,7 +21339,7 @@
         </p:blipFill>
         <p:spPr>
           <a:xfrm>
-            <a:off x="1672841" y="6413500"/>
+            <a:off x="1672842" y="6509328"/>
             <a:ext cx="4210816" cy="2357302"/>
           </a:xfrm>
           <a:prstGeom prst="rect">
@@ -21131,6 +21347,42 @@
           </a:prstGeom>
         </p:spPr>
       </p:pic>
+      <p:sp>
+        <p:nvSpPr>
+          <p:cNvPr id="11" name="TextBox 2">
+            <a:extLst>
+              <a:ext uri="{FF2B5EF4-FFF2-40B4-BE49-F238E27FC236}">
+                <a16:creationId xmlns:a16="http://schemas.microsoft.com/office/drawing/2014/main" id="{D5D288E4-EC33-151F-E1E3-0FD0AA3B9D70}"/>
+              </a:ext>
+            </a:extLst>
+          </p:cNvPr>
+          <p:cNvSpPr txBox="1"/>
+          <p:nvPr/>
+        </p:nvSpPr>
+        <p:spPr>
+          <a:xfrm>
+            <a:off x="2759934" y="7518702"/>
+            <a:ext cx="2036629" cy="338554"/>
+          </a:xfrm>
+          <a:prstGeom prst="rect">
+            <a:avLst/>
+          </a:prstGeom>
+          <a:noFill/>
+        </p:spPr>
+        <p:txBody>
+          <a:bodyPr wrap="square">
+            <a:spAutoFit/>
+          </a:bodyPr>
+          <a:lstStyle/>
+          <a:p>
+            <a:pPr algn="ctr"/>
+            <a:r>
+              <a:rPr lang="en-US" sz="1600" dirty="0"/>
+              <a:t>{{qr7}}</a:t>
+            </a:r>
+          </a:p>
+        </p:txBody>
+      </p:sp>
     </p:spTree>
     <p:extLst>
       <p:ext uri="{BB962C8B-B14F-4D97-AF65-F5344CB8AC3E}">
@@ -22363,10 +22615,10 @@
       </p:pic>
       <p:pic>
         <p:nvPicPr>
-          <p:cNvPr id="10" name="صورة 9">
+          <p:cNvPr id="8" name="صورة 7">
             <a:extLst>
               <a:ext uri="{FF2B5EF4-FFF2-40B4-BE49-F238E27FC236}">
-                <a16:creationId xmlns:a16="http://schemas.microsoft.com/office/drawing/2014/main" id="{1E15203F-B749-3A90-665E-6BCDAD68C1E9}"/>
+                <a16:creationId xmlns:a16="http://schemas.microsoft.com/office/drawing/2014/main" id="{EB9E8CF5-1402-10E3-7104-EF116369BBEA}"/>
               </a:ext>
             </a:extLst>
           </p:cNvPr>
@@ -22389,7 +22641,7 @@
         </p:blipFill>
         <p:spPr>
           <a:xfrm>
-            <a:off x="1672841" y="6011773"/>
+            <a:off x="1672842" y="5830942"/>
             <a:ext cx="4210816" cy="2357302"/>
           </a:xfrm>
           <a:prstGeom prst="rect">
@@ -22397,6 +22649,42 @@
           </a:prstGeom>
         </p:spPr>
       </p:pic>
+      <p:sp>
+        <p:nvSpPr>
+          <p:cNvPr id="11" name="TextBox 2">
+            <a:extLst>
+              <a:ext uri="{FF2B5EF4-FFF2-40B4-BE49-F238E27FC236}">
+                <a16:creationId xmlns:a16="http://schemas.microsoft.com/office/drawing/2014/main" id="{02E19F69-54A5-2531-460E-6E43F7196690}"/>
+              </a:ext>
+            </a:extLst>
+          </p:cNvPr>
+          <p:cNvSpPr txBox="1"/>
+          <p:nvPr/>
+        </p:nvSpPr>
+        <p:spPr>
+          <a:xfrm>
+            <a:off x="2759934" y="6840316"/>
+            <a:ext cx="2036629" cy="338554"/>
+          </a:xfrm>
+          <a:prstGeom prst="rect">
+            <a:avLst/>
+          </a:prstGeom>
+          <a:noFill/>
+        </p:spPr>
+        <p:txBody>
+          <a:bodyPr wrap="square">
+            <a:spAutoFit/>
+          </a:bodyPr>
+          <a:lstStyle/>
+          <a:p>
+            <a:pPr algn="ctr"/>
+            <a:r>
+              <a:rPr lang="en-US" sz="1600" dirty="0"/>
+              <a:t>{{qr8}}</a:t>
+            </a:r>
+          </a:p>
+        </p:txBody>
+      </p:sp>
     </p:spTree>
     <p:extLst>
       <p:ext uri="{BB962C8B-B14F-4D97-AF65-F5344CB8AC3E}">
@@ -23826,10 +24114,10 @@
       </p:pic>
       <p:pic>
         <p:nvPicPr>
-          <p:cNvPr id="10" name="صورة 9">
+          <p:cNvPr id="8" name="صورة 7">
             <a:extLst>
               <a:ext uri="{FF2B5EF4-FFF2-40B4-BE49-F238E27FC236}">
-                <a16:creationId xmlns:a16="http://schemas.microsoft.com/office/drawing/2014/main" id="{51CA1A50-DF2B-0638-9D8E-9B52DE729B38}"/>
+                <a16:creationId xmlns:a16="http://schemas.microsoft.com/office/drawing/2014/main" id="{B36B105A-F2F5-A13D-3DED-E805E58CDC4C}"/>
               </a:ext>
             </a:extLst>
           </p:cNvPr>
@@ -23852,7 +24140,7 @@
         </p:blipFill>
         <p:spPr>
           <a:xfrm>
-            <a:off x="1672840" y="6306794"/>
+            <a:off x="1672842" y="6401192"/>
             <a:ext cx="4210816" cy="2357302"/>
           </a:xfrm>
           <a:prstGeom prst="rect">
@@ -23860,6 +24148,42 @@
           </a:prstGeom>
         </p:spPr>
       </p:pic>
+      <p:sp>
+        <p:nvSpPr>
+          <p:cNvPr id="11" name="TextBox 2">
+            <a:extLst>
+              <a:ext uri="{FF2B5EF4-FFF2-40B4-BE49-F238E27FC236}">
+                <a16:creationId xmlns:a16="http://schemas.microsoft.com/office/drawing/2014/main" id="{890AB6B1-0BD4-1772-BD1D-B8C76FDFD7E5}"/>
+              </a:ext>
+            </a:extLst>
+          </p:cNvPr>
+          <p:cNvSpPr txBox="1"/>
+          <p:nvPr/>
+        </p:nvSpPr>
+        <p:spPr>
+          <a:xfrm>
+            <a:off x="2759934" y="7410566"/>
+            <a:ext cx="2036629" cy="338554"/>
+          </a:xfrm>
+          <a:prstGeom prst="rect">
+            <a:avLst/>
+          </a:prstGeom>
+          <a:noFill/>
+        </p:spPr>
+        <p:txBody>
+          <a:bodyPr wrap="square">
+            <a:spAutoFit/>
+          </a:bodyPr>
+          <a:lstStyle/>
+          <a:p>
+            <a:pPr algn="ctr"/>
+            <a:r>
+              <a:rPr lang="en-US" sz="1600" dirty="0"/>
+              <a:t>{{qr9}}</a:t>
+            </a:r>
+          </a:p>
+        </p:txBody>
+      </p:sp>
     </p:spTree>
     <p:extLst>
       <p:ext uri="{BB962C8B-B14F-4D97-AF65-F5344CB8AC3E}">
@@ -25292,10 +25616,10 @@
       </p:pic>
       <p:pic>
         <p:nvPicPr>
-          <p:cNvPr id="10" name="صورة 9">
+          <p:cNvPr id="8" name="صورة 7">
             <a:extLst>
               <a:ext uri="{FF2B5EF4-FFF2-40B4-BE49-F238E27FC236}">
-                <a16:creationId xmlns:a16="http://schemas.microsoft.com/office/drawing/2014/main" id="{7AC3D74A-9373-40A9-44C1-122BEDAEFFFF}"/>
+                <a16:creationId xmlns:a16="http://schemas.microsoft.com/office/drawing/2014/main" id="{3859A58A-872C-9B4A-C843-D5394D8D247D}"/>
               </a:ext>
             </a:extLst>
           </p:cNvPr>
@@ -25318,7 +25642,7 @@
         </p:blipFill>
         <p:spPr>
           <a:xfrm>
-            <a:off x="1672841" y="6413500"/>
+            <a:off x="1656981" y="6535511"/>
             <a:ext cx="4210816" cy="2357302"/>
           </a:xfrm>
           <a:prstGeom prst="rect">
@@ -25326,6 +25650,42 @@
           </a:prstGeom>
         </p:spPr>
       </p:pic>
+      <p:sp>
+        <p:nvSpPr>
+          <p:cNvPr id="11" name="TextBox 2">
+            <a:extLst>
+              <a:ext uri="{FF2B5EF4-FFF2-40B4-BE49-F238E27FC236}">
+                <a16:creationId xmlns:a16="http://schemas.microsoft.com/office/drawing/2014/main" id="{95901AA7-75F8-AED1-70AD-74F0F5F1904B}"/>
+              </a:ext>
+            </a:extLst>
+          </p:cNvPr>
+          <p:cNvSpPr txBox="1"/>
+          <p:nvPr/>
+        </p:nvSpPr>
+        <p:spPr>
+          <a:xfrm>
+            <a:off x="2744073" y="7544885"/>
+            <a:ext cx="2036629" cy="338554"/>
+          </a:xfrm>
+          <a:prstGeom prst="rect">
+            <a:avLst/>
+          </a:prstGeom>
+          <a:noFill/>
+        </p:spPr>
+        <p:txBody>
+          <a:bodyPr wrap="square">
+            <a:spAutoFit/>
+          </a:bodyPr>
+          <a:lstStyle/>
+          <a:p>
+            <a:pPr algn="ctr"/>
+            <a:r>
+              <a:rPr lang="en-US" sz="1600" dirty="0"/>
+              <a:t>{{qr10}}</a:t>
+            </a:r>
+          </a:p>
+        </p:txBody>
+      </p:sp>
     </p:spTree>
     <p:extLst>
       <p:ext uri="{BB962C8B-B14F-4D97-AF65-F5344CB8AC3E}">
@@ -26559,10 +26919,10 @@
       </p:pic>
       <p:pic>
         <p:nvPicPr>
-          <p:cNvPr id="10" name="صورة 9">
+          <p:cNvPr id="8" name="صورة 7">
             <a:extLst>
               <a:ext uri="{FF2B5EF4-FFF2-40B4-BE49-F238E27FC236}">
-                <a16:creationId xmlns:a16="http://schemas.microsoft.com/office/drawing/2014/main" id="{E44DF827-DBDA-0E34-4BA9-0214FE6DA508}"/>
+                <a16:creationId xmlns:a16="http://schemas.microsoft.com/office/drawing/2014/main" id="{5F2E4EA8-E489-347E-7BC1-037A06D508A2}"/>
               </a:ext>
             </a:extLst>
           </p:cNvPr>
@@ -26585,7 +26945,7 @@
         </p:blipFill>
         <p:spPr>
           <a:xfrm>
-            <a:off x="1663865" y="6055382"/>
+            <a:off x="1672842" y="6146061"/>
             <a:ext cx="4210816" cy="2357302"/>
           </a:xfrm>
           <a:prstGeom prst="rect">
@@ -26593,6 +26953,42 @@
           </a:prstGeom>
         </p:spPr>
       </p:pic>
+      <p:sp>
+        <p:nvSpPr>
+          <p:cNvPr id="11" name="TextBox 2">
+            <a:extLst>
+              <a:ext uri="{FF2B5EF4-FFF2-40B4-BE49-F238E27FC236}">
+                <a16:creationId xmlns:a16="http://schemas.microsoft.com/office/drawing/2014/main" id="{DA553A95-DAD6-33E6-82B8-0E579BE4A724}"/>
+              </a:ext>
+            </a:extLst>
+          </p:cNvPr>
+          <p:cNvSpPr txBox="1"/>
+          <p:nvPr/>
+        </p:nvSpPr>
+        <p:spPr>
+          <a:xfrm>
+            <a:off x="2759934" y="7155435"/>
+            <a:ext cx="2036629" cy="338554"/>
+          </a:xfrm>
+          <a:prstGeom prst="rect">
+            <a:avLst/>
+          </a:prstGeom>
+          <a:noFill/>
+        </p:spPr>
+        <p:txBody>
+          <a:bodyPr wrap="square">
+            <a:spAutoFit/>
+          </a:bodyPr>
+          <a:lstStyle/>
+          <a:p>
+            <a:pPr algn="ctr"/>
+            <a:r>
+              <a:rPr lang="en-US" sz="1600" dirty="0"/>
+              <a:t>{{qr11}}</a:t>
+            </a:r>
+          </a:p>
+        </p:txBody>
+      </p:sp>
     </p:spTree>
     <p:extLst>
       <p:ext uri="{BB962C8B-B14F-4D97-AF65-F5344CB8AC3E}">
@@ -33790,8 +34186,11 @@
 
 <file path=ppt/webextensions/taskpanes.xml><?xml version="1.0" encoding="utf-8"?>
 <wetp:taskpanes xmlns:wetp="http://schemas.microsoft.com/office/webextensions/taskpanes/2010/11">
+  <wetp:taskpane dockstate="right" visibility="0" width="438" row="1">
+    <wetp:webextensionref xmlns:r="http://schemas.openxmlformats.org/officeDocument/2006/relationships" r:id="rId1"/>
+  </wetp:taskpane>
   <wetp:taskpane dockstate="right" visibility="0" width="438" row="0">
-    <wetp:webextensionref xmlns:r="http://schemas.openxmlformats.org/officeDocument/2006/relationships" r:id="rId1"/>
+    <wetp:webextensionref xmlns:r="http://schemas.openxmlformats.org/officeDocument/2006/relationships" r:id="rId2"/>
   </wetp:taskpane>
 </wetp:taskpanes>
 </file>
@@ -33806,4 +34205,16 @@
   <we:bindings/>
   <we:snapshot xmlns:r="http://schemas.openxmlformats.org/officeDocument/2006/relationships"/>
 </we:webextension>
+</file>
+
+<file path=ppt/webextensions/webextension2.xml><?xml version="1.0" encoding="utf-8"?>
+<we:webextension xmlns:we="http://schemas.microsoft.com/office/webextensions/webextension/2010/11" id="{D426D3DE-EEF2-46DA-BF20-0B21828E532F}">
+  <we:reference id="wa200003220" version="1.0.0.0" store="ar-SA" storeType="OMEX"/>
+  <we:alternateReferences>
+    <we:reference id="WA200003220" version="1.0.0.0" store="" storeType="OMEX"/>
+  </we:alternateReferences>
+  <we:properties/>
+  <we:bindings/>
+  <we:snapshot xmlns:r="http://schemas.openxmlformats.org/officeDocument/2006/relationships"/>
+</we:webextension>
 </file>
--- a/templates/template.pptx
+++ b/templates/template.pptx
@@ -11416,35 +11416,35 @@
       </p:pic>
       <p:sp>
         <p:nvSpPr>
-          <p:cNvPr id="10" name="TextBox 2">
+          <p:cNvPr id="13" name="عنصر نائب للمحتوى 12">
             <a:extLst>
               <a:ext uri="{FF2B5EF4-FFF2-40B4-BE49-F238E27FC236}">
-                <a16:creationId xmlns:a16="http://schemas.microsoft.com/office/drawing/2014/main" id="{35BB5D62-D95D-ADAC-5F73-03C8D80D2EFE}"/>
+                <a16:creationId xmlns:a16="http://schemas.microsoft.com/office/drawing/2014/main" id="{D293F24E-2D4E-0039-A407-885707E0D618}"/>
               </a:ext>
             </a:extLst>
           </p:cNvPr>
-          <p:cNvSpPr txBox="1"/>
-          <p:nvPr/>
+          <p:cNvSpPr>
+            <a:spLocks noGrp="1"/>
+          </p:cNvSpPr>
+          <p:nvPr>
+            <p:ph sz="half" idx="2"/>
+          </p:nvPr>
         </p:nvSpPr>
         <p:spPr>
           <a:xfrm>
-            <a:off x="2759932" y="6642255"/>
-            <a:ext cx="2036629" cy="338554"/>
+            <a:off x="2863850" y="5940974"/>
+            <a:ext cx="1828800" cy="1767926"/>
           </a:xfrm>
-          <a:prstGeom prst="rect">
-            <a:avLst/>
-          </a:prstGeom>
-          <a:noFill/>
         </p:spPr>
         <p:txBody>
-          <a:bodyPr wrap="square">
-            <a:spAutoFit/>
-          </a:bodyPr>
+          <a:bodyPr/>
           <a:lstStyle/>
           <a:p>
-            <a:pPr algn="ctr"/>
+            <a:pPr marL="0" indent="0" algn="ctr">
+              <a:buNone/>
+            </a:pPr>
             <a:r>
-              <a:rPr lang="en-US" sz="1600" dirty="0"/>
+              <a:rPr lang="en-US" sz="2400" dirty="0"/>
               <a:t>{{qr1}}</a:t>
             </a:r>
           </a:p>
@@ -13470,10 +13470,10 @@
       </p:pic>
       <p:pic>
         <p:nvPicPr>
-          <p:cNvPr id="8" name="صورة 7">
+          <p:cNvPr id="10" name="صورة 9">
             <a:extLst>
               <a:ext uri="{FF2B5EF4-FFF2-40B4-BE49-F238E27FC236}">
-                <a16:creationId xmlns:a16="http://schemas.microsoft.com/office/drawing/2014/main" id="{566DA74B-2FBC-E5A2-BC5A-26F77594DD21}"/>
+                <a16:creationId xmlns:a16="http://schemas.microsoft.com/office/drawing/2014/main" id="{D67B6E36-D82F-381D-20CB-02C73A12693B}"/>
               </a:ext>
             </a:extLst>
           </p:cNvPr>
@@ -13496,7 +13496,7 @@
         </p:blipFill>
         <p:spPr>
           <a:xfrm>
-            <a:off x="1647874" y="6454049"/>
+            <a:off x="1647874" y="6447536"/>
             <a:ext cx="4210816" cy="2357302"/>
           </a:xfrm>
           <a:prstGeom prst="rect">
@@ -13506,35 +13506,173 @@
       </p:pic>
       <p:sp>
         <p:nvSpPr>
-          <p:cNvPr id="11" name="TextBox 2">
+          <p:cNvPr id="12" name="عنصر نائب للمحتوى 12">
             <a:extLst>
               <a:ext uri="{FF2B5EF4-FFF2-40B4-BE49-F238E27FC236}">
-                <a16:creationId xmlns:a16="http://schemas.microsoft.com/office/drawing/2014/main" id="{99A4321F-5A48-26C5-3EED-1FE4FDB11174}"/>
+                <a16:creationId xmlns:a16="http://schemas.microsoft.com/office/drawing/2014/main" id="{A08B2657-9A0C-0B54-2BE5-1799E71034A1}"/>
               </a:ext>
             </a:extLst>
           </p:cNvPr>
-          <p:cNvSpPr txBox="1"/>
+          <p:cNvSpPr txBox="1">
+            <a:spLocks/>
+          </p:cNvSpPr>
           <p:nvPr/>
         </p:nvSpPr>
         <p:spPr>
           <a:xfrm>
-            <a:off x="2734968" y="7463423"/>
-            <a:ext cx="2036629" cy="338554"/>
+            <a:off x="2838884" y="6755629"/>
+            <a:ext cx="1828800" cy="1767926"/>
           </a:xfrm>
           <a:prstGeom prst="rect">
             <a:avLst/>
           </a:prstGeom>
-          <a:noFill/>
         </p:spPr>
         <p:txBody>
-          <a:bodyPr wrap="square">
-            <a:spAutoFit/>
-          </a:bodyPr>
-          <a:lstStyle/>
+          <a:bodyPr/>
+          <a:lstStyle>
+            <a:lvl1pPr marL="342900" indent="-342900" algn="l" defTabSz="914400" rtl="0" eaLnBrk="1" latinLnBrk="0" hangingPunct="1">
+              <a:spcBef>
+                <a:spcPct val="20000"/>
+              </a:spcBef>
+              <a:buFont typeface="Arial" pitchFamily="34" charset="0"/>
+              <a:buChar char="•"/>
+              <a:defRPr sz="3200" kern="1200">
+                <a:solidFill>
+                  <a:schemeClr val="tx1"/>
+                </a:solidFill>
+                <a:latin typeface="+mn-lt"/>
+                <a:ea typeface="+mn-ea"/>
+                <a:cs typeface="+mn-cs"/>
+              </a:defRPr>
+            </a:lvl1pPr>
+            <a:lvl2pPr marL="742950" indent="-285750" algn="l" defTabSz="914400" rtl="0" eaLnBrk="1" latinLnBrk="0" hangingPunct="1">
+              <a:spcBef>
+                <a:spcPct val="20000"/>
+              </a:spcBef>
+              <a:buFont typeface="Arial" pitchFamily="34" charset="0"/>
+              <a:buChar char="–"/>
+              <a:defRPr sz="2800" kern="1200">
+                <a:solidFill>
+                  <a:schemeClr val="tx1"/>
+                </a:solidFill>
+                <a:latin typeface="+mn-lt"/>
+                <a:ea typeface="+mn-ea"/>
+                <a:cs typeface="+mn-cs"/>
+              </a:defRPr>
+            </a:lvl2pPr>
+            <a:lvl3pPr marL="1143000" indent="-228600" algn="l" defTabSz="914400" rtl="0" eaLnBrk="1" latinLnBrk="0" hangingPunct="1">
+              <a:spcBef>
+                <a:spcPct val="20000"/>
+              </a:spcBef>
+              <a:buFont typeface="Arial" pitchFamily="34" charset="0"/>
+              <a:buChar char="•"/>
+              <a:defRPr sz="2400" kern="1200">
+                <a:solidFill>
+                  <a:schemeClr val="tx1"/>
+                </a:solidFill>
+                <a:latin typeface="+mn-lt"/>
+                <a:ea typeface="+mn-ea"/>
+                <a:cs typeface="+mn-cs"/>
+              </a:defRPr>
+            </a:lvl3pPr>
+            <a:lvl4pPr marL="1600200" indent="-228600" algn="l" defTabSz="914400" rtl="0" eaLnBrk="1" latinLnBrk="0" hangingPunct="1">
+              <a:spcBef>
+                <a:spcPct val="20000"/>
+              </a:spcBef>
+              <a:buFont typeface="Arial" pitchFamily="34" charset="0"/>
+              <a:buChar char="–"/>
+              <a:defRPr sz="2000" kern="1200">
+                <a:solidFill>
+                  <a:schemeClr val="tx1"/>
+                </a:solidFill>
+                <a:latin typeface="+mn-lt"/>
+                <a:ea typeface="+mn-ea"/>
+                <a:cs typeface="+mn-cs"/>
+              </a:defRPr>
+            </a:lvl4pPr>
+            <a:lvl5pPr marL="2057400" indent="-228600" algn="l" defTabSz="914400" rtl="0" eaLnBrk="1" latinLnBrk="0" hangingPunct="1">
+              <a:spcBef>
+                <a:spcPct val="20000"/>
+              </a:spcBef>
+              <a:buFont typeface="Arial" pitchFamily="34" charset="0"/>
+              <a:buChar char="»"/>
+              <a:defRPr sz="2000" kern="1200">
+                <a:solidFill>
+                  <a:schemeClr val="tx1"/>
+                </a:solidFill>
+                <a:latin typeface="+mn-lt"/>
+                <a:ea typeface="+mn-ea"/>
+                <a:cs typeface="+mn-cs"/>
+              </a:defRPr>
+            </a:lvl5pPr>
+            <a:lvl6pPr marL="2514600" indent="-228600" algn="l" defTabSz="914400" rtl="0" eaLnBrk="1" latinLnBrk="0" hangingPunct="1">
+              <a:spcBef>
+                <a:spcPct val="20000"/>
+              </a:spcBef>
+              <a:buFont typeface="Arial" pitchFamily="34" charset="0"/>
+              <a:buChar char="•"/>
+              <a:defRPr sz="2000" kern="1200">
+                <a:solidFill>
+                  <a:schemeClr val="tx1"/>
+                </a:solidFill>
+                <a:latin typeface="+mn-lt"/>
+                <a:ea typeface="+mn-ea"/>
+                <a:cs typeface="+mn-cs"/>
+              </a:defRPr>
+            </a:lvl6pPr>
+            <a:lvl7pPr marL="2971800" indent="-228600" algn="l" defTabSz="914400" rtl="0" eaLnBrk="1" latinLnBrk="0" hangingPunct="1">
+              <a:spcBef>
+                <a:spcPct val="20000"/>
+              </a:spcBef>
+              <a:buFont typeface="Arial" pitchFamily="34" charset="0"/>
+              <a:buChar char="•"/>
+              <a:defRPr sz="2000" kern="1200">
+                <a:solidFill>
+                  <a:schemeClr val="tx1"/>
+                </a:solidFill>
+                <a:latin typeface="+mn-lt"/>
+                <a:ea typeface="+mn-ea"/>
+                <a:cs typeface="+mn-cs"/>
+              </a:defRPr>
+            </a:lvl7pPr>
+            <a:lvl8pPr marL="3429000" indent="-228600" algn="l" defTabSz="914400" rtl="0" eaLnBrk="1" latinLnBrk="0" hangingPunct="1">
+              <a:spcBef>
+                <a:spcPct val="20000"/>
+              </a:spcBef>
+              <a:buFont typeface="Arial" pitchFamily="34" charset="0"/>
+              <a:buChar char="•"/>
+              <a:defRPr sz="2000" kern="1200">
+                <a:solidFill>
+                  <a:schemeClr val="tx1"/>
+                </a:solidFill>
+                <a:latin typeface="+mn-lt"/>
+                <a:ea typeface="+mn-ea"/>
+                <a:cs typeface="+mn-cs"/>
+              </a:defRPr>
+            </a:lvl8pPr>
+            <a:lvl9pPr marL="3886200" indent="-228600" algn="l" defTabSz="914400" rtl="0" eaLnBrk="1" latinLnBrk="0" hangingPunct="1">
+              <a:spcBef>
+                <a:spcPct val="20000"/>
+              </a:spcBef>
+              <a:buFont typeface="Arial" pitchFamily="34" charset="0"/>
+              <a:buChar char="•"/>
+              <a:defRPr sz="2000" kern="1200">
+                <a:solidFill>
+                  <a:schemeClr val="tx1"/>
+                </a:solidFill>
+                <a:latin typeface="+mn-lt"/>
+                <a:ea typeface="+mn-ea"/>
+                <a:cs typeface="+mn-cs"/>
+              </a:defRPr>
+            </a:lvl9pPr>
+          </a:lstStyle>
           <a:p>
-            <a:pPr algn="ctr"/>
+            <a:pPr marL="0" indent="0" algn="ctr">
+              <a:buFont typeface="Arial" pitchFamily="34" charset="0"/>
+              <a:buNone/>
+            </a:pPr>
             <a:r>
-              <a:rPr lang="en-US" sz="1600" dirty="0"/>
+              <a:rPr lang="en-US" sz="2400" dirty="0"/>
               <a:t>{{qr2}}</a:t>
             </a:r>
           </a:p>
@@ -14969,10 +15107,10 @@
       </p:pic>
       <p:pic>
         <p:nvPicPr>
-          <p:cNvPr id="8" name="صورة 7">
+          <p:cNvPr id="11" name="صورة 10">
             <a:extLst>
               <a:ext uri="{FF2B5EF4-FFF2-40B4-BE49-F238E27FC236}">
-                <a16:creationId xmlns:a16="http://schemas.microsoft.com/office/drawing/2014/main" id="{3BDC1456-70AA-0A0D-29E6-0B7B35CC8784}"/>
+                <a16:creationId xmlns:a16="http://schemas.microsoft.com/office/drawing/2014/main" id="{76B5D55E-6189-E350-2782-CED7F3DD5A5E}"/>
               </a:ext>
             </a:extLst>
           </p:cNvPr>
@@ -14995,7 +15133,7 @@
         </p:blipFill>
         <p:spPr>
           <a:xfrm>
-            <a:off x="1672842" y="6444186"/>
+            <a:off x="1625872" y="6345359"/>
             <a:ext cx="4210816" cy="2357302"/>
           </a:xfrm>
           <a:prstGeom prst="rect">
@@ -15005,35 +15143,173 @@
       </p:pic>
       <p:sp>
         <p:nvSpPr>
-          <p:cNvPr id="9" name="TextBox 2">
+          <p:cNvPr id="12" name="عنصر نائب للمحتوى 12">
             <a:extLst>
               <a:ext uri="{FF2B5EF4-FFF2-40B4-BE49-F238E27FC236}">
-                <a16:creationId xmlns:a16="http://schemas.microsoft.com/office/drawing/2014/main" id="{0DD41000-8FC3-146C-A0BB-7C00AE36A013}"/>
+                <a16:creationId xmlns:a16="http://schemas.microsoft.com/office/drawing/2014/main" id="{9742A767-868C-EB3A-B2E0-5D8015AB468D}"/>
               </a:ext>
             </a:extLst>
           </p:cNvPr>
-          <p:cNvSpPr txBox="1"/>
+          <p:cNvSpPr txBox="1">
+            <a:spLocks/>
+          </p:cNvSpPr>
           <p:nvPr/>
         </p:nvSpPr>
         <p:spPr>
           <a:xfrm>
-            <a:off x="2759936" y="7453560"/>
-            <a:ext cx="2036629" cy="338554"/>
+            <a:off x="2816882" y="6653452"/>
+            <a:ext cx="1828800" cy="1767926"/>
           </a:xfrm>
           <a:prstGeom prst="rect">
             <a:avLst/>
           </a:prstGeom>
-          <a:noFill/>
         </p:spPr>
         <p:txBody>
-          <a:bodyPr wrap="square">
-            <a:spAutoFit/>
-          </a:bodyPr>
-          <a:lstStyle/>
+          <a:bodyPr/>
+          <a:lstStyle>
+            <a:lvl1pPr marL="342900" indent="-342900" algn="l" defTabSz="914400" rtl="0" eaLnBrk="1" latinLnBrk="0" hangingPunct="1">
+              <a:spcBef>
+                <a:spcPct val="20000"/>
+              </a:spcBef>
+              <a:buFont typeface="Arial" pitchFamily="34" charset="0"/>
+              <a:buChar char="•"/>
+              <a:defRPr sz="3200" kern="1200">
+                <a:solidFill>
+                  <a:schemeClr val="tx1"/>
+                </a:solidFill>
+                <a:latin typeface="+mn-lt"/>
+                <a:ea typeface="+mn-ea"/>
+                <a:cs typeface="+mn-cs"/>
+              </a:defRPr>
+            </a:lvl1pPr>
+            <a:lvl2pPr marL="742950" indent="-285750" algn="l" defTabSz="914400" rtl="0" eaLnBrk="1" latinLnBrk="0" hangingPunct="1">
+              <a:spcBef>
+                <a:spcPct val="20000"/>
+              </a:spcBef>
+              <a:buFont typeface="Arial" pitchFamily="34" charset="0"/>
+              <a:buChar char="–"/>
+              <a:defRPr sz="2800" kern="1200">
+                <a:solidFill>
+                  <a:schemeClr val="tx1"/>
+                </a:solidFill>
+                <a:latin typeface="+mn-lt"/>
+                <a:ea typeface="+mn-ea"/>
+                <a:cs typeface="+mn-cs"/>
+              </a:defRPr>
+            </a:lvl2pPr>
+            <a:lvl3pPr marL="1143000" indent="-228600" algn="l" defTabSz="914400" rtl="0" eaLnBrk="1" latinLnBrk="0" hangingPunct="1">
+              <a:spcBef>
+                <a:spcPct val="20000"/>
+              </a:spcBef>
+              <a:buFont typeface="Arial" pitchFamily="34" charset="0"/>
+              <a:buChar char="•"/>
+              <a:defRPr sz="2400" kern="1200">
+                <a:solidFill>
+                  <a:schemeClr val="tx1"/>
+                </a:solidFill>
+                <a:latin typeface="+mn-lt"/>
+                <a:ea typeface="+mn-ea"/>
+                <a:cs typeface="+mn-cs"/>
+              </a:defRPr>
+            </a:lvl3pPr>
+            <a:lvl4pPr marL="1600200" indent="-228600" algn="l" defTabSz="914400" rtl="0" eaLnBrk="1" latinLnBrk="0" hangingPunct="1">
+              <a:spcBef>
+                <a:spcPct val="20000"/>
+              </a:spcBef>
+              <a:buFont typeface="Arial" pitchFamily="34" charset="0"/>
+              <a:buChar char="–"/>
+              <a:defRPr sz="2000" kern="1200">
+                <a:solidFill>
+                  <a:schemeClr val="tx1"/>
+                </a:solidFill>
+                <a:latin typeface="+mn-lt"/>
+                <a:ea typeface="+mn-ea"/>
+                <a:cs typeface="+mn-cs"/>
+              </a:defRPr>
+            </a:lvl4pPr>
+            <a:lvl5pPr marL="2057400" indent="-228600" algn="l" defTabSz="914400" rtl="0" eaLnBrk="1" latinLnBrk="0" hangingPunct="1">
+              <a:spcBef>
+                <a:spcPct val="20000"/>
+              </a:spcBef>
+              <a:buFont typeface="Arial" pitchFamily="34" charset="0"/>
+              <a:buChar char="»"/>
+              <a:defRPr sz="2000" kern="1200">
+                <a:solidFill>
+                  <a:schemeClr val="tx1"/>
+                </a:solidFill>
+                <a:latin typeface="+mn-lt"/>
+                <a:ea typeface="+mn-ea"/>
+                <a:cs typeface="+mn-cs"/>
+              </a:defRPr>
+            </a:lvl5pPr>
+            <a:lvl6pPr marL="2514600" indent="-228600" algn="l" defTabSz="914400" rtl="0" eaLnBrk="1" latinLnBrk="0" hangingPunct="1">
+              <a:spcBef>
+                <a:spcPct val="20000"/>
+              </a:spcBef>
+              <a:buFont typeface="Arial" pitchFamily="34" charset="0"/>
+              <a:buChar char="•"/>
+              <a:defRPr sz="2000" kern="1200">
+                <a:solidFill>
+                  <a:schemeClr val="tx1"/>
+                </a:solidFill>
+                <a:latin typeface="+mn-lt"/>
+                <a:ea typeface="+mn-ea"/>
+                <a:cs typeface="+mn-cs"/>
+              </a:defRPr>
+            </a:lvl6pPr>
+            <a:lvl7pPr marL="2971800" indent="-228600" algn="l" defTabSz="914400" rtl="0" eaLnBrk="1" latinLnBrk="0" hangingPunct="1">
+              <a:spcBef>
+                <a:spcPct val="20000"/>
+              </a:spcBef>
+              <a:buFont typeface="Arial" pitchFamily="34" charset="0"/>
+              <a:buChar char="•"/>
+              <a:defRPr sz="2000" kern="1200">
+                <a:solidFill>
+                  <a:schemeClr val="tx1"/>
+                </a:solidFill>
+                <a:latin typeface="+mn-lt"/>
+                <a:ea typeface="+mn-ea"/>
+                <a:cs typeface="+mn-cs"/>
+              </a:defRPr>
+            </a:lvl7pPr>
+            <a:lvl8pPr marL="3429000" indent="-228600" algn="l" defTabSz="914400" rtl="0" eaLnBrk="1" latinLnBrk="0" hangingPunct="1">
+              <a:spcBef>
+                <a:spcPct val="20000"/>
+              </a:spcBef>
+              <a:buFont typeface="Arial" pitchFamily="34" charset="0"/>
+              <a:buChar char="•"/>
+              <a:defRPr sz="2000" kern="1200">
+                <a:solidFill>
+                  <a:schemeClr val="tx1"/>
+                </a:solidFill>
+                <a:latin typeface="+mn-lt"/>
+                <a:ea typeface="+mn-ea"/>
+                <a:cs typeface="+mn-cs"/>
+              </a:defRPr>
+            </a:lvl8pPr>
+            <a:lvl9pPr marL="3886200" indent="-228600" algn="l" defTabSz="914400" rtl="0" eaLnBrk="1" latinLnBrk="0" hangingPunct="1">
+              <a:spcBef>
+                <a:spcPct val="20000"/>
+              </a:spcBef>
+              <a:buFont typeface="Arial" pitchFamily="34" charset="0"/>
+              <a:buChar char="•"/>
+              <a:defRPr sz="2000" kern="1200">
+                <a:solidFill>
+                  <a:schemeClr val="tx1"/>
+                </a:solidFill>
+                <a:latin typeface="+mn-lt"/>
+                <a:ea typeface="+mn-ea"/>
+                <a:cs typeface="+mn-cs"/>
+              </a:defRPr>
+            </a:lvl9pPr>
+          </a:lstStyle>
           <a:p>
-            <a:pPr algn="ctr"/>
+            <a:pPr marL="0" indent="0" algn="ctr">
+              <a:buFont typeface="Arial" pitchFamily="34" charset="0"/>
+              <a:buNone/>
+            </a:pPr>
             <a:r>
-              <a:rPr lang="en-US" sz="1600" dirty="0"/>
+              <a:rPr lang="en-US" sz="2400" dirty="0"/>
               <a:t>{{qr3}}</a:t>
             </a:r>
           </a:p>
@@ -16512,10 +16788,10 @@
       </p:pic>
       <p:pic>
         <p:nvPicPr>
-          <p:cNvPr id="5" name="صورة 4">
+          <p:cNvPr id="7" name="صورة 6">
             <a:extLst>
               <a:ext uri="{FF2B5EF4-FFF2-40B4-BE49-F238E27FC236}">
-                <a16:creationId xmlns:a16="http://schemas.microsoft.com/office/drawing/2014/main" id="{90EED848-4E18-F48C-AE70-45E8F9E8B19B}"/>
+                <a16:creationId xmlns:a16="http://schemas.microsoft.com/office/drawing/2014/main" id="{4309E03B-DE61-C1CD-0FC0-AFC0BEC0F822}"/>
               </a:ext>
             </a:extLst>
           </p:cNvPr>
@@ -16538,7 +16814,7 @@
         </p:blipFill>
         <p:spPr>
           <a:xfrm>
-            <a:off x="1672843" y="6171805"/>
+            <a:off x="1672842" y="6331308"/>
             <a:ext cx="4210816" cy="2357302"/>
           </a:xfrm>
           <a:prstGeom prst="rect">
@@ -16548,35 +16824,173 @@
       </p:pic>
       <p:sp>
         <p:nvSpPr>
-          <p:cNvPr id="6" name="TextBox 2">
+          <p:cNvPr id="8" name="عنصر نائب للمحتوى 12">
             <a:extLst>
               <a:ext uri="{FF2B5EF4-FFF2-40B4-BE49-F238E27FC236}">
-                <a16:creationId xmlns:a16="http://schemas.microsoft.com/office/drawing/2014/main" id="{49F6E161-1CAC-AC91-F68D-7E486543CFF8}"/>
+                <a16:creationId xmlns:a16="http://schemas.microsoft.com/office/drawing/2014/main" id="{1F72D10C-DCA4-3109-04F1-AFAD72AC22E4}"/>
               </a:ext>
             </a:extLst>
           </p:cNvPr>
-          <p:cNvSpPr txBox="1"/>
+          <p:cNvSpPr txBox="1">
+            <a:spLocks/>
+          </p:cNvSpPr>
           <p:nvPr/>
         </p:nvSpPr>
         <p:spPr>
           <a:xfrm>
-            <a:off x="2759935" y="7181179"/>
-            <a:ext cx="2036629" cy="338554"/>
+            <a:off x="2863852" y="6639401"/>
+            <a:ext cx="1828800" cy="1767926"/>
           </a:xfrm>
           <a:prstGeom prst="rect">
             <a:avLst/>
           </a:prstGeom>
-          <a:noFill/>
         </p:spPr>
         <p:txBody>
-          <a:bodyPr wrap="square">
-            <a:spAutoFit/>
-          </a:bodyPr>
-          <a:lstStyle/>
+          <a:bodyPr/>
+          <a:lstStyle>
+            <a:lvl1pPr marL="342900" indent="-342900" algn="l" defTabSz="914400" rtl="0" eaLnBrk="1" latinLnBrk="0" hangingPunct="1">
+              <a:spcBef>
+                <a:spcPct val="20000"/>
+              </a:spcBef>
+              <a:buFont typeface="Arial" pitchFamily="34" charset="0"/>
+              <a:buChar char="•"/>
+              <a:defRPr sz="3200" kern="1200">
+                <a:solidFill>
+                  <a:schemeClr val="tx1"/>
+                </a:solidFill>
+                <a:latin typeface="+mn-lt"/>
+                <a:ea typeface="+mn-ea"/>
+                <a:cs typeface="+mn-cs"/>
+              </a:defRPr>
+            </a:lvl1pPr>
+            <a:lvl2pPr marL="742950" indent="-285750" algn="l" defTabSz="914400" rtl="0" eaLnBrk="1" latinLnBrk="0" hangingPunct="1">
+              <a:spcBef>
+                <a:spcPct val="20000"/>
+              </a:spcBef>
+              <a:buFont typeface="Arial" pitchFamily="34" charset="0"/>
+              <a:buChar char="–"/>
+              <a:defRPr sz="2800" kern="1200">
+                <a:solidFill>
+                  <a:schemeClr val="tx1"/>
+                </a:solidFill>
+                <a:latin typeface="+mn-lt"/>
+                <a:ea typeface="+mn-ea"/>
+                <a:cs typeface="+mn-cs"/>
+              </a:defRPr>
+            </a:lvl2pPr>
+            <a:lvl3pPr marL="1143000" indent="-228600" algn="l" defTabSz="914400" rtl="0" eaLnBrk="1" latinLnBrk="0" hangingPunct="1">
+              <a:spcBef>
+                <a:spcPct val="20000"/>
+              </a:spcBef>
+              <a:buFont typeface="Arial" pitchFamily="34" charset="0"/>
+              <a:buChar char="•"/>
+              <a:defRPr sz="2400" kern="1200">
+                <a:solidFill>
+                  <a:schemeClr val="tx1"/>
+                </a:solidFill>
+                <a:latin typeface="+mn-lt"/>
+                <a:ea typeface="+mn-ea"/>
+                <a:cs typeface="+mn-cs"/>
+              </a:defRPr>
+            </a:lvl3pPr>
+            <a:lvl4pPr marL="1600200" indent="-228600" algn="l" defTabSz="914400" rtl="0" eaLnBrk="1" latinLnBrk="0" hangingPunct="1">
+              <a:spcBef>
+                <a:spcPct val="20000"/>
+              </a:spcBef>
+              <a:buFont typeface="Arial" pitchFamily="34" charset="0"/>
+              <a:buChar char="–"/>
+              <a:defRPr sz="2000" kern="1200">
+                <a:solidFill>
+                  <a:schemeClr val="tx1"/>
+                </a:solidFill>
+                <a:latin typeface="+mn-lt"/>
+                <a:ea typeface="+mn-ea"/>
+                <a:cs typeface="+mn-cs"/>
+              </a:defRPr>
+            </a:lvl4pPr>
+            <a:lvl5pPr marL="2057400" indent="-228600" algn="l" defTabSz="914400" rtl="0" eaLnBrk="1" latinLnBrk="0" hangingPunct="1">
+              <a:spcBef>
+                <a:spcPct val="20000"/>
+              </a:spcBef>
+              <a:buFont typeface="Arial" pitchFamily="34" charset="0"/>
+              <a:buChar char="»"/>
+              <a:defRPr sz="2000" kern="1200">
+                <a:solidFill>
+                  <a:schemeClr val="tx1"/>
+                </a:solidFill>
+                <a:latin typeface="+mn-lt"/>
+                <a:ea typeface="+mn-ea"/>
+                <a:cs typeface="+mn-cs"/>
+              </a:defRPr>
+            </a:lvl5pPr>
+            <a:lvl6pPr marL="2514600" indent="-228600" algn="l" defTabSz="914400" rtl="0" eaLnBrk="1" latinLnBrk="0" hangingPunct="1">
+              <a:spcBef>
+                <a:spcPct val="20000"/>
+              </a:spcBef>
+              <a:buFont typeface="Arial" pitchFamily="34" charset="0"/>
+              <a:buChar char="•"/>
+              <a:defRPr sz="2000" kern="1200">
+                <a:solidFill>
+                  <a:schemeClr val="tx1"/>
+                </a:solidFill>
+                <a:latin typeface="+mn-lt"/>
+                <a:ea typeface="+mn-ea"/>
+                <a:cs typeface="+mn-cs"/>
+              </a:defRPr>
+            </a:lvl6pPr>
+            <a:lvl7pPr marL="2971800" indent="-228600" algn="l" defTabSz="914400" rtl="0" eaLnBrk="1" latinLnBrk="0" hangingPunct="1">
+              <a:spcBef>
+                <a:spcPct val="20000"/>
+              </a:spcBef>
+              <a:buFont typeface="Arial" pitchFamily="34" charset="0"/>
+              <a:buChar char="•"/>
+              <a:defRPr sz="2000" kern="1200">
+                <a:solidFill>
+                  <a:schemeClr val="tx1"/>
+                </a:solidFill>
+                <a:latin typeface="+mn-lt"/>
+                <a:ea typeface="+mn-ea"/>
+                <a:cs typeface="+mn-cs"/>
+              </a:defRPr>
+            </a:lvl7pPr>
+            <a:lvl8pPr marL="3429000" indent="-228600" algn="l" defTabSz="914400" rtl="0" eaLnBrk="1" latinLnBrk="0" hangingPunct="1">
+              <a:spcBef>
+                <a:spcPct val="20000"/>
+              </a:spcBef>
+              <a:buFont typeface="Arial" pitchFamily="34" charset="0"/>
+              <a:buChar char="•"/>
+              <a:defRPr sz="2000" kern="1200">
+                <a:solidFill>
+                  <a:schemeClr val="tx1"/>
+                </a:solidFill>
+                <a:latin typeface="+mn-lt"/>
+                <a:ea typeface="+mn-ea"/>
+                <a:cs typeface="+mn-cs"/>
+              </a:defRPr>
+            </a:lvl8pPr>
+            <a:lvl9pPr marL="3886200" indent="-228600" algn="l" defTabSz="914400" rtl="0" eaLnBrk="1" latinLnBrk="0" hangingPunct="1">
+              <a:spcBef>
+                <a:spcPct val="20000"/>
+              </a:spcBef>
+              <a:buFont typeface="Arial" pitchFamily="34" charset="0"/>
+              <a:buChar char="•"/>
+              <a:defRPr sz="2000" kern="1200">
+                <a:solidFill>
+                  <a:schemeClr val="tx1"/>
+                </a:solidFill>
+                <a:latin typeface="+mn-lt"/>
+                <a:ea typeface="+mn-ea"/>
+                <a:cs typeface="+mn-cs"/>
+              </a:defRPr>
+            </a:lvl9pPr>
+          </a:lstStyle>
           <a:p>
-            <a:pPr algn="ctr"/>
+            <a:pPr marL="0" indent="0" algn="ctr">
+              <a:buFont typeface="Arial" pitchFamily="34" charset="0"/>
+              <a:buNone/>
+            </a:pPr>
             <a:r>
-              <a:rPr lang="en-US" sz="1600" dirty="0"/>
+              <a:rPr lang="en-US" sz="2400" dirty="0"/>
               <a:t>{{qr4}}</a:t>
             </a:r>
           </a:p>
@@ -18039,10 +18453,10 @@
       </p:pic>
       <p:pic>
         <p:nvPicPr>
-          <p:cNvPr id="5" name="صورة 4">
+          <p:cNvPr id="7" name="صورة 6">
             <a:extLst>
               <a:ext uri="{FF2B5EF4-FFF2-40B4-BE49-F238E27FC236}">
-                <a16:creationId xmlns:a16="http://schemas.microsoft.com/office/drawing/2014/main" id="{EF5792BA-36C2-6FBF-F4F0-ADE55C0EAB3B}"/>
+                <a16:creationId xmlns:a16="http://schemas.microsoft.com/office/drawing/2014/main" id="{347E22C9-6F0B-023E-F320-CDB68055C6B5}"/>
               </a:ext>
             </a:extLst>
           </p:cNvPr>
@@ -18065,7 +18479,7 @@
         </p:blipFill>
         <p:spPr>
           <a:xfrm>
-            <a:off x="1672842" y="6379416"/>
+            <a:off x="1672842" y="6285933"/>
             <a:ext cx="4210816" cy="2357302"/>
           </a:xfrm>
           <a:prstGeom prst="rect">
@@ -18075,35 +18489,173 @@
       </p:pic>
       <p:sp>
         <p:nvSpPr>
-          <p:cNvPr id="6" name="TextBox 2">
+          <p:cNvPr id="8" name="عنصر نائب للمحتوى 12">
             <a:extLst>
               <a:ext uri="{FF2B5EF4-FFF2-40B4-BE49-F238E27FC236}">
-                <a16:creationId xmlns:a16="http://schemas.microsoft.com/office/drawing/2014/main" id="{63869549-EE58-271C-BF4A-B57FD82EA0CC}"/>
+                <a16:creationId xmlns:a16="http://schemas.microsoft.com/office/drawing/2014/main" id="{25963BA2-6234-D98C-99B2-B960864BBA93}"/>
               </a:ext>
             </a:extLst>
           </p:cNvPr>
-          <p:cNvSpPr txBox="1"/>
+          <p:cNvSpPr txBox="1">
+            <a:spLocks/>
+          </p:cNvSpPr>
           <p:nvPr/>
         </p:nvSpPr>
         <p:spPr>
           <a:xfrm>
-            <a:off x="2759934" y="7388790"/>
-            <a:ext cx="2036629" cy="338554"/>
+            <a:off x="2863852" y="6594026"/>
+            <a:ext cx="1828800" cy="1767926"/>
           </a:xfrm>
           <a:prstGeom prst="rect">
             <a:avLst/>
           </a:prstGeom>
-          <a:noFill/>
         </p:spPr>
         <p:txBody>
-          <a:bodyPr wrap="square">
-            <a:spAutoFit/>
-          </a:bodyPr>
-          <a:lstStyle/>
+          <a:bodyPr/>
+          <a:lstStyle>
+            <a:lvl1pPr marL="342900" indent="-342900" algn="l" defTabSz="914400" rtl="0" eaLnBrk="1" latinLnBrk="0" hangingPunct="1">
+              <a:spcBef>
+                <a:spcPct val="20000"/>
+              </a:spcBef>
+              <a:buFont typeface="Arial" pitchFamily="34" charset="0"/>
+              <a:buChar char="•"/>
+              <a:defRPr sz="3200" kern="1200">
+                <a:solidFill>
+                  <a:schemeClr val="tx1"/>
+                </a:solidFill>
+                <a:latin typeface="+mn-lt"/>
+                <a:ea typeface="+mn-ea"/>
+                <a:cs typeface="+mn-cs"/>
+              </a:defRPr>
+            </a:lvl1pPr>
+            <a:lvl2pPr marL="742950" indent="-285750" algn="l" defTabSz="914400" rtl="0" eaLnBrk="1" latinLnBrk="0" hangingPunct="1">
+              <a:spcBef>
+                <a:spcPct val="20000"/>
+              </a:spcBef>
+              <a:buFont typeface="Arial" pitchFamily="34" charset="0"/>
+              <a:buChar char="–"/>
+              <a:defRPr sz="2800" kern="1200">
+                <a:solidFill>
+                  <a:schemeClr val="tx1"/>
+                </a:solidFill>
+                <a:latin typeface="+mn-lt"/>
+                <a:ea typeface="+mn-ea"/>
+                <a:cs typeface="+mn-cs"/>
+              </a:defRPr>
+            </a:lvl2pPr>
+            <a:lvl3pPr marL="1143000" indent="-228600" algn="l" defTabSz="914400" rtl="0" eaLnBrk="1" latinLnBrk="0" hangingPunct="1">
+              <a:spcBef>
+                <a:spcPct val="20000"/>
+              </a:spcBef>
+              <a:buFont typeface="Arial" pitchFamily="34" charset="0"/>
+              <a:buChar char="•"/>
+              <a:defRPr sz="2400" kern="1200">
+                <a:solidFill>
+                  <a:schemeClr val="tx1"/>
+                </a:solidFill>
+                <a:latin typeface="+mn-lt"/>
+                <a:ea typeface="+mn-ea"/>
+                <a:cs typeface="+mn-cs"/>
+              </a:defRPr>
+            </a:lvl3pPr>
+            <a:lvl4pPr marL="1600200" indent="-228600" algn="l" defTabSz="914400" rtl="0" eaLnBrk="1" latinLnBrk="0" hangingPunct="1">
+              <a:spcBef>
+                <a:spcPct val="20000"/>
+              </a:spcBef>
+              <a:buFont typeface="Arial" pitchFamily="34" charset="0"/>
+              <a:buChar char="–"/>
+              <a:defRPr sz="2000" kern="1200">
+                <a:solidFill>
+                  <a:schemeClr val="tx1"/>
+                </a:solidFill>
+                <a:latin typeface="+mn-lt"/>
+                <a:ea typeface="+mn-ea"/>
+                <a:cs typeface="+mn-cs"/>
+              </a:defRPr>
+            </a:lvl4pPr>
+            <a:lvl5pPr marL="2057400" indent="-228600" algn="l" defTabSz="914400" rtl="0" eaLnBrk="1" latinLnBrk="0" hangingPunct="1">
+              <a:spcBef>
+                <a:spcPct val="20000"/>
+              </a:spcBef>
+              <a:buFont typeface="Arial" pitchFamily="34" charset="0"/>
+              <a:buChar char="»"/>
+              <a:defRPr sz="2000" kern="1200">
+                <a:solidFill>
+                  <a:schemeClr val="tx1"/>
+                </a:solidFill>
+                <a:latin typeface="+mn-lt"/>
+                <a:ea typeface="+mn-ea"/>
+                <a:cs typeface="+mn-cs"/>
+              </a:defRPr>
+            </a:lvl5pPr>
+            <a:lvl6pPr marL="2514600" indent="-228600" algn="l" defTabSz="914400" rtl="0" eaLnBrk="1" latinLnBrk="0" hangingPunct="1">
+              <a:spcBef>
+                <a:spcPct val="20000"/>
+              </a:spcBef>
+              <a:buFont typeface="Arial" pitchFamily="34" charset="0"/>
+              <a:buChar char="•"/>
+              <a:defRPr sz="2000" kern="1200">
+                <a:solidFill>
+                  <a:schemeClr val="tx1"/>
+                </a:solidFill>
+                <a:latin typeface="+mn-lt"/>
+                <a:ea typeface="+mn-ea"/>
+                <a:cs typeface="+mn-cs"/>
+              </a:defRPr>
+            </a:lvl6pPr>
+            <a:lvl7pPr marL="2971800" indent="-228600" algn="l" defTabSz="914400" rtl="0" eaLnBrk="1" latinLnBrk="0" hangingPunct="1">
+              <a:spcBef>
+                <a:spcPct val="20000"/>
+              </a:spcBef>
+              <a:buFont typeface="Arial" pitchFamily="34" charset="0"/>
+              <a:buChar char="•"/>
+              <a:defRPr sz="2000" kern="1200">
+                <a:solidFill>
+                  <a:schemeClr val="tx1"/>
+                </a:solidFill>
+                <a:latin typeface="+mn-lt"/>
+                <a:ea typeface="+mn-ea"/>
+                <a:cs typeface="+mn-cs"/>
+              </a:defRPr>
+            </a:lvl7pPr>
+            <a:lvl8pPr marL="3429000" indent="-228600" algn="l" defTabSz="914400" rtl="0" eaLnBrk="1" latinLnBrk="0" hangingPunct="1">
+              <a:spcBef>
+                <a:spcPct val="20000"/>
+              </a:spcBef>
+              <a:buFont typeface="Arial" pitchFamily="34" charset="0"/>
+              <a:buChar char="•"/>
+              <a:defRPr sz="2000" kern="1200">
+                <a:solidFill>
+                  <a:schemeClr val="tx1"/>
+                </a:solidFill>
+                <a:latin typeface="+mn-lt"/>
+                <a:ea typeface="+mn-ea"/>
+                <a:cs typeface="+mn-cs"/>
+              </a:defRPr>
+            </a:lvl8pPr>
+            <a:lvl9pPr marL="3886200" indent="-228600" algn="l" defTabSz="914400" rtl="0" eaLnBrk="1" latinLnBrk="0" hangingPunct="1">
+              <a:spcBef>
+                <a:spcPct val="20000"/>
+              </a:spcBef>
+              <a:buFont typeface="Arial" pitchFamily="34" charset="0"/>
+              <a:buChar char="•"/>
+              <a:defRPr sz="2000" kern="1200">
+                <a:solidFill>
+                  <a:schemeClr val="tx1"/>
+                </a:solidFill>
+                <a:latin typeface="+mn-lt"/>
+                <a:ea typeface="+mn-ea"/>
+                <a:cs typeface="+mn-cs"/>
+              </a:defRPr>
+            </a:lvl9pPr>
+          </a:lstStyle>
           <a:p>
-            <a:pPr algn="ctr"/>
+            <a:pPr marL="0" indent="0" algn="ctr">
+              <a:buFont typeface="Arial" pitchFamily="34" charset="0"/>
+              <a:buNone/>
+            </a:pPr>
             <a:r>
-              <a:rPr lang="en-US" sz="1600" dirty="0"/>
+              <a:rPr lang="en-US" sz="2400" dirty="0"/>
               <a:t>{{qr5}}</a:t>
             </a:r>
           </a:p>
@@ -19554,10 +20106,10 @@
       </p:pic>
       <p:pic>
         <p:nvPicPr>
-          <p:cNvPr id="8" name="صورة 7">
+          <p:cNvPr id="11" name="صورة 10">
             <a:extLst>
               <a:ext uri="{FF2B5EF4-FFF2-40B4-BE49-F238E27FC236}">
-                <a16:creationId xmlns:a16="http://schemas.microsoft.com/office/drawing/2014/main" id="{39FFEE5F-7D65-1027-22BB-5DF3110DF683}"/>
+                <a16:creationId xmlns:a16="http://schemas.microsoft.com/office/drawing/2014/main" id="{9681D447-E282-8446-2EFB-65C499B588F2}"/>
               </a:ext>
             </a:extLst>
           </p:cNvPr>
@@ -19580,7 +20132,7 @@
         </p:blipFill>
         <p:spPr>
           <a:xfrm>
-            <a:off x="1672842" y="6283952"/>
+            <a:off x="1672842" y="6269177"/>
             <a:ext cx="4210816" cy="2357302"/>
           </a:xfrm>
           <a:prstGeom prst="rect">
@@ -19590,35 +20142,173 @@
       </p:pic>
       <p:sp>
         <p:nvSpPr>
-          <p:cNvPr id="10" name="TextBox 2">
+          <p:cNvPr id="12" name="عنصر نائب للمحتوى 12">
             <a:extLst>
               <a:ext uri="{FF2B5EF4-FFF2-40B4-BE49-F238E27FC236}">
-                <a16:creationId xmlns:a16="http://schemas.microsoft.com/office/drawing/2014/main" id="{2C139B8A-3110-5CA3-6078-1E5512A7CEAA}"/>
+                <a16:creationId xmlns:a16="http://schemas.microsoft.com/office/drawing/2014/main" id="{5D4B9C30-356D-A62D-0143-6B18C2EE4D70}"/>
               </a:ext>
             </a:extLst>
           </p:cNvPr>
-          <p:cNvSpPr txBox="1"/>
+          <p:cNvSpPr txBox="1">
+            <a:spLocks/>
+          </p:cNvSpPr>
           <p:nvPr/>
         </p:nvSpPr>
         <p:spPr>
           <a:xfrm>
-            <a:off x="2759934" y="7293326"/>
-            <a:ext cx="2036629" cy="338554"/>
+            <a:off x="2863852" y="6577270"/>
+            <a:ext cx="1828800" cy="1767926"/>
           </a:xfrm>
           <a:prstGeom prst="rect">
             <a:avLst/>
           </a:prstGeom>
-          <a:noFill/>
         </p:spPr>
         <p:txBody>
-          <a:bodyPr wrap="square">
-            <a:spAutoFit/>
-          </a:bodyPr>
-          <a:lstStyle/>
+          <a:bodyPr/>
+          <a:lstStyle>
+            <a:lvl1pPr marL="342900" indent="-342900" algn="l" defTabSz="914400" rtl="0" eaLnBrk="1" latinLnBrk="0" hangingPunct="1">
+              <a:spcBef>
+                <a:spcPct val="20000"/>
+              </a:spcBef>
+              <a:buFont typeface="Arial" pitchFamily="34" charset="0"/>
+              <a:buChar char="•"/>
+              <a:defRPr sz="3200" kern="1200">
+                <a:solidFill>
+                  <a:schemeClr val="tx1"/>
+                </a:solidFill>
+                <a:latin typeface="+mn-lt"/>
+                <a:ea typeface="+mn-ea"/>
+                <a:cs typeface="+mn-cs"/>
+              </a:defRPr>
+            </a:lvl1pPr>
+            <a:lvl2pPr marL="742950" indent="-285750" algn="l" defTabSz="914400" rtl="0" eaLnBrk="1" latinLnBrk="0" hangingPunct="1">
+              <a:spcBef>
+                <a:spcPct val="20000"/>
+              </a:spcBef>
+              <a:buFont typeface="Arial" pitchFamily="34" charset="0"/>
+              <a:buChar char="–"/>
+              <a:defRPr sz="2800" kern="1200">
+                <a:solidFill>
+                  <a:schemeClr val="tx1"/>
+                </a:solidFill>
+                <a:latin typeface="+mn-lt"/>
+                <a:ea typeface="+mn-ea"/>
+                <a:cs typeface="+mn-cs"/>
+              </a:defRPr>
+            </a:lvl2pPr>
+            <a:lvl3pPr marL="1143000" indent="-228600" algn="l" defTabSz="914400" rtl="0" eaLnBrk="1" latinLnBrk="0" hangingPunct="1">
+              <a:spcBef>
+                <a:spcPct val="20000"/>
+              </a:spcBef>
+              <a:buFont typeface="Arial" pitchFamily="34" charset="0"/>
+              <a:buChar char="•"/>
+              <a:defRPr sz="2400" kern="1200">
+                <a:solidFill>
+                  <a:schemeClr val="tx1"/>
+                </a:solidFill>
+                <a:latin typeface="+mn-lt"/>
+                <a:ea typeface="+mn-ea"/>
+                <a:cs typeface="+mn-cs"/>
+              </a:defRPr>
+            </a:lvl3pPr>
+            <a:lvl4pPr marL="1600200" indent="-228600" algn="l" defTabSz="914400" rtl="0" eaLnBrk="1" latinLnBrk="0" hangingPunct="1">
+              <a:spcBef>
+                <a:spcPct val="20000"/>
+              </a:spcBef>
+              <a:buFont typeface="Arial" pitchFamily="34" charset="0"/>
+              <a:buChar char="–"/>
+              <a:defRPr sz="2000" kern="1200">
+                <a:solidFill>
+                  <a:schemeClr val="tx1"/>
+                </a:solidFill>
+                <a:latin typeface="+mn-lt"/>
+                <a:ea typeface="+mn-ea"/>
+                <a:cs typeface="+mn-cs"/>
+              </a:defRPr>
+            </a:lvl4pPr>
+            <a:lvl5pPr marL="2057400" indent="-228600" algn="l" defTabSz="914400" rtl="0" eaLnBrk="1" latinLnBrk="0" hangingPunct="1">
+              <a:spcBef>
+                <a:spcPct val="20000"/>
+              </a:spcBef>
+              <a:buFont typeface="Arial" pitchFamily="34" charset="0"/>
+              <a:buChar char="»"/>
+              <a:defRPr sz="2000" kern="1200">
+                <a:solidFill>
+                  <a:schemeClr val="tx1"/>
+                </a:solidFill>
+                <a:latin typeface="+mn-lt"/>
+                <a:ea typeface="+mn-ea"/>
+                <a:cs typeface="+mn-cs"/>
+              </a:defRPr>
+            </a:lvl5pPr>
+            <a:lvl6pPr marL="2514600" indent="-228600" algn="l" defTabSz="914400" rtl="0" eaLnBrk="1" latinLnBrk="0" hangingPunct="1">
+              <a:spcBef>
+                <a:spcPct val="20000"/>
+              </a:spcBef>
+              <a:buFont typeface="Arial" pitchFamily="34" charset="0"/>
+              <a:buChar char="•"/>
+              <a:defRPr sz="2000" kern="1200">
+                <a:solidFill>
+                  <a:schemeClr val="tx1"/>
+                </a:solidFill>
+                <a:latin typeface="+mn-lt"/>
+                <a:ea typeface="+mn-ea"/>
+                <a:cs typeface="+mn-cs"/>
+              </a:defRPr>
+            </a:lvl6pPr>
+            <a:lvl7pPr marL="2971800" indent="-228600" algn="l" defTabSz="914400" rtl="0" eaLnBrk="1" latinLnBrk="0" hangingPunct="1">
+              <a:spcBef>
+                <a:spcPct val="20000"/>
+              </a:spcBef>
+              <a:buFont typeface="Arial" pitchFamily="34" charset="0"/>
+              <a:buChar char="•"/>
+              <a:defRPr sz="2000" kern="1200">
+                <a:solidFill>
+                  <a:schemeClr val="tx1"/>
+                </a:solidFill>
+                <a:latin typeface="+mn-lt"/>
+                <a:ea typeface="+mn-ea"/>
+                <a:cs typeface="+mn-cs"/>
+              </a:defRPr>
+            </a:lvl7pPr>
+            <a:lvl8pPr marL="3429000" indent="-228600" algn="l" defTabSz="914400" rtl="0" eaLnBrk="1" latinLnBrk="0" hangingPunct="1">
+              <a:spcBef>
+                <a:spcPct val="20000"/>
+              </a:spcBef>
+              <a:buFont typeface="Arial" pitchFamily="34" charset="0"/>
+              <a:buChar char="•"/>
+              <a:defRPr sz="2000" kern="1200">
+                <a:solidFill>
+                  <a:schemeClr val="tx1"/>
+                </a:solidFill>
+                <a:latin typeface="+mn-lt"/>
+                <a:ea typeface="+mn-ea"/>
+                <a:cs typeface="+mn-cs"/>
+              </a:defRPr>
+            </a:lvl8pPr>
+            <a:lvl9pPr marL="3886200" indent="-228600" algn="l" defTabSz="914400" rtl="0" eaLnBrk="1" latinLnBrk="0" hangingPunct="1">
+              <a:spcBef>
+                <a:spcPct val="20000"/>
+              </a:spcBef>
+              <a:buFont typeface="Arial" pitchFamily="34" charset="0"/>
+              <a:buChar char="•"/>
+              <a:defRPr sz="2000" kern="1200">
+                <a:solidFill>
+                  <a:schemeClr val="tx1"/>
+                </a:solidFill>
+                <a:latin typeface="+mn-lt"/>
+                <a:ea typeface="+mn-ea"/>
+                <a:cs typeface="+mn-cs"/>
+              </a:defRPr>
+            </a:lvl9pPr>
+          </a:lstStyle>
           <a:p>
-            <a:pPr algn="ctr"/>
+            <a:pPr marL="0" indent="0" algn="ctr">
+              <a:buFont typeface="Arial" pitchFamily="34" charset="0"/>
+              <a:buNone/>
+            </a:pPr>
             <a:r>
-              <a:rPr lang="en-US" sz="1600" dirty="0"/>
+              <a:rPr lang="en-US" sz="2400" dirty="0"/>
               <a:t>{{qr6}}</a:t>
             </a:r>
           </a:p>
@@ -21313,10 +22003,10 @@
       </p:pic>
       <p:pic>
         <p:nvPicPr>
-          <p:cNvPr id="8" name="صورة 7">
+          <p:cNvPr id="10" name="صورة 9">
             <a:extLst>
               <a:ext uri="{FF2B5EF4-FFF2-40B4-BE49-F238E27FC236}">
-                <a16:creationId xmlns:a16="http://schemas.microsoft.com/office/drawing/2014/main" id="{6EF5EB08-2594-23A8-CAC3-EC173E64ABAD}"/>
+                <a16:creationId xmlns:a16="http://schemas.microsoft.com/office/drawing/2014/main" id="{93E5CD02-86C9-4655-D9D5-927299A880FE}"/>
               </a:ext>
             </a:extLst>
           </p:cNvPr>
@@ -21339,7 +22029,7 @@
         </p:blipFill>
         <p:spPr>
           <a:xfrm>
-            <a:off x="1672842" y="6509328"/>
+            <a:off x="1672842" y="6412033"/>
             <a:ext cx="4210816" cy="2357302"/>
           </a:xfrm>
           <a:prstGeom prst="rect">
@@ -21349,35 +22039,173 @@
       </p:pic>
       <p:sp>
         <p:nvSpPr>
-          <p:cNvPr id="11" name="TextBox 2">
+          <p:cNvPr id="12" name="عنصر نائب للمحتوى 12">
             <a:extLst>
               <a:ext uri="{FF2B5EF4-FFF2-40B4-BE49-F238E27FC236}">
-                <a16:creationId xmlns:a16="http://schemas.microsoft.com/office/drawing/2014/main" id="{D5D288E4-EC33-151F-E1E3-0FD0AA3B9D70}"/>
+                <a16:creationId xmlns:a16="http://schemas.microsoft.com/office/drawing/2014/main" id="{A3CDB417-DB3B-537B-5A33-CCBCD1BA8CDB}"/>
               </a:ext>
             </a:extLst>
           </p:cNvPr>
-          <p:cNvSpPr txBox="1"/>
+          <p:cNvSpPr txBox="1">
+            <a:spLocks/>
+          </p:cNvSpPr>
           <p:nvPr/>
         </p:nvSpPr>
         <p:spPr>
           <a:xfrm>
-            <a:off x="2759934" y="7518702"/>
-            <a:ext cx="2036629" cy="338554"/>
+            <a:off x="2863852" y="6720126"/>
+            <a:ext cx="1828800" cy="1767926"/>
           </a:xfrm>
           <a:prstGeom prst="rect">
             <a:avLst/>
           </a:prstGeom>
-          <a:noFill/>
         </p:spPr>
         <p:txBody>
-          <a:bodyPr wrap="square">
-            <a:spAutoFit/>
-          </a:bodyPr>
-          <a:lstStyle/>
+          <a:bodyPr/>
+          <a:lstStyle>
+            <a:lvl1pPr marL="342900" indent="-342900" algn="l" defTabSz="914400" rtl="0" eaLnBrk="1" latinLnBrk="0" hangingPunct="1">
+              <a:spcBef>
+                <a:spcPct val="20000"/>
+              </a:spcBef>
+              <a:buFont typeface="Arial" pitchFamily="34" charset="0"/>
+              <a:buChar char="•"/>
+              <a:defRPr sz="3200" kern="1200">
+                <a:solidFill>
+                  <a:schemeClr val="tx1"/>
+                </a:solidFill>
+                <a:latin typeface="+mn-lt"/>
+                <a:ea typeface="+mn-ea"/>
+                <a:cs typeface="+mn-cs"/>
+              </a:defRPr>
+            </a:lvl1pPr>
+            <a:lvl2pPr marL="742950" indent="-285750" algn="l" defTabSz="914400" rtl="0" eaLnBrk="1" latinLnBrk="0" hangingPunct="1">
+              <a:spcBef>
+                <a:spcPct val="20000"/>
+              </a:spcBef>
+              <a:buFont typeface="Arial" pitchFamily="34" charset="0"/>
+              <a:buChar char="–"/>
+              <a:defRPr sz="2800" kern="1200">
+                <a:solidFill>
+                  <a:schemeClr val="tx1"/>
+                </a:solidFill>
+                <a:latin typeface="+mn-lt"/>
+                <a:ea typeface="+mn-ea"/>
+                <a:cs typeface="+mn-cs"/>
+              </a:defRPr>
+            </a:lvl2pPr>
+            <a:lvl3pPr marL="1143000" indent="-228600" algn="l" defTabSz="914400" rtl="0" eaLnBrk="1" latinLnBrk="0" hangingPunct="1">
+              <a:spcBef>
+                <a:spcPct val="20000"/>
+              </a:spcBef>
+              <a:buFont typeface="Arial" pitchFamily="34" charset="0"/>
+              <a:buChar char="•"/>
+              <a:defRPr sz="2400" kern="1200">
+                <a:solidFill>
+                  <a:schemeClr val="tx1"/>
+                </a:solidFill>
+                <a:latin typeface="+mn-lt"/>
+                <a:ea typeface="+mn-ea"/>
+                <a:cs typeface="+mn-cs"/>
+              </a:defRPr>
+            </a:lvl3pPr>
+            <a:lvl4pPr marL="1600200" indent="-228600" algn="l" defTabSz="914400" rtl="0" eaLnBrk="1" latinLnBrk="0" hangingPunct="1">
+              <a:spcBef>
+                <a:spcPct val="20000"/>
+              </a:spcBef>
+              <a:buFont typeface="Arial" pitchFamily="34" charset="0"/>
+              <a:buChar char="–"/>
+              <a:defRPr sz="2000" kern="1200">
+                <a:solidFill>
+                  <a:schemeClr val="tx1"/>
+                </a:solidFill>
+                <a:latin typeface="+mn-lt"/>
+                <a:ea typeface="+mn-ea"/>
+                <a:cs typeface="+mn-cs"/>
+              </a:defRPr>
+            </a:lvl4pPr>
+            <a:lvl5pPr marL="2057400" indent="-228600" algn="l" defTabSz="914400" rtl="0" eaLnBrk="1" latinLnBrk="0" hangingPunct="1">
+              <a:spcBef>
+                <a:spcPct val="20000"/>
+              </a:spcBef>
+              <a:buFont typeface="Arial" pitchFamily="34" charset="0"/>
+              <a:buChar char="»"/>
+              <a:defRPr sz="2000" kern="1200">
+                <a:solidFill>
+                  <a:schemeClr val="tx1"/>
+                </a:solidFill>
+                <a:latin typeface="+mn-lt"/>
+                <a:ea typeface="+mn-ea"/>
+                <a:cs typeface="+mn-cs"/>
+              </a:defRPr>
+            </a:lvl5pPr>
+            <a:lvl6pPr marL="2514600" indent="-228600" algn="l" defTabSz="914400" rtl="0" eaLnBrk="1" latinLnBrk="0" hangingPunct="1">
+              <a:spcBef>
+                <a:spcPct val="20000"/>
+              </a:spcBef>
+              <a:buFont typeface="Arial" pitchFamily="34" charset="0"/>
+              <a:buChar char="•"/>
+              <a:defRPr sz="2000" kern="1200">
+                <a:solidFill>
+                  <a:schemeClr val="tx1"/>
+                </a:solidFill>
+                <a:latin typeface="+mn-lt"/>
+                <a:ea typeface="+mn-ea"/>
+                <a:cs typeface="+mn-cs"/>
+              </a:defRPr>
+            </a:lvl6pPr>
+            <a:lvl7pPr marL="2971800" indent="-228600" algn="l" defTabSz="914400" rtl="0" eaLnBrk="1" latinLnBrk="0" hangingPunct="1">
+              <a:spcBef>
+                <a:spcPct val="20000"/>
+              </a:spcBef>
+              <a:buFont typeface="Arial" pitchFamily="34" charset="0"/>
+              <a:buChar char="•"/>
+              <a:defRPr sz="2000" kern="1200">
+                <a:solidFill>
+                  <a:schemeClr val="tx1"/>
+                </a:solidFill>
+                <a:latin typeface="+mn-lt"/>
+                <a:ea typeface="+mn-ea"/>
+                <a:cs typeface="+mn-cs"/>
+              </a:defRPr>
+            </a:lvl7pPr>
+            <a:lvl8pPr marL="3429000" indent="-228600" algn="l" defTabSz="914400" rtl="0" eaLnBrk="1" latinLnBrk="0" hangingPunct="1">
+              <a:spcBef>
+                <a:spcPct val="20000"/>
+              </a:spcBef>
+              <a:buFont typeface="Arial" pitchFamily="34" charset="0"/>
+              <a:buChar char="•"/>
+              <a:defRPr sz="2000" kern="1200">
+                <a:solidFill>
+                  <a:schemeClr val="tx1"/>
+                </a:solidFill>
+                <a:latin typeface="+mn-lt"/>
+                <a:ea typeface="+mn-ea"/>
+                <a:cs typeface="+mn-cs"/>
+              </a:defRPr>
+            </a:lvl8pPr>
+            <a:lvl9pPr marL="3886200" indent="-228600" algn="l" defTabSz="914400" rtl="0" eaLnBrk="1" latinLnBrk="0" hangingPunct="1">
+              <a:spcBef>
+                <a:spcPct val="20000"/>
+              </a:spcBef>
+              <a:buFont typeface="Arial" pitchFamily="34" charset="0"/>
+              <a:buChar char="•"/>
+              <a:defRPr sz="2000" kern="1200">
+                <a:solidFill>
+                  <a:schemeClr val="tx1"/>
+                </a:solidFill>
+                <a:latin typeface="+mn-lt"/>
+                <a:ea typeface="+mn-ea"/>
+                <a:cs typeface="+mn-cs"/>
+              </a:defRPr>
+            </a:lvl9pPr>
+          </a:lstStyle>
           <a:p>
-            <a:pPr algn="ctr"/>
+            <a:pPr marL="0" indent="0" algn="ctr">
+              <a:buFont typeface="Arial" pitchFamily="34" charset="0"/>
+              <a:buNone/>
+            </a:pPr>
             <a:r>
-              <a:rPr lang="en-US" sz="1600" dirty="0"/>
+              <a:rPr lang="en-US" sz="2400" dirty="0"/>
               <a:t>{{qr7}}</a:t>
             </a:r>
           </a:p>
@@ -22615,10 +23443,10 @@
       </p:pic>
       <p:pic>
         <p:nvPicPr>
-          <p:cNvPr id="8" name="صورة 7">
+          <p:cNvPr id="10" name="صورة 9">
             <a:extLst>
               <a:ext uri="{FF2B5EF4-FFF2-40B4-BE49-F238E27FC236}">
-                <a16:creationId xmlns:a16="http://schemas.microsoft.com/office/drawing/2014/main" id="{EB9E8CF5-1402-10E3-7104-EF116369BBEA}"/>
+                <a16:creationId xmlns:a16="http://schemas.microsoft.com/office/drawing/2014/main" id="{A3A40AB2-F744-9022-C246-8AC7A423AE2D}"/>
               </a:ext>
             </a:extLst>
           </p:cNvPr>
@@ -22641,7 +23469,7 @@
         </p:blipFill>
         <p:spPr>
           <a:xfrm>
-            <a:off x="1672842" y="5830942"/>
+            <a:off x="1672840" y="5632881"/>
             <a:ext cx="4210816" cy="2357302"/>
           </a:xfrm>
           <a:prstGeom prst="rect">
@@ -22651,35 +23479,173 @@
       </p:pic>
       <p:sp>
         <p:nvSpPr>
-          <p:cNvPr id="11" name="TextBox 2">
+          <p:cNvPr id="12" name="عنصر نائب للمحتوى 12">
             <a:extLst>
               <a:ext uri="{FF2B5EF4-FFF2-40B4-BE49-F238E27FC236}">
-                <a16:creationId xmlns:a16="http://schemas.microsoft.com/office/drawing/2014/main" id="{02E19F69-54A5-2531-460E-6E43F7196690}"/>
+                <a16:creationId xmlns:a16="http://schemas.microsoft.com/office/drawing/2014/main" id="{A7BE01B5-5DB7-FA33-0E38-5E1394C8DF20}"/>
               </a:ext>
             </a:extLst>
           </p:cNvPr>
-          <p:cNvSpPr txBox="1"/>
+          <p:cNvSpPr txBox="1">
+            <a:spLocks/>
+          </p:cNvSpPr>
           <p:nvPr/>
         </p:nvSpPr>
         <p:spPr>
           <a:xfrm>
-            <a:off x="2759934" y="6840316"/>
-            <a:ext cx="2036629" cy="338554"/>
+            <a:off x="2863850" y="5940974"/>
+            <a:ext cx="1828800" cy="1767926"/>
           </a:xfrm>
           <a:prstGeom prst="rect">
             <a:avLst/>
           </a:prstGeom>
-          <a:noFill/>
         </p:spPr>
         <p:txBody>
-          <a:bodyPr wrap="square">
-            <a:spAutoFit/>
-          </a:bodyPr>
-          <a:lstStyle/>
+          <a:bodyPr/>
+          <a:lstStyle>
+            <a:lvl1pPr marL="342900" indent="-342900" algn="l" defTabSz="914400" rtl="0" eaLnBrk="1" latinLnBrk="0" hangingPunct="1">
+              <a:spcBef>
+                <a:spcPct val="20000"/>
+              </a:spcBef>
+              <a:buFont typeface="Arial" pitchFamily="34" charset="0"/>
+              <a:buChar char="•"/>
+              <a:defRPr sz="3200" kern="1200">
+                <a:solidFill>
+                  <a:schemeClr val="tx1"/>
+                </a:solidFill>
+                <a:latin typeface="+mn-lt"/>
+                <a:ea typeface="+mn-ea"/>
+                <a:cs typeface="+mn-cs"/>
+              </a:defRPr>
+            </a:lvl1pPr>
+            <a:lvl2pPr marL="742950" indent="-285750" algn="l" defTabSz="914400" rtl="0" eaLnBrk="1" latinLnBrk="0" hangingPunct="1">
+              <a:spcBef>
+                <a:spcPct val="20000"/>
+              </a:spcBef>
+              <a:buFont typeface="Arial" pitchFamily="34" charset="0"/>
+              <a:buChar char="–"/>
+              <a:defRPr sz="2800" kern="1200">
+                <a:solidFill>
+                  <a:schemeClr val="tx1"/>
+                </a:solidFill>
+                <a:latin typeface="+mn-lt"/>
+                <a:ea typeface="+mn-ea"/>
+                <a:cs typeface="+mn-cs"/>
+              </a:defRPr>
+            </a:lvl2pPr>
+            <a:lvl3pPr marL="1143000" indent="-228600" algn="l" defTabSz="914400" rtl="0" eaLnBrk="1" latinLnBrk="0" hangingPunct="1">
+              <a:spcBef>
+                <a:spcPct val="20000"/>
+              </a:spcBef>
+              <a:buFont typeface="Arial" pitchFamily="34" charset="0"/>
+              <a:buChar char="•"/>
+              <a:defRPr sz="2400" kern="1200">
+                <a:solidFill>
+                  <a:schemeClr val="tx1"/>
+                </a:solidFill>
+                <a:latin typeface="+mn-lt"/>
+                <a:ea typeface="+mn-ea"/>
+                <a:cs typeface="+mn-cs"/>
+              </a:defRPr>
+            </a:lvl3pPr>
+            <a:lvl4pPr marL="1600200" indent="-228600" algn="l" defTabSz="914400" rtl="0" eaLnBrk="1" latinLnBrk="0" hangingPunct="1">
+              <a:spcBef>
+                <a:spcPct val="20000"/>
+              </a:spcBef>
+              <a:buFont typeface="Arial" pitchFamily="34" charset="0"/>
+              <a:buChar char="–"/>
+              <a:defRPr sz="2000" kern="1200">
+                <a:solidFill>
+                  <a:schemeClr val="tx1"/>
+                </a:solidFill>
+                <a:latin typeface="+mn-lt"/>
+                <a:ea typeface="+mn-ea"/>
+                <a:cs typeface="+mn-cs"/>
+              </a:defRPr>
+            </a:lvl4pPr>
+            <a:lvl5pPr marL="2057400" indent="-228600" algn="l" defTabSz="914400" rtl="0" eaLnBrk="1" latinLnBrk="0" hangingPunct="1">
+              <a:spcBef>
+                <a:spcPct val="20000"/>
+              </a:spcBef>
+              <a:buFont typeface="Arial" pitchFamily="34" charset="0"/>
+              <a:buChar char="»"/>
+              <a:defRPr sz="2000" kern="1200">
+                <a:solidFill>
+                  <a:schemeClr val="tx1"/>
+                </a:solidFill>
+                <a:latin typeface="+mn-lt"/>
+                <a:ea typeface="+mn-ea"/>
+                <a:cs typeface="+mn-cs"/>
+              </a:defRPr>
+            </a:lvl5pPr>
+            <a:lvl6pPr marL="2514600" indent="-228600" algn="l" defTabSz="914400" rtl="0" eaLnBrk="1" latinLnBrk="0" hangingPunct="1">
+              <a:spcBef>
+                <a:spcPct val="20000"/>
+              </a:spcBef>
+              <a:buFont typeface="Arial" pitchFamily="34" charset="0"/>
+              <a:buChar char="•"/>
+              <a:defRPr sz="2000" kern="1200">
+                <a:solidFill>
+                  <a:schemeClr val="tx1"/>
+                </a:solidFill>
+                <a:latin typeface="+mn-lt"/>
+                <a:ea typeface="+mn-ea"/>
+                <a:cs typeface="+mn-cs"/>
+              </a:defRPr>
+            </a:lvl6pPr>
+            <a:lvl7pPr marL="2971800" indent="-228600" algn="l" defTabSz="914400" rtl="0" eaLnBrk="1" latinLnBrk="0" hangingPunct="1">
+              <a:spcBef>
+                <a:spcPct val="20000"/>
+              </a:spcBef>
+              <a:buFont typeface="Arial" pitchFamily="34" charset="0"/>
+              <a:buChar char="•"/>
+              <a:defRPr sz="2000" kern="1200">
+                <a:solidFill>
+                  <a:schemeClr val="tx1"/>
+                </a:solidFill>
+                <a:latin typeface="+mn-lt"/>
+                <a:ea typeface="+mn-ea"/>
+                <a:cs typeface="+mn-cs"/>
+              </a:defRPr>
+            </a:lvl7pPr>
+            <a:lvl8pPr marL="3429000" indent="-228600" algn="l" defTabSz="914400" rtl="0" eaLnBrk="1" latinLnBrk="0" hangingPunct="1">
+              <a:spcBef>
+                <a:spcPct val="20000"/>
+              </a:spcBef>
+              <a:buFont typeface="Arial" pitchFamily="34" charset="0"/>
+              <a:buChar char="•"/>
+              <a:defRPr sz="2000" kern="1200">
+                <a:solidFill>
+                  <a:schemeClr val="tx1"/>
+                </a:solidFill>
+                <a:latin typeface="+mn-lt"/>
+                <a:ea typeface="+mn-ea"/>
+                <a:cs typeface="+mn-cs"/>
+              </a:defRPr>
+            </a:lvl8pPr>
+            <a:lvl9pPr marL="3886200" indent="-228600" algn="l" defTabSz="914400" rtl="0" eaLnBrk="1" latinLnBrk="0" hangingPunct="1">
+              <a:spcBef>
+                <a:spcPct val="20000"/>
+              </a:spcBef>
+              <a:buFont typeface="Arial" pitchFamily="34" charset="0"/>
+              <a:buChar char="•"/>
+              <a:defRPr sz="2000" kern="1200">
+                <a:solidFill>
+                  <a:schemeClr val="tx1"/>
+                </a:solidFill>
+                <a:latin typeface="+mn-lt"/>
+                <a:ea typeface="+mn-ea"/>
+                <a:cs typeface="+mn-cs"/>
+              </a:defRPr>
+            </a:lvl9pPr>
+          </a:lstStyle>
           <a:p>
-            <a:pPr algn="ctr"/>
+            <a:pPr marL="0" indent="0" algn="ctr">
+              <a:buFont typeface="Arial" pitchFamily="34" charset="0"/>
+              <a:buNone/>
+            </a:pPr>
             <a:r>
-              <a:rPr lang="en-US" sz="1600" dirty="0"/>
+              <a:rPr lang="en-US" sz="2400" dirty="0"/>
               <a:t>{{qr8}}</a:t>
             </a:r>
           </a:p>
@@ -24114,10 +25080,10 @@
       </p:pic>
       <p:pic>
         <p:nvPicPr>
-          <p:cNvPr id="8" name="صورة 7">
+          <p:cNvPr id="13" name="صورة 12">
             <a:extLst>
               <a:ext uri="{FF2B5EF4-FFF2-40B4-BE49-F238E27FC236}">
-                <a16:creationId xmlns:a16="http://schemas.microsoft.com/office/drawing/2014/main" id="{B36B105A-F2F5-A13D-3DED-E805E58CDC4C}"/>
+                <a16:creationId xmlns:a16="http://schemas.microsoft.com/office/drawing/2014/main" id="{7CE2B3A0-0BE8-0F93-FA42-D3D00145EA62}"/>
               </a:ext>
             </a:extLst>
           </p:cNvPr>
@@ -24140,7 +25106,7 @@
         </p:blipFill>
         <p:spPr>
           <a:xfrm>
-            <a:off x="1672842" y="6401192"/>
+            <a:off x="1672840" y="6342198"/>
             <a:ext cx="4210816" cy="2357302"/>
           </a:xfrm>
           <a:prstGeom prst="rect">
@@ -24150,35 +25116,173 @@
       </p:pic>
       <p:sp>
         <p:nvSpPr>
-          <p:cNvPr id="11" name="TextBox 2">
+          <p:cNvPr id="14" name="عنصر نائب للمحتوى 12">
             <a:extLst>
               <a:ext uri="{FF2B5EF4-FFF2-40B4-BE49-F238E27FC236}">
-                <a16:creationId xmlns:a16="http://schemas.microsoft.com/office/drawing/2014/main" id="{890AB6B1-0BD4-1772-BD1D-B8C76FDFD7E5}"/>
+                <a16:creationId xmlns:a16="http://schemas.microsoft.com/office/drawing/2014/main" id="{3FEC7AB4-B0F3-69D1-56E8-DBB7B15BFE06}"/>
               </a:ext>
             </a:extLst>
           </p:cNvPr>
-          <p:cNvSpPr txBox="1"/>
+          <p:cNvSpPr txBox="1">
+            <a:spLocks/>
+          </p:cNvSpPr>
           <p:nvPr/>
         </p:nvSpPr>
         <p:spPr>
           <a:xfrm>
-            <a:off x="2759934" y="7410566"/>
-            <a:ext cx="2036629" cy="338554"/>
+            <a:off x="2863850" y="6650291"/>
+            <a:ext cx="1828800" cy="1767926"/>
           </a:xfrm>
           <a:prstGeom prst="rect">
             <a:avLst/>
           </a:prstGeom>
-          <a:noFill/>
         </p:spPr>
         <p:txBody>
-          <a:bodyPr wrap="square">
-            <a:spAutoFit/>
-          </a:bodyPr>
-          <a:lstStyle/>
+          <a:bodyPr/>
+          <a:lstStyle>
+            <a:lvl1pPr marL="342900" indent="-342900" algn="l" defTabSz="914400" rtl="0" eaLnBrk="1" latinLnBrk="0" hangingPunct="1">
+              <a:spcBef>
+                <a:spcPct val="20000"/>
+              </a:spcBef>
+              <a:buFont typeface="Arial" pitchFamily="34" charset="0"/>
+              <a:buChar char="•"/>
+              <a:defRPr sz="3200" kern="1200">
+                <a:solidFill>
+                  <a:schemeClr val="tx1"/>
+                </a:solidFill>
+                <a:latin typeface="+mn-lt"/>
+                <a:ea typeface="+mn-ea"/>
+                <a:cs typeface="+mn-cs"/>
+              </a:defRPr>
+            </a:lvl1pPr>
+            <a:lvl2pPr marL="742950" indent="-285750" algn="l" defTabSz="914400" rtl="0" eaLnBrk="1" latinLnBrk="0" hangingPunct="1">
+              <a:spcBef>
+                <a:spcPct val="20000"/>
+              </a:spcBef>
+              <a:buFont typeface="Arial" pitchFamily="34" charset="0"/>
+              <a:buChar char="–"/>
+              <a:defRPr sz="2800" kern="1200">
+                <a:solidFill>
+                  <a:schemeClr val="tx1"/>
+                </a:solidFill>
+                <a:latin typeface="+mn-lt"/>
+                <a:ea typeface="+mn-ea"/>
+                <a:cs typeface="+mn-cs"/>
+              </a:defRPr>
+            </a:lvl2pPr>
+            <a:lvl3pPr marL="1143000" indent="-228600" algn="l" defTabSz="914400" rtl="0" eaLnBrk="1" latinLnBrk="0" hangingPunct="1">
+              <a:spcBef>
+                <a:spcPct val="20000"/>
+              </a:spcBef>
+              <a:buFont typeface="Arial" pitchFamily="34" charset="0"/>
+              <a:buChar char="•"/>
+              <a:defRPr sz="2400" kern="1200">
+                <a:solidFill>
+                  <a:schemeClr val="tx1"/>
+                </a:solidFill>
+                <a:latin typeface="+mn-lt"/>
+                <a:ea typeface="+mn-ea"/>
+                <a:cs typeface="+mn-cs"/>
+              </a:defRPr>
+            </a:lvl3pPr>
+            <a:lvl4pPr marL="1600200" indent="-228600" algn="l" defTabSz="914400" rtl="0" eaLnBrk="1" latinLnBrk="0" hangingPunct="1">
+              <a:spcBef>
+                <a:spcPct val="20000"/>
+              </a:spcBef>
+              <a:buFont typeface="Arial" pitchFamily="34" charset="0"/>
+              <a:buChar char="–"/>
+              <a:defRPr sz="2000" kern="1200">
+                <a:solidFill>
+                  <a:schemeClr val="tx1"/>
+                </a:solidFill>
+                <a:latin typeface="+mn-lt"/>
+                <a:ea typeface="+mn-ea"/>
+                <a:cs typeface="+mn-cs"/>
+              </a:defRPr>
+            </a:lvl4pPr>
+            <a:lvl5pPr marL="2057400" indent="-228600" algn="l" defTabSz="914400" rtl="0" eaLnBrk="1" latinLnBrk="0" hangingPunct="1">
+              <a:spcBef>
+                <a:spcPct val="20000"/>
+              </a:spcBef>
+              <a:buFont typeface="Arial" pitchFamily="34" charset="0"/>
+              <a:buChar char="»"/>
+              <a:defRPr sz="2000" kern="1200">
+                <a:solidFill>
+                  <a:schemeClr val="tx1"/>
+                </a:solidFill>
+                <a:latin typeface="+mn-lt"/>
+                <a:ea typeface="+mn-ea"/>
+                <a:cs typeface="+mn-cs"/>
+              </a:defRPr>
+            </a:lvl5pPr>
+            <a:lvl6pPr marL="2514600" indent="-228600" algn="l" defTabSz="914400" rtl="0" eaLnBrk="1" latinLnBrk="0" hangingPunct="1">
+              <a:spcBef>
+                <a:spcPct val="20000"/>
+              </a:spcBef>
+              <a:buFont typeface="Arial" pitchFamily="34" charset="0"/>
+              <a:buChar char="•"/>
+              <a:defRPr sz="2000" kern="1200">
+                <a:solidFill>
+                  <a:schemeClr val="tx1"/>
+                </a:solidFill>
+                <a:latin typeface="+mn-lt"/>
+                <a:ea typeface="+mn-ea"/>
+                <a:cs typeface="+mn-cs"/>
+              </a:defRPr>
+            </a:lvl6pPr>
+            <a:lvl7pPr marL="2971800" indent="-228600" algn="l" defTabSz="914400" rtl="0" eaLnBrk="1" latinLnBrk="0" hangingPunct="1">
+              <a:spcBef>
+                <a:spcPct val="20000"/>
+              </a:spcBef>
+              <a:buFont typeface="Arial" pitchFamily="34" charset="0"/>
+              <a:buChar char="•"/>
+              <a:defRPr sz="2000" kern="1200">
+                <a:solidFill>
+                  <a:schemeClr val="tx1"/>
+                </a:solidFill>
+                <a:latin typeface="+mn-lt"/>
+                <a:ea typeface="+mn-ea"/>
+                <a:cs typeface="+mn-cs"/>
+              </a:defRPr>
+            </a:lvl7pPr>
+            <a:lvl8pPr marL="3429000" indent="-228600" algn="l" defTabSz="914400" rtl="0" eaLnBrk="1" latinLnBrk="0" hangingPunct="1">
+              <a:spcBef>
+                <a:spcPct val="20000"/>
+              </a:spcBef>
+              <a:buFont typeface="Arial" pitchFamily="34" charset="0"/>
+              <a:buChar char="•"/>
+              <a:defRPr sz="2000" kern="1200">
+                <a:solidFill>
+                  <a:schemeClr val="tx1"/>
+                </a:solidFill>
+                <a:latin typeface="+mn-lt"/>
+                <a:ea typeface="+mn-ea"/>
+                <a:cs typeface="+mn-cs"/>
+              </a:defRPr>
+            </a:lvl8pPr>
+            <a:lvl9pPr marL="3886200" indent="-228600" algn="l" defTabSz="914400" rtl="0" eaLnBrk="1" latinLnBrk="0" hangingPunct="1">
+              <a:spcBef>
+                <a:spcPct val="20000"/>
+              </a:spcBef>
+              <a:buFont typeface="Arial" pitchFamily="34" charset="0"/>
+              <a:buChar char="•"/>
+              <a:defRPr sz="2000" kern="1200">
+                <a:solidFill>
+                  <a:schemeClr val="tx1"/>
+                </a:solidFill>
+                <a:latin typeface="+mn-lt"/>
+                <a:ea typeface="+mn-ea"/>
+                <a:cs typeface="+mn-cs"/>
+              </a:defRPr>
+            </a:lvl9pPr>
+          </a:lstStyle>
           <a:p>
-            <a:pPr algn="ctr"/>
+            <a:pPr marL="0" indent="0" algn="ctr">
+              <a:buFont typeface="Arial" pitchFamily="34" charset="0"/>
+              <a:buNone/>
+            </a:pPr>
             <a:r>
-              <a:rPr lang="en-US" sz="1600" dirty="0"/>
+              <a:rPr lang="en-US" sz="2400" dirty="0"/>
               <a:t>{{qr9}}</a:t>
             </a:r>
           </a:p>
@@ -25616,10 +26720,10 @@
       </p:pic>
       <p:pic>
         <p:nvPicPr>
-          <p:cNvPr id="8" name="صورة 7">
+          <p:cNvPr id="10" name="صورة 9">
             <a:extLst>
               <a:ext uri="{FF2B5EF4-FFF2-40B4-BE49-F238E27FC236}">
-                <a16:creationId xmlns:a16="http://schemas.microsoft.com/office/drawing/2014/main" id="{3859A58A-872C-9B4A-C843-D5394D8D247D}"/>
+                <a16:creationId xmlns:a16="http://schemas.microsoft.com/office/drawing/2014/main" id="{30537252-82E6-381A-B429-AFDB5D5F8098}"/>
               </a:ext>
             </a:extLst>
           </p:cNvPr>
@@ -25642,7 +26746,7 @@
         </p:blipFill>
         <p:spPr>
           <a:xfrm>
-            <a:off x="1656981" y="6535511"/>
+            <a:off x="1672840" y="6646998"/>
             <a:ext cx="4210816" cy="2357302"/>
           </a:xfrm>
           <a:prstGeom prst="rect">
@@ -25652,35 +26756,173 @@
       </p:pic>
       <p:sp>
         <p:nvSpPr>
-          <p:cNvPr id="11" name="TextBox 2">
+          <p:cNvPr id="12" name="عنصر نائب للمحتوى 12">
             <a:extLst>
               <a:ext uri="{FF2B5EF4-FFF2-40B4-BE49-F238E27FC236}">
-                <a16:creationId xmlns:a16="http://schemas.microsoft.com/office/drawing/2014/main" id="{95901AA7-75F8-AED1-70AD-74F0F5F1904B}"/>
+                <a16:creationId xmlns:a16="http://schemas.microsoft.com/office/drawing/2014/main" id="{6867B9B9-4A99-3F17-09F3-3FAE5AFEDA50}"/>
               </a:ext>
             </a:extLst>
           </p:cNvPr>
-          <p:cNvSpPr txBox="1"/>
+          <p:cNvSpPr txBox="1">
+            <a:spLocks/>
+          </p:cNvSpPr>
           <p:nvPr/>
         </p:nvSpPr>
         <p:spPr>
           <a:xfrm>
-            <a:off x="2744073" y="7544885"/>
-            <a:ext cx="2036629" cy="338554"/>
+            <a:off x="2863850" y="6955091"/>
+            <a:ext cx="1828800" cy="1767926"/>
           </a:xfrm>
           <a:prstGeom prst="rect">
             <a:avLst/>
           </a:prstGeom>
-          <a:noFill/>
         </p:spPr>
         <p:txBody>
-          <a:bodyPr wrap="square">
-            <a:spAutoFit/>
-          </a:bodyPr>
-          <a:lstStyle/>
+          <a:bodyPr/>
+          <a:lstStyle>
+            <a:lvl1pPr marL="342900" indent="-342900" algn="l" defTabSz="914400" rtl="0" eaLnBrk="1" latinLnBrk="0" hangingPunct="1">
+              <a:spcBef>
+                <a:spcPct val="20000"/>
+              </a:spcBef>
+              <a:buFont typeface="Arial" pitchFamily="34" charset="0"/>
+              <a:buChar char="•"/>
+              <a:defRPr sz="3200" kern="1200">
+                <a:solidFill>
+                  <a:schemeClr val="tx1"/>
+                </a:solidFill>
+                <a:latin typeface="+mn-lt"/>
+                <a:ea typeface="+mn-ea"/>
+                <a:cs typeface="+mn-cs"/>
+              </a:defRPr>
+            </a:lvl1pPr>
+            <a:lvl2pPr marL="742950" indent="-285750" algn="l" defTabSz="914400" rtl="0" eaLnBrk="1" latinLnBrk="0" hangingPunct="1">
+              <a:spcBef>
+                <a:spcPct val="20000"/>
+              </a:spcBef>
+              <a:buFont typeface="Arial" pitchFamily="34" charset="0"/>
+              <a:buChar char="–"/>
+              <a:defRPr sz="2800" kern="1200">
+                <a:solidFill>
+                  <a:schemeClr val="tx1"/>
+                </a:solidFill>
+                <a:latin typeface="+mn-lt"/>
+                <a:ea typeface="+mn-ea"/>
+                <a:cs typeface="+mn-cs"/>
+              </a:defRPr>
+            </a:lvl2pPr>
+            <a:lvl3pPr marL="1143000" indent="-228600" algn="l" defTabSz="914400" rtl="0" eaLnBrk="1" latinLnBrk="0" hangingPunct="1">
+              <a:spcBef>
+                <a:spcPct val="20000"/>
+              </a:spcBef>
+              <a:buFont typeface="Arial" pitchFamily="34" charset="0"/>
+              <a:buChar char="•"/>
+              <a:defRPr sz="2400" kern="1200">
+                <a:solidFill>
+                  <a:schemeClr val="tx1"/>
+                </a:solidFill>
+                <a:latin typeface="+mn-lt"/>
+                <a:ea typeface="+mn-ea"/>
+                <a:cs typeface="+mn-cs"/>
+              </a:defRPr>
+            </a:lvl3pPr>
+            <a:lvl4pPr marL="1600200" indent="-228600" algn="l" defTabSz="914400" rtl="0" eaLnBrk="1" latinLnBrk="0" hangingPunct="1">
+              <a:spcBef>
+                <a:spcPct val="20000"/>
+              </a:spcBef>
+              <a:buFont typeface="Arial" pitchFamily="34" charset="0"/>
+              <a:buChar char="–"/>
+              <a:defRPr sz="2000" kern="1200">
+                <a:solidFill>
+                  <a:schemeClr val="tx1"/>
+                </a:solidFill>
+                <a:latin typeface="+mn-lt"/>
+                <a:ea typeface="+mn-ea"/>
+                <a:cs typeface="+mn-cs"/>
+              </a:defRPr>
+            </a:lvl4pPr>
+            <a:lvl5pPr marL="2057400" indent="-228600" algn="l" defTabSz="914400" rtl="0" eaLnBrk="1" latinLnBrk="0" hangingPunct="1">
+              <a:spcBef>
+                <a:spcPct val="20000"/>
+              </a:spcBef>
+              <a:buFont typeface="Arial" pitchFamily="34" charset="0"/>
+              <a:buChar char="»"/>
+              <a:defRPr sz="2000" kern="1200">
+                <a:solidFill>
+                  <a:schemeClr val="tx1"/>
+                </a:solidFill>
+                <a:latin typeface="+mn-lt"/>
+                <a:ea typeface="+mn-ea"/>
+                <a:cs typeface="+mn-cs"/>
+              </a:defRPr>
+            </a:lvl5pPr>
+            <a:lvl6pPr marL="2514600" indent="-228600" algn="l" defTabSz="914400" rtl="0" eaLnBrk="1" latinLnBrk="0" hangingPunct="1">
+              <a:spcBef>
+                <a:spcPct val="20000"/>
+              </a:spcBef>
+              <a:buFont typeface="Arial" pitchFamily="34" charset="0"/>
+              <a:buChar char="•"/>
+              <a:defRPr sz="2000" kern="1200">
+                <a:solidFill>
+                  <a:schemeClr val="tx1"/>
+                </a:solidFill>
+                <a:latin typeface="+mn-lt"/>
+                <a:ea typeface="+mn-ea"/>
+                <a:cs typeface="+mn-cs"/>
+              </a:defRPr>
+            </a:lvl6pPr>
+            <a:lvl7pPr marL="2971800" indent="-228600" algn="l" defTabSz="914400" rtl="0" eaLnBrk="1" latinLnBrk="0" hangingPunct="1">
+              <a:spcBef>
+                <a:spcPct val="20000"/>
+              </a:spcBef>
+              <a:buFont typeface="Arial" pitchFamily="34" charset="0"/>
+              <a:buChar char="•"/>
+              <a:defRPr sz="2000" kern="1200">
+                <a:solidFill>
+                  <a:schemeClr val="tx1"/>
+                </a:solidFill>
+                <a:latin typeface="+mn-lt"/>
+                <a:ea typeface="+mn-ea"/>
+                <a:cs typeface="+mn-cs"/>
+              </a:defRPr>
+            </a:lvl7pPr>
+            <a:lvl8pPr marL="3429000" indent="-228600" algn="l" defTabSz="914400" rtl="0" eaLnBrk="1" latinLnBrk="0" hangingPunct="1">
+              <a:spcBef>
+                <a:spcPct val="20000"/>
+              </a:spcBef>
+              <a:buFont typeface="Arial" pitchFamily="34" charset="0"/>
+              <a:buChar char="•"/>
+              <a:defRPr sz="2000" kern="1200">
+                <a:solidFill>
+                  <a:schemeClr val="tx1"/>
+                </a:solidFill>
+                <a:latin typeface="+mn-lt"/>
+                <a:ea typeface="+mn-ea"/>
+                <a:cs typeface="+mn-cs"/>
+              </a:defRPr>
+            </a:lvl8pPr>
+            <a:lvl9pPr marL="3886200" indent="-228600" algn="l" defTabSz="914400" rtl="0" eaLnBrk="1" latinLnBrk="0" hangingPunct="1">
+              <a:spcBef>
+                <a:spcPct val="20000"/>
+              </a:spcBef>
+              <a:buFont typeface="Arial" pitchFamily="34" charset="0"/>
+              <a:buChar char="•"/>
+              <a:defRPr sz="2000" kern="1200">
+                <a:solidFill>
+                  <a:schemeClr val="tx1"/>
+                </a:solidFill>
+                <a:latin typeface="+mn-lt"/>
+                <a:ea typeface="+mn-ea"/>
+                <a:cs typeface="+mn-cs"/>
+              </a:defRPr>
+            </a:lvl9pPr>
+          </a:lstStyle>
           <a:p>
-            <a:pPr algn="ctr"/>
+            <a:pPr marL="0" indent="0" algn="ctr">
+              <a:buFont typeface="Arial" pitchFamily="34" charset="0"/>
+              <a:buNone/>
+            </a:pPr>
             <a:r>
-              <a:rPr lang="en-US" sz="1600" dirty="0"/>
+              <a:rPr lang="en-US" sz="2400" dirty="0"/>
               <a:t>{{qr10}}</a:t>
             </a:r>
           </a:p>
@@ -26919,10 +28161,10 @@
       </p:pic>
       <p:pic>
         <p:nvPicPr>
-          <p:cNvPr id="8" name="صورة 7">
+          <p:cNvPr id="10" name="صورة 9">
             <a:extLst>
               <a:ext uri="{FF2B5EF4-FFF2-40B4-BE49-F238E27FC236}">
-                <a16:creationId xmlns:a16="http://schemas.microsoft.com/office/drawing/2014/main" id="{5F2E4EA8-E489-347E-7BC1-037A06D508A2}"/>
+                <a16:creationId xmlns:a16="http://schemas.microsoft.com/office/drawing/2014/main" id="{2A17DFC6-0B76-F436-C6BD-D91668C18189}"/>
               </a:ext>
             </a:extLst>
           </p:cNvPr>
@@ -26945,7 +28187,7 @@
         </p:blipFill>
         <p:spPr>
           <a:xfrm>
-            <a:off x="1672842" y="6146061"/>
+            <a:off x="1672840" y="6189798"/>
             <a:ext cx="4210816" cy="2357302"/>
           </a:xfrm>
           <a:prstGeom prst="rect">
@@ -26955,37 +28197,176 @@
       </p:pic>
       <p:sp>
         <p:nvSpPr>
-          <p:cNvPr id="11" name="TextBox 2">
+          <p:cNvPr id="12" name="عنصر نائب للمحتوى 12">
             <a:extLst>
               <a:ext uri="{FF2B5EF4-FFF2-40B4-BE49-F238E27FC236}">
-                <a16:creationId xmlns:a16="http://schemas.microsoft.com/office/drawing/2014/main" id="{DA553A95-DAD6-33E6-82B8-0E579BE4A724}"/>
+                <a16:creationId xmlns:a16="http://schemas.microsoft.com/office/drawing/2014/main" id="{7F2519E2-532D-BABF-D1A6-3DE92C899B34}"/>
               </a:ext>
             </a:extLst>
           </p:cNvPr>
-          <p:cNvSpPr txBox="1"/>
+          <p:cNvSpPr txBox="1">
+            <a:spLocks/>
+          </p:cNvSpPr>
           <p:nvPr/>
         </p:nvSpPr>
         <p:spPr>
           <a:xfrm>
-            <a:off x="2759934" y="7155435"/>
-            <a:ext cx="2036629" cy="338554"/>
+            <a:off x="2863850" y="6497891"/>
+            <a:ext cx="1828800" cy="1767926"/>
           </a:xfrm>
           <a:prstGeom prst="rect">
             <a:avLst/>
           </a:prstGeom>
-          <a:noFill/>
         </p:spPr>
         <p:txBody>
-          <a:bodyPr wrap="square">
-            <a:spAutoFit/>
-          </a:bodyPr>
-          <a:lstStyle/>
+          <a:bodyPr/>
+          <a:lstStyle>
+            <a:lvl1pPr marL="342900" indent="-342900" algn="l" defTabSz="914400" rtl="0" eaLnBrk="1" latinLnBrk="0" hangingPunct="1">
+              <a:spcBef>
+                <a:spcPct val="20000"/>
+              </a:spcBef>
+              <a:buFont typeface="Arial" pitchFamily="34" charset="0"/>
+              <a:buChar char="•"/>
+              <a:defRPr sz="3200" kern="1200">
+                <a:solidFill>
+                  <a:schemeClr val="tx1"/>
+                </a:solidFill>
+                <a:latin typeface="+mn-lt"/>
+                <a:ea typeface="+mn-ea"/>
+                <a:cs typeface="+mn-cs"/>
+              </a:defRPr>
+            </a:lvl1pPr>
+            <a:lvl2pPr marL="742950" indent="-285750" algn="l" defTabSz="914400" rtl="0" eaLnBrk="1" latinLnBrk="0" hangingPunct="1">
+              <a:spcBef>
+                <a:spcPct val="20000"/>
+              </a:spcBef>
+              <a:buFont typeface="Arial" pitchFamily="34" charset="0"/>
+              <a:buChar char="–"/>
+              <a:defRPr sz="2800" kern="1200">
+                <a:solidFill>
+                  <a:schemeClr val="tx1"/>
+                </a:solidFill>
+                <a:latin typeface="+mn-lt"/>
+                <a:ea typeface="+mn-ea"/>
+                <a:cs typeface="+mn-cs"/>
+              </a:defRPr>
+            </a:lvl2pPr>
+            <a:lvl3pPr marL="1143000" indent="-228600" algn="l" defTabSz="914400" rtl="0" eaLnBrk="1" latinLnBrk="0" hangingPunct="1">
+              <a:spcBef>
+                <a:spcPct val="20000"/>
+              </a:spcBef>
+              <a:buFont typeface="Arial" pitchFamily="34" charset="0"/>
+              <a:buChar char="•"/>
+              <a:defRPr sz="2400" kern="1200">
+                <a:solidFill>
+                  <a:schemeClr val="tx1"/>
+                </a:solidFill>
+                <a:latin typeface="+mn-lt"/>
+                <a:ea typeface="+mn-ea"/>
+                <a:cs typeface="+mn-cs"/>
+              </a:defRPr>
+            </a:lvl3pPr>
+            <a:lvl4pPr marL="1600200" indent="-228600" algn="l" defTabSz="914400" rtl="0" eaLnBrk="1" latinLnBrk="0" hangingPunct="1">
+              <a:spcBef>
+                <a:spcPct val="20000"/>
+              </a:spcBef>
+              <a:buFont typeface="Arial" pitchFamily="34" charset="0"/>
+              <a:buChar char="–"/>
+              <a:defRPr sz="2000" kern="1200">
+                <a:solidFill>
+                  <a:schemeClr val="tx1"/>
+                </a:solidFill>
+                <a:latin typeface="+mn-lt"/>
+                <a:ea typeface="+mn-ea"/>
+                <a:cs typeface="+mn-cs"/>
+              </a:defRPr>
+            </a:lvl4pPr>
+            <a:lvl5pPr marL="2057400" indent="-228600" algn="l" defTabSz="914400" rtl="0" eaLnBrk="1" latinLnBrk="0" hangingPunct="1">
+              <a:spcBef>
+                <a:spcPct val="20000"/>
+              </a:spcBef>
+              <a:buFont typeface="Arial" pitchFamily="34" charset="0"/>
+              <a:buChar char="»"/>
+              <a:defRPr sz="2000" kern="1200">
+                <a:solidFill>
+                  <a:schemeClr val="tx1"/>
+                </a:solidFill>
+                <a:latin typeface="+mn-lt"/>
+                <a:ea typeface="+mn-ea"/>
+                <a:cs typeface="+mn-cs"/>
+              </a:defRPr>
+            </a:lvl5pPr>
+            <a:lvl6pPr marL="2514600" indent="-228600" algn="l" defTabSz="914400" rtl="0" eaLnBrk="1" latinLnBrk="0" hangingPunct="1">
+              <a:spcBef>
+                <a:spcPct val="20000"/>
+              </a:spcBef>
+              <a:buFont typeface="Arial" pitchFamily="34" charset="0"/>
+              <a:buChar char="•"/>
+              <a:defRPr sz="2000" kern="1200">
+                <a:solidFill>
+                  <a:schemeClr val="tx1"/>
+                </a:solidFill>
+                <a:latin typeface="+mn-lt"/>
+                <a:ea typeface="+mn-ea"/>
+                <a:cs typeface="+mn-cs"/>
+              </a:defRPr>
+            </a:lvl6pPr>
+            <a:lvl7pPr marL="2971800" indent="-228600" algn="l" defTabSz="914400" rtl="0" eaLnBrk="1" latinLnBrk="0" hangingPunct="1">
+              <a:spcBef>
+                <a:spcPct val="20000"/>
+              </a:spcBef>
+              <a:buFont typeface="Arial" pitchFamily="34" charset="0"/>
+              <a:buChar char="•"/>
+              <a:defRPr sz="2000" kern="1200">
+                <a:solidFill>
+                  <a:schemeClr val="tx1"/>
+                </a:solidFill>
+                <a:latin typeface="+mn-lt"/>
+                <a:ea typeface="+mn-ea"/>
+                <a:cs typeface="+mn-cs"/>
+              </a:defRPr>
+            </a:lvl7pPr>
+            <a:lvl8pPr marL="3429000" indent="-228600" algn="l" defTabSz="914400" rtl="0" eaLnBrk="1" latinLnBrk="0" hangingPunct="1">
+              <a:spcBef>
+                <a:spcPct val="20000"/>
+              </a:spcBef>
+              <a:buFont typeface="Arial" pitchFamily="34" charset="0"/>
+              <a:buChar char="•"/>
+              <a:defRPr sz="2000" kern="1200">
+                <a:solidFill>
+                  <a:schemeClr val="tx1"/>
+                </a:solidFill>
+                <a:latin typeface="+mn-lt"/>
+                <a:ea typeface="+mn-ea"/>
+                <a:cs typeface="+mn-cs"/>
+              </a:defRPr>
+            </a:lvl8pPr>
+            <a:lvl9pPr marL="3886200" indent="-228600" algn="l" defTabSz="914400" rtl="0" eaLnBrk="1" latinLnBrk="0" hangingPunct="1">
+              <a:spcBef>
+                <a:spcPct val="20000"/>
+              </a:spcBef>
+              <a:buFont typeface="Arial" pitchFamily="34" charset="0"/>
+              <a:buChar char="•"/>
+              <a:defRPr sz="2000" kern="1200">
+                <a:solidFill>
+                  <a:schemeClr val="tx1"/>
+                </a:solidFill>
+                <a:latin typeface="+mn-lt"/>
+                <a:ea typeface="+mn-ea"/>
+                <a:cs typeface="+mn-cs"/>
+              </a:defRPr>
+            </a:lvl9pPr>
+          </a:lstStyle>
           <a:p>
-            <a:pPr algn="ctr"/>
+            <a:pPr marL="0" indent="0" algn="ctr">
+              <a:buFont typeface="Arial" pitchFamily="34" charset="0"/>
+              <a:buNone/>
+            </a:pPr>
             <a:r>
-              <a:rPr lang="en-US" sz="1600" dirty="0"/>
+              <a:rPr lang="en-US" sz="2400"/>
               <a:t>{{qr11}}</a:t>
             </a:r>
+            <a:endParaRPr lang="en-US" sz="2400" dirty="0"/>
           </a:p>
         </p:txBody>
       </p:sp>

--- a/templates/template.pptx
+++ b/templates/template.pptx
@@ -11445,7 +11445,7 @@
             </a:pPr>
             <a:r>
               <a:rPr lang="en-US" sz="2400" dirty="0"/>
-              <a:t>{{qr1}}</a:t>
+              <a:t>{%qr1}</a:t>
             </a:r>
           </a:p>
         </p:txBody>
@@ -13673,7 +13673,7 @@
             </a:pPr>
             <a:r>
               <a:rPr lang="en-US" sz="2400" dirty="0"/>
-              <a:t>{{qr2}}</a:t>
+              <a:t>{%qr2}</a:t>
             </a:r>
           </a:p>
         </p:txBody>
@@ -15310,7 +15310,7 @@
             </a:pPr>
             <a:r>
               <a:rPr lang="en-US" sz="2400" dirty="0"/>
-              <a:t>{{qr3}}</a:t>
+              <a:t>{%qr3}</a:t>
             </a:r>
           </a:p>
         </p:txBody>
@@ -16991,7 +16991,7 @@
             </a:pPr>
             <a:r>
               <a:rPr lang="en-US" sz="2400" dirty="0"/>
-              <a:t>{{qr4}}</a:t>
+              <a:t>{%qr4}</a:t>
             </a:r>
           </a:p>
         </p:txBody>
@@ -18656,7 +18656,7 @@
             </a:pPr>
             <a:r>
               <a:rPr lang="en-US" sz="2400" dirty="0"/>
-              <a:t>{{qr5}}</a:t>
+              <a:t>{%qr5}</a:t>
             </a:r>
           </a:p>
         </p:txBody>
@@ -20309,7 +20309,7 @@
             </a:pPr>
             <a:r>
               <a:rPr lang="en-US" sz="2400" dirty="0"/>
-              <a:t>{{qr6}}</a:t>
+              <a:t>{%qr6}</a:t>
             </a:r>
           </a:p>
         </p:txBody>
@@ -22206,7 +22206,7 @@
             </a:pPr>
             <a:r>
               <a:rPr lang="en-US" sz="2400" dirty="0"/>
-              <a:t>{{qr7}}</a:t>
+              <a:t>{%qr7}</a:t>
             </a:r>
           </a:p>
         </p:txBody>
@@ -23646,7 +23646,7 @@
             </a:pPr>
             <a:r>
               <a:rPr lang="en-US" sz="2400" dirty="0"/>
-              <a:t>{{qr8}}</a:t>
+              <a:t>{%qr8}</a:t>
             </a:r>
           </a:p>
         </p:txBody>
@@ -25283,7 +25283,7 @@
             </a:pPr>
             <a:r>
               <a:rPr lang="en-US" sz="2400" dirty="0"/>
-              <a:t>{{qr9}}</a:t>
+              <a:t>{%qr9}</a:t>
             </a:r>
           </a:p>
         </p:txBody>
@@ -26923,7 +26923,7 @@
             </a:pPr>
             <a:r>
               <a:rPr lang="en-US" sz="2400" dirty="0"/>
-              <a:t>{{qr10}}</a:t>
+              <a:t>{%qr10}</a:t>
             </a:r>
           </a:p>
         </p:txBody>
@@ -28364,7 +28364,7 @@
             </a:pPr>
             <a:r>
               <a:rPr lang="en-US" sz="2400"/>
-              <a:t>{{qr11}}</a:t>
+              <a:t>{%qr11}</a:t>
             </a:r>
             <a:endParaRPr lang="en-US" sz="2400" dirty="0"/>
           </a:p>

--- a/templates/template.pptx
+++ b/templates/template.pptx
@@ -1956,7 +1956,7 @@
 </file>
 
 <file path=ppt/slideLayouts/slideLayout7.xml><?xml version="1.0" encoding="utf-8"?>
-<p:sldLayout xmlns:a="http://schemas.openxmlformats.org/drawingml/2006/main" xmlns:r="http://schemas.openxmlformats.org/officeDocument/2006/relationships" xmlns:p="http://schemas.openxmlformats.org/presentationml/2006/main" type="blank" preserve="1">
+<p:sldLayout xmlns:a="http://schemas.openxmlformats.org/drawingml/2006/main" xmlns:r="http://schemas.openxmlformats.org/officeDocument/2006/relationships" xmlns:p="http://schemas.openxmlformats.org/presentationml/2006/main" preserve="1" userDrawn="1">
   <p:cSld name="Blank">
     <p:spTree>
       <p:nvGrpSpPr>
@@ -1974,68 +1974,37 @@
       </p:grpSpPr>
       <p:sp>
         <p:nvSpPr>
-          <p:cNvPr id="2" name="Date Placeholder 1"/>
+          <p:cNvPr id="6" name="عنصر نائب للصورة 5">
+            <a:extLst>
+              <a:ext uri="{FF2B5EF4-FFF2-40B4-BE49-F238E27FC236}">
+                <a16:creationId xmlns:a16="http://schemas.microsoft.com/office/drawing/2014/main" id="{B8CFC463-1D73-3631-E71B-A5396B8145B6}"/>
+              </a:ext>
+            </a:extLst>
+          </p:cNvPr>
           <p:cNvSpPr>
             <a:spLocks noGrp="1"/>
           </p:cNvSpPr>
           <p:nvPr>
-            <p:ph type="dt" sz="half" idx="10"/>
+            <p:ph type="pic" sz="quarter" idx="13" hasCustomPrompt="1"/>
           </p:nvPr>
         </p:nvSpPr>
-        <p:spPr/>
+        <p:spPr>
+          <a:xfrm>
+            <a:off x="2270125" y="4051300"/>
+            <a:ext cx="3016250" cy="1524000"/>
+          </a:xfrm>
+        </p:spPr>
         <p:txBody>
           <a:bodyPr/>
           <a:lstStyle/>
           <a:p>
-            <a:fld id="{1D8BD707-D9CF-40AE-B4C6-C98DA3205C09}" type="datetimeFigureOut">
-              <a:rPr lang="en-US" smtClean="0"/>
-              <a:pPr/>
-              <a:t>11/26/2025</a:t>
-            </a:fld>
-            <a:endParaRPr lang="en-US"/>
+            <a:r>
+              <a:rPr lang="en-US" dirty="0"/>
+              <a:t>{%qr1}</a:t>
+            </a:r>
           </a:p>
-        </p:txBody>
-      </p:sp>
-      <p:sp>
-        <p:nvSpPr>
-          <p:cNvPr id="3" name="Footer Placeholder 2"/>
-          <p:cNvSpPr>
-            <a:spLocks noGrp="1"/>
-          </p:cNvSpPr>
-          <p:nvPr>
-            <p:ph type="ftr" sz="quarter" idx="11"/>
-          </p:nvPr>
-        </p:nvSpPr>
-        <p:spPr/>
-        <p:txBody>
-          <a:bodyPr/>
-          <a:lstStyle/>
           <a:p>
-            <a:endParaRPr lang="en-US"/>
-          </a:p>
-        </p:txBody>
-      </p:sp>
-      <p:sp>
-        <p:nvSpPr>
-          <p:cNvPr id="4" name="Slide Number Placeholder 3"/>
-          <p:cNvSpPr>
-            <a:spLocks noGrp="1"/>
-          </p:cNvSpPr>
-          <p:nvPr>
-            <p:ph type="sldNum" sz="quarter" idx="12"/>
-          </p:nvPr>
-        </p:nvSpPr>
-        <p:spPr/>
-        <p:txBody>
-          <a:bodyPr/>
-          <a:lstStyle/>
-          <a:p>
-            <a:fld id="{B6F15528-21DE-4FAA-801E-634DDDAF4B2B}" type="slidenum">
-              <a:rPr lang="en-US" smtClean="0"/>
-              <a:pPr/>
-              <a:t>‹#›</a:t>
-            </a:fld>
-            <a:endParaRPr lang="en-US"/>
+            <a:endParaRPr lang="ar-SA" dirty="0"/>
           </a:p>
         </p:txBody>
       </p:sp>
@@ -11416,10 +11385,10 @@
       </p:pic>
       <p:sp>
         <p:nvSpPr>
-          <p:cNvPr id="13" name="عنصر نائب للمحتوى 12">
+          <p:cNvPr id="12" name="عنصر نائب للصورة 11">
             <a:extLst>
               <a:ext uri="{FF2B5EF4-FFF2-40B4-BE49-F238E27FC236}">
-                <a16:creationId xmlns:a16="http://schemas.microsoft.com/office/drawing/2014/main" id="{D293F24E-2D4E-0039-A407-885707E0D618}"/>
+                <a16:creationId xmlns:a16="http://schemas.microsoft.com/office/drawing/2014/main" id="{B779C6B0-8307-9ECC-9669-5DFFD8295A3C}"/>
               </a:ext>
             </a:extLst>
           </p:cNvPr>
@@ -11427,28 +11396,15 @@
             <a:spLocks noGrp="1"/>
           </p:cNvSpPr>
           <p:nvPr>
-            <p:ph sz="half" idx="2"/>
+            <p:ph type="pic" sz="quarter" idx="13"/>
           </p:nvPr>
         </p:nvSpPr>
         <p:spPr>
           <a:xfrm>
-            <a:off x="2863850" y="5940974"/>
-            <a:ext cx="1828800" cy="1767926"/>
+            <a:off x="3058247" y="6091532"/>
+            <a:ext cx="1440000" cy="1440000"/>
           </a:xfrm>
         </p:spPr>
-        <p:txBody>
-          <a:bodyPr/>
-          <a:lstStyle/>
-          <a:p>
-            <a:pPr marL="0" indent="0" algn="ctr">
-              <a:buNone/>
-            </a:pPr>
-            <a:r>
-              <a:rPr lang="en-US" sz="2400" dirty="0"/>
-              <a:t>{%qr1}</a:t>
-            </a:r>
-          </a:p>
-        </p:txBody>
       </p:sp>
     </p:spTree>
     <p:extLst>
@@ -13504,180 +13460,6 @@
           </a:prstGeom>
         </p:spPr>
       </p:pic>
-      <p:sp>
-        <p:nvSpPr>
-          <p:cNvPr id="12" name="عنصر نائب للمحتوى 12">
-            <a:extLst>
-              <a:ext uri="{FF2B5EF4-FFF2-40B4-BE49-F238E27FC236}">
-                <a16:creationId xmlns:a16="http://schemas.microsoft.com/office/drawing/2014/main" id="{A08B2657-9A0C-0B54-2BE5-1799E71034A1}"/>
-              </a:ext>
-            </a:extLst>
-          </p:cNvPr>
-          <p:cNvSpPr txBox="1">
-            <a:spLocks/>
-          </p:cNvSpPr>
-          <p:nvPr/>
-        </p:nvSpPr>
-        <p:spPr>
-          <a:xfrm>
-            <a:off x="2838884" y="6755629"/>
-            <a:ext cx="1828800" cy="1767926"/>
-          </a:xfrm>
-          <a:prstGeom prst="rect">
-            <a:avLst/>
-          </a:prstGeom>
-        </p:spPr>
-        <p:txBody>
-          <a:bodyPr/>
-          <a:lstStyle>
-            <a:lvl1pPr marL="342900" indent="-342900" algn="l" defTabSz="914400" rtl="0" eaLnBrk="1" latinLnBrk="0" hangingPunct="1">
-              <a:spcBef>
-                <a:spcPct val="20000"/>
-              </a:spcBef>
-              <a:buFont typeface="Arial" pitchFamily="34" charset="0"/>
-              <a:buChar char="•"/>
-              <a:defRPr sz="3200" kern="1200">
-                <a:solidFill>
-                  <a:schemeClr val="tx1"/>
-                </a:solidFill>
-                <a:latin typeface="+mn-lt"/>
-                <a:ea typeface="+mn-ea"/>
-                <a:cs typeface="+mn-cs"/>
-              </a:defRPr>
-            </a:lvl1pPr>
-            <a:lvl2pPr marL="742950" indent="-285750" algn="l" defTabSz="914400" rtl="0" eaLnBrk="1" latinLnBrk="0" hangingPunct="1">
-              <a:spcBef>
-                <a:spcPct val="20000"/>
-              </a:spcBef>
-              <a:buFont typeface="Arial" pitchFamily="34" charset="0"/>
-              <a:buChar char="–"/>
-              <a:defRPr sz="2800" kern="1200">
-                <a:solidFill>
-                  <a:schemeClr val="tx1"/>
-                </a:solidFill>
-                <a:latin typeface="+mn-lt"/>
-                <a:ea typeface="+mn-ea"/>
-                <a:cs typeface="+mn-cs"/>
-              </a:defRPr>
-            </a:lvl2pPr>
-            <a:lvl3pPr marL="1143000" indent="-228600" algn="l" defTabSz="914400" rtl="0" eaLnBrk="1" latinLnBrk="0" hangingPunct="1">
-              <a:spcBef>
-                <a:spcPct val="20000"/>
-              </a:spcBef>
-              <a:buFont typeface="Arial" pitchFamily="34" charset="0"/>
-              <a:buChar char="•"/>
-              <a:defRPr sz="2400" kern="1200">
-                <a:solidFill>
-                  <a:schemeClr val="tx1"/>
-                </a:solidFill>
-                <a:latin typeface="+mn-lt"/>
-                <a:ea typeface="+mn-ea"/>
-                <a:cs typeface="+mn-cs"/>
-              </a:defRPr>
-            </a:lvl3pPr>
-            <a:lvl4pPr marL="1600200" indent="-228600" algn="l" defTabSz="914400" rtl="0" eaLnBrk="1" latinLnBrk="0" hangingPunct="1">
-              <a:spcBef>
-                <a:spcPct val="20000"/>
-              </a:spcBef>
-              <a:buFont typeface="Arial" pitchFamily="34" charset="0"/>
-              <a:buChar char="–"/>
-              <a:defRPr sz="2000" kern="1200">
-                <a:solidFill>
-                  <a:schemeClr val="tx1"/>
-                </a:solidFill>
-                <a:latin typeface="+mn-lt"/>
-                <a:ea typeface="+mn-ea"/>
-                <a:cs typeface="+mn-cs"/>
-              </a:defRPr>
-            </a:lvl4pPr>
-            <a:lvl5pPr marL="2057400" indent="-228600" algn="l" defTabSz="914400" rtl="0" eaLnBrk="1" latinLnBrk="0" hangingPunct="1">
-              <a:spcBef>
-                <a:spcPct val="20000"/>
-              </a:spcBef>
-              <a:buFont typeface="Arial" pitchFamily="34" charset="0"/>
-              <a:buChar char="»"/>
-              <a:defRPr sz="2000" kern="1200">
-                <a:solidFill>
-                  <a:schemeClr val="tx1"/>
-                </a:solidFill>
-                <a:latin typeface="+mn-lt"/>
-                <a:ea typeface="+mn-ea"/>
-                <a:cs typeface="+mn-cs"/>
-              </a:defRPr>
-            </a:lvl5pPr>
-            <a:lvl6pPr marL="2514600" indent="-228600" algn="l" defTabSz="914400" rtl="0" eaLnBrk="1" latinLnBrk="0" hangingPunct="1">
-              <a:spcBef>
-                <a:spcPct val="20000"/>
-              </a:spcBef>
-              <a:buFont typeface="Arial" pitchFamily="34" charset="0"/>
-              <a:buChar char="•"/>
-              <a:defRPr sz="2000" kern="1200">
-                <a:solidFill>
-                  <a:schemeClr val="tx1"/>
-                </a:solidFill>
-                <a:latin typeface="+mn-lt"/>
-                <a:ea typeface="+mn-ea"/>
-                <a:cs typeface="+mn-cs"/>
-              </a:defRPr>
-            </a:lvl6pPr>
-            <a:lvl7pPr marL="2971800" indent="-228600" algn="l" defTabSz="914400" rtl="0" eaLnBrk="1" latinLnBrk="0" hangingPunct="1">
-              <a:spcBef>
-                <a:spcPct val="20000"/>
-              </a:spcBef>
-              <a:buFont typeface="Arial" pitchFamily="34" charset="0"/>
-              <a:buChar char="•"/>
-              <a:defRPr sz="2000" kern="1200">
-                <a:solidFill>
-                  <a:schemeClr val="tx1"/>
-                </a:solidFill>
-                <a:latin typeface="+mn-lt"/>
-                <a:ea typeface="+mn-ea"/>
-                <a:cs typeface="+mn-cs"/>
-              </a:defRPr>
-            </a:lvl7pPr>
-            <a:lvl8pPr marL="3429000" indent="-228600" algn="l" defTabSz="914400" rtl="0" eaLnBrk="1" latinLnBrk="0" hangingPunct="1">
-              <a:spcBef>
-                <a:spcPct val="20000"/>
-              </a:spcBef>
-              <a:buFont typeface="Arial" pitchFamily="34" charset="0"/>
-              <a:buChar char="•"/>
-              <a:defRPr sz="2000" kern="1200">
-                <a:solidFill>
-                  <a:schemeClr val="tx1"/>
-                </a:solidFill>
-                <a:latin typeface="+mn-lt"/>
-                <a:ea typeface="+mn-ea"/>
-                <a:cs typeface="+mn-cs"/>
-              </a:defRPr>
-            </a:lvl8pPr>
-            <a:lvl9pPr marL="3886200" indent="-228600" algn="l" defTabSz="914400" rtl="0" eaLnBrk="1" latinLnBrk="0" hangingPunct="1">
-              <a:spcBef>
-                <a:spcPct val="20000"/>
-              </a:spcBef>
-              <a:buFont typeface="Arial" pitchFamily="34" charset="0"/>
-              <a:buChar char="•"/>
-              <a:defRPr sz="2000" kern="1200">
-                <a:solidFill>
-                  <a:schemeClr val="tx1"/>
-                </a:solidFill>
-                <a:latin typeface="+mn-lt"/>
-                <a:ea typeface="+mn-ea"/>
-                <a:cs typeface="+mn-cs"/>
-              </a:defRPr>
-            </a:lvl9pPr>
-          </a:lstStyle>
-          <a:p>
-            <a:pPr marL="0" indent="0" algn="ctr">
-              <a:buFont typeface="Arial" pitchFamily="34" charset="0"/>
-              <a:buNone/>
-            </a:pPr>
-            <a:r>
-              <a:rPr lang="en-US" sz="2400" dirty="0"/>
-              <a:t>{%qr2}</a:t>
-            </a:r>
-          </a:p>
-        </p:txBody>
-      </p:sp>
     </p:spTree>
     <p:extLst>
       <p:ext uri="{BB962C8B-B14F-4D97-AF65-F5344CB8AC3E}">

--- a/templates/template.pptx
+++ b/templates/template.pptx
@@ -1974,10 +1974,10 @@
       </p:grpSpPr>
       <p:sp>
         <p:nvSpPr>
-          <p:cNvPr id="6" name="عنصر نائب للصورة 5">
+          <p:cNvPr id="3" name="عنصر نائب للصورة 2">
             <a:extLst>
               <a:ext uri="{FF2B5EF4-FFF2-40B4-BE49-F238E27FC236}">
-                <a16:creationId xmlns:a16="http://schemas.microsoft.com/office/drawing/2014/main" id="{B8CFC463-1D73-3631-E71B-A5396B8145B6}"/>
+                <a16:creationId xmlns:a16="http://schemas.microsoft.com/office/drawing/2014/main" id="{185A8703-1C56-7ED6-B1A6-7A430A5AC61C}"/>
               </a:ext>
             </a:extLst>
           </p:cNvPr>
@@ -1985,18 +1985,23 @@
             <a:spLocks noGrp="1"/>
           </p:cNvSpPr>
           <p:nvPr>
-            <p:ph type="pic" sz="quarter" idx="13" hasCustomPrompt="1"/>
+            <p:ph type="pic" sz="quarter" idx="10" hasCustomPrompt="1"/>
           </p:nvPr>
         </p:nvSpPr>
         <p:spPr>
           <a:xfrm>
-            <a:off x="2270125" y="4051300"/>
-            <a:ext cx="3016250" cy="1524000"/>
+            <a:off x="3058250" y="5118100"/>
+            <a:ext cx="1440000" cy="1440000"/>
           </a:xfrm>
         </p:spPr>
         <p:txBody>
           <a:bodyPr/>
-          <a:lstStyle/>
+          <a:lstStyle>
+            <a:lvl1pPr marL="0" indent="0">
+              <a:buNone/>
+              <a:defRPr/>
+            </a:lvl1pPr>
+          </a:lstStyle>
           <a:p>
             <a:r>
               <a:rPr lang="en-US" dirty="0"/>
@@ -2004,7 +2009,7 @@
             </a:r>
           </a:p>
           <a:p>
-            <a:endParaRPr lang="ar-SA" dirty="0"/>
+            <a:endParaRPr lang="en-US" dirty="0"/>
           </a:p>
         </p:txBody>
       </p:sp>
@@ -3409,15 +3414,7 @@
           <a:p>
             <a:r>
               <a:rPr lang="en-US" sz="3200" dirty="0"/>
-              <a:t>{{</a:t>
-            </a:r>
-            <a:r>
-              <a:rPr lang="en-US" sz="3200" dirty="0" err="1"/>
-              <a:t>teacher_name</a:t>
-            </a:r>
-            <a:r>
-              <a:rPr lang="en-US" sz="3200" dirty="0"/>
-              <a:t>}}</a:t>
+              <a:t>خالد</a:t>
             </a:r>
           </a:p>
         </p:txBody>
@@ -9218,10 +9215,7 @@
           <a:lstStyle/>
           <a:p>
             <a:pPr algn="ctr"/>
-            <a:r>
-              <a:rPr sz="1600" dirty="0"/>
-              <a:t>{{id}}</a:t>
-            </a:r>
+            <a:endParaRPr/>
           </a:p>
         </p:txBody>
       </p:sp>
@@ -9256,15 +9250,7 @@
             <a:pPr algn="ctr"/>
             <a:r>
               <a:rPr lang="en-US" sz="1600" dirty="0"/>
-              <a:t>{{</a:t>
-            </a:r>
-            <a:r>
-              <a:rPr lang="en-US" sz="1600" dirty="0" err="1"/>
-              <a:t>teacher_name</a:t>
-            </a:r>
-            <a:r>
-              <a:rPr lang="en-US" sz="1600" dirty="0"/>
-              <a:t>}}</a:t>
+              <a:t>خالد</a:t>
             </a:r>
           </a:p>
         </p:txBody>
@@ -9298,10 +9284,7 @@
           <a:lstStyle/>
           <a:p>
             <a:pPr algn="ctr"/>
-            <a:r>
-              <a:rPr lang="en-US" sz="1600" dirty="0"/>
-              <a:t>{{email}}</a:t>
-            </a:r>
+            <a:endParaRPr/>
           </a:p>
         </p:txBody>
       </p:sp>
@@ -9334,10 +9317,7 @@
           <a:lstStyle/>
           <a:p>
             <a:pPr algn="ctr"/>
-            <a:r>
-              <a:rPr sz="1600" dirty="0"/>
-              <a:t>{{birth}}</a:t>
-            </a:r>
+            <a:endParaRPr/>
           </a:p>
         </p:txBody>
       </p:sp>
@@ -9370,10 +9350,7 @@
           <a:lstStyle/>
           <a:p>
             <a:pPr algn="ctr"/>
-            <a:r>
-              <a:rPr lang="en-US" sz="1600" dirty="0"/>
-              <a:t>{{phone}}</a:t>
-            </a:r>
+            <a:endParaRPr/>
           </a:p>
         </p:txBody>
       </p:sp>
@@ -9406,18 +9383,7 @@
           <a:lstStyle/>
           <a:p>
             <a:pPr algn="ctr"/>
-            <a:r>
-              <a:rPr lang="en-US" sz="1600" dirty="0"/>
-              <a:t>{{</a:t>
-            </a:r>
-            <a:r>
-              <a:rPr lang="en-US" sz="1600" dirty="0" err="1"/>
-              <a:t>adress</a:t>
-            </a:r>
-            <a:r>
-              <a:rPr lang="en-US" sz="1600" dirty="0"/>
-              <a:t>}}</a:t>
-            </a:r>
+            <a:endParaRPr/>
           </a:p>
         </p:txBody>
       </p:sp>
@@ -9450,10 +9416,7 @@
           <a:lstStyle/>
           <a:p>
             <a:pPr algn="ctr"/>
-            <a:r>
-              <a:rPr sz="1600" dirty="0"/>
-              <a:t>{{date}}</a:t>
-            </a:r>
+            <a:endParaRPr/>
           </a:p>
         </p:txBody>
       </p:sp>
@@ -9486,18 +9449,7 @@
           <a:lstStyle/>
           <a:p>
             <a:pPr algn="ctr"/>
-            <a:r>
-              <a:rPr sz="1600" dirty="0"/>
-              <a:t>{{</a:t>
-            </a:r>
-            <a:r>
-              <a:rPr sz="1600" dirty="0" err="1"/>
-              <a:t>dgree</a:t>
-            </a:r>
-            <a:r>
-              <a:rPr sz="1600" dirty="0"/>
-              <a:t>}}</a:t>
-            </a:r>
+            <a:endParaRPr/>
           </a:p>
         </p:txBody>
       </p:sp>
@@ -9530,10 +9482,7 @@
           <a:lstStyle/>
           <a:p>
             <a:pPr algn="ctr"/>
-            <a:r>
-              <a:rPr sz="1600" dirty="0"/>
-              <a:t>{{branch}}</a:t>
-            </a:r>
+            <a:endParaRPr/>
           </a:p>
         </p:txBody>
       </p:sp>
@@ -9566,10 +9515,7 @@
           <a:lstStyle/>
           <a:p>
             <a:pPr algn="ctr"/>
-            <a:r>
-              <a:rPr sz="1600" dirty="0"/>
-              <a:t>{{local}}</a:t>
-            </a:r>
+            <a:endParaRPr/>
           </a:p>
         </p:txBody>
       </p:sp>
@@ -9602,18 +9548,7 @@
           <a:lstStyle/>
           <a:p>
             <a:pPr algn="ctr"/>
-            <a:r>
-              <a:rPr sz="1600" dirty="0"/>
-              <a:t>{{</a:t>
-            </a:r>
-            <a:r>
-              <a:rPr sz="1600" dirty="0" err="1"/>
-              <a:t>moahel</a:t>
-            </a:r>
-            <a:r>
-              <a:rPr sz="1600" dirty="0"/>
-              <a:t>}}</a:t>
-            </a:r>
+            <a:endParaRPr/>
           </a:p>
         </p:txBody>
       </p:sp>
@@ -9646,18 +9581,7 @@
           <a:lstStyle/>
           <a:p>
             <a:pPr algn="ctr"/>
-            <a:r>
-              <a:rPr sz="1600" dirty="0"/>
-              <a:t>{{</a:t>
-            </a:r>
-            <a:r>
-              <a:rPr sz="1600" dirty="0" err="1"/>
-              <a:t>tahsel</a:t>
-            </a:r>
-            <a:r>
-              <a:rPr sz="1600" dirty="0"/>
-              <a:t>}}</a:t>
-            </a:r>
+            <a:endParaRPr/>
           </a:p>
         </p:txBody>
       </p:sp>
@@ -9690,10 +9614,7 @@
           <a:lstStyle/>
           <a:p>
             <a:pPr algn="ctr"/>
-            <a:r>
-              <a:rPr sz="1600" dirty="0"/>
-              <a:t>{{one}}</a:t>
-            </a:r>
+            <a:endParaRPr/>
           </a:p>
         </p:txBody>
       </p:sp>
@@ -9726,10 +9647,7 @@
           <a:lstStyle/>
           <a:p>
             <a:pPr algn="ctr"/>
-            <a:r>
-              <a:rPr sz="1600" dirty="0"/>
-              <a:t>{{start}}</a:t>
-            </a:r>
+            <a:endParaRPr/>
           </a:p>
         </p:txBody>
       </p:sp>
@@ -9762,10 +9680,7 @@
           <a:lstStyle/>
           <a:p>
             <a:pPr algn="ctr"/>
-            <a:r>
-              <a:rPr sz="1600" dirty="0"/>
-              <a:t>{{step}}</a:t>
-            </a:r>
+            <a:endParaRPr/>
           </a:p>
         </p:txBody>
       </p:sp>
@@ -9798,10 +9713,7 @@
           <a:lstStyle/>
           <a:p>
             <a:pPr algn="ctr"/>
-            <a:r>
-              <a:rPr sz="1600" dirty="0"/>
-              <a:t>{{teacher}}</a:t>
-            </a:r>
+            <a:endParaRPr/>
           </a:p>
         </p:txBody>
       </p:sp>
@@ -11383,29 +11295,6 @@
           </a:prstGeom>
         </p:spPr>
       </p:pic>
-      <p:sp>
-        <p:nvSpPr>
-          <p:cNvPr id="12" name="عنصر نائب للصورة 11">
-            <a:extLst>
-              <a:ext uri="{FF2B5EF4-FFF2-40B4-BE49-F238E27FC236}">
-                <a16:creationId xmlns:a16="http://schemas.microsoft.com/office/drawing/2014/main" id="{B779C6B0-8307-9ECC-9669-5DFFD8295A3C}"/>
-              </a:ext>
-            </a:extLst>
-          </p:cNvPr>
-          <p:cNvSpPr>
-            <a:spLocks noGrp="1"/>
-          </p:cNvSpPr>
-          <p:nvPr>
-            <p:ph type="pic" sz="quarter" idx="13"/>
-          </p:nvPr>
-        </p:nvSpPr>
-        <p:spPr>
-          <a:xfrm>
-            <a:off x="3058247" y="6091532"/>
-            <a:ext cx="1440000" cy="1440000"/>
-          </a:xfrm>
-        </p:spPr>
-      </p:sp>
     </p:spTree>
     <p:extLst>
       <p:ext uri="{BB962C8B-B14F-4D97-AF65-F5344CB8AC3E}">
@@ -30431,15 +30320,7 @@
           <a:p>
             <a:r>
               <a:rPr lang="en-US" dirty="0"/>
-              <a:t>{{</a:t>
-            </a:r>
-            <a:r>
-              <a:rPr lang="en-US" dirty="0" err="1"/>
-              <a:t>teacher_name</a:t>
-            </a:r>
-            <a:r>
-              <a:rPr lang="en-US" dirty="0"/>
-              <a:t>}}</a:t>
+              <a:t>خالد</a:t>
             </a:r>
           </a:p>
         </p:txBody>

--- a/templates/template.pptx
+++ b/templates/template.pptx
@@ -1956,7 +1956,7 @@
 </file>
 
 <file path=ppt/slideLayouts/slideLayout7.xml><?xml version="1.0" encoding="utf-8"?>
-<p:sldLayout xmlns:a="http://schemas.openxmlformats.org/drawingml/2006/main" xmlns:r="http://schemas.openxmlformats.org/officeDocument/2006/relationships" xmlns:p="http://schemas.openxmlformats.org/presentationml/2006/main" preserve="1" userDrawn="1">
+<p:sldLayout xmlns:a="http://schemas.openxmlformats.org/drawingml/2006/main" xmlns:r="http://schemas.openxmlformats.org/officeDocument/2006/relationships" xmlns:p="http://schemas.openxmlformats.org/presentationml/2006/main" type="blank" preserve="1">
   <p:cSld name="Blank">
     <p:spTree>
       <p:nvGrpSpPr>
@@ -1974,42 +1974,68 @@
       </p:grpSpPr>
       <p:sp>
         <p:nvSpPr>
-          <p:cNvPr id="3" name="عنصر نائب للصورة 2">
-            <a:extLst>
-              <a:ext uri="{FF2B5EF4-FFF2-40B4-BE49-F238E27FC236}">
-                <a16:creationId xmlns:a16="http://schemas.microsoft.com/office/drawing/2014/main" id="{185A8703-1C56-7ED6-B1A6-7A430A5AC61C}"/>
-              </a:ext>
-            </a:extLst>
-          </p:cNvPr>
+          <p:cNvPr id="2" name="Date Placeholder 1"/>
           <p:cNvSpPr>
             <a:spLocks noGrp="1"/>
           </p:cNvSpPr>
           <p:nvPr>
-            <p:ph type="pic" sz="quarter" idx="10" hasCustomPrompt="1"/>
+            <p:ph type="dt" sz="half" idx="10"/>
           </p:nvPr>
         </p:nvSpPr>
-        <p:spPr>
-          <a:xfrm>
-            <a:off x="3058250" y="5118100"/>
-            <a:ext cx="1440000" cy="1440000"/>
-          </a:xfrm>
-        </p:spPr>
+        <p:spPr/>
         <p:txBody>
           <a:bodyPr/>
-          <a:lstStyle>
-            <a:lvl1pPr marL="0" indent="0">
-              <a:buNone/>
-              <a:defRPr/>
-            </a:lvl1pPr>
-          </a:lstStyle>
+          <a:lstStyle/>
           <a:p>
-            <a:r>
-              <a:rPr lang="en-US" dirty="0"/>
-              <a:t>{%qr1}</a:t>
-            </a:r>
+            <a:fld id="{1D8BD707-D9CF-40AE-B4C6-C98DA3205C09}" type="datetimeFigureOut">
+              <a:rPr lang="en-US" smtClean="0"/>
+              <a:pPr/>
+              <a:t>11/26/2025</a:t>
+            </a:fld>
+            <a:endParaRPr lang="en-US"/>
           </a:p>
+        </p:txBody>
+      </p:sp>
+      <p:sp>
+        <p:nvSpPr>
+          <p:cNvPr id="3" name="Footer Placeholder 2"/>
+          <p:cNvSpPr>
+            <a:spLocks noGrp="1"/>
+          </p:cNvSpPr>
+          <p:nvPr>
+            <p:ph type="ftr" sz="quarter" idx="11"/>
+          </p:nvPr>
+        </p:nvSpPr>
+        <p:spPr/>
+        <p:txBody>
+          <a:bodyPr/>
+          <a:lstStyle/>
           <a:p>
-            <a:endParaRPr lang="en-US" dirty="0"/>
+            <a:endParaRPr lang="en-US"/>
+          </a:p>
+        </p:txBody>
+      </p:sp>
+      <p:sp>
+        <p:nvSpPr>
+          <p:cNvPr id="4" name="Slide Number Placeholder 3"/>
+          <p:cNvSpPr>
+            <a:spLocks noGrp="1"/>
+          </p:cNvSpPr>
+          <p:nvPr>
+            <p:ph type="sldNum" sz="quarter" idx="12"/>
+          </p:nvPr>
+        </p:nvSpPr>
+        <p:spPr/>
+        <p:txBody>
+          <a:bodyPr/>
+          <a:lstStyle/>
+          <a:p>
+            <a:fld id="{B6F15528-21DE-4FAA-801E-634DDDAF4B2B}" type="slidenum">
+              <a:rPr lang="en-US" smtClean="0"/>
+              <a:pPr/>
+              <a:t>‹#›</a:t>
+            </a:fld>
+            <a:endParaRPr lang="en-US"/>
           </a:p>
         </p:txBody>
       </p:sp>
@@ -3414,7 +3440,15 @@
           <a:p>
             <a:r>
               <a:rPr lang="en-US" sz="3200" dirty="0"/>
-              <a:t>خالد</a:t>
+              <a:t>{{</a:t>
+            </a:r>
+            <a:r>
+              <a:rPr lang="en-US" sz="3200" dirty="0" err="1"/>
+              <a:t>teacher_name</a:t>
+            </a:r>
+            <a:r>
+              <a:rPr lang="en-US" sz="3200" dirty="0"/>
+              <a:t>}}</a:t>
             </a:r>
           </a:p>
         </p:txBody>
@@ -9215,7 +9249,10 @@
           <a:lstStyle/>
           <a:p>
             <a:pPr algn="ctr"/>
-            <a:endParaRPr/>
+            <a:r>
+              <a:rPr sz="1600" dirty="0"/>
+              <a:t>{{id}}</a:t>
+            </a:r>
           </a:p>
         </p:txBody>
       </p:sp>
@@ -9250,7 +9287,15 @@
             <a:pPr algn="ctr"/>
             <a:r>
               <a:rPr lang="en-US" sz="1600" dirty="0"/>
-              <a:t>خالد</a:t>
+              <a:t>{{</a:t>
+            </a:r>
+            <a:r>
+              <a:rPr lang="en-US" sz="1600" dirty="0" err="1"/>
+              <a:t>teacher_name</a:t>
+            </a:r>
+            <a:r>
+              <a:rPr lang="en-US" sz="1600" dirty="0"/>
+              <a:t>}}</a:t>
             </a:r>
           </a:p>
         </p:txBody>
@@ -9284,7 +9329,10 @@
           <a:lstStyle/>
           <a:p>
             <a:pPr algn="ctr"/>
-            <a:endParaRPr/>
+            <a:r>
+              <a:rPr lang="en-US" sz="1600" dirty="0"/>
+              <a:t>{{email}}</a:t>
+            </a:r>
           </a:p>
         </p:txBody>
       </p:sp>
@@ -9317,7 +9365,10 @@
           <a:lstStyle/>
           <a:p>
             <a:pPr algn="ctr"/>
-            <a:endParaRPr/>
+            <a:r>
+              <a:rPr sz="1600" dirty="0"/>
+              <a:t>{{birth}}</a:t>
+            </a:r>
           </a:p>
         </p:txBody>
       </p:sp>
@@ -9350,7 +9401,10 @@
           <a:lstStyle/>
           <a:p>
             <a:pPr algn="ctr"/>
-            <a:endParaRPr/>
+            <a:r>
+              <a:rPr lang="en-US" sz="1600" dirty="0"/>
+              <a:t>{{phone}}</a:t>
+            </a:r>
           </a:p>
         </p:txBody>
       </p:sp>
@@ -9383,7 +9437,18 @@
           <a:lstStyle/>
           <a:p>
             <a:pPr algn="ctr"/>
-            <a:endParaRPr/>
+            <a:r>
+              <a:rPr lang="en-US" sz="1600" dirty="0"/>
+              <a:t>{{</a:t>
+            </a:r>
+            <a:r>
+              <a:rPr lang="en-US" sz="1600" dirty="0" err="1"/>
+              <a:t>adress</a:t>
+            </a:r>
+            <a:r>
+              <a:rPr lang="en-US" sz="1600" dirty="0"/>
+              <a:t>}}</a:t>
+            </a:r>
           </a:p>
         </p:txBody>
       </p:sp>
@@ -9416,7 +9481,10 @@
           <a:lstStyle/>
           <a:p>
             <a:pPr algn="ctr"/>
-            <a:endParaRPr/>
+            <a:r>
+              <a:rPr sz="1600" dirty="0"/>
+              <a:t>{{date}}</a:t>
+            </a:r>
           </a:p>
         </p:txBody>
       </p:sp>
@@ -9449,7 +9517,18 @@
           <a:lstStyle/>
           <a:p>
             <a:pPr algn="ctr"/>
-            <a:endParaRPr/>
+            <a:r>
+              <a:rPr sz="1600" dirty="0"/>
+              <a:t>{{</a:t>
+            </a:r>
+            <a:r>
+              <a:rPr sz="1600" dirty="0" err="1"/>
+              <a:t>dgree</a:t>
+            </a:r>
+            <a:r>
+              <a:rPr sz="1600" dirty="0"/>
+              <a:t>}}</a:t>
+            </a:r>
           </a:p>
         </p:txBody>
       </p:sp>
@@ -9482,7 +9561,10 @@
           <a:lstStyle/>
           <a:p>
             <a:pPr algn="ctr"/>
-            <a:endParaRPr/>
+            <a:r>
+              <a:rPr sz="1600" dirty="0"/>
+              <a:t>{{branch}}</a:t>
+            </a:r>
           </a:p>
         </p:txBody>
       </p:sp>
@@ -9515,7 +9597,10 @@
           <a:lstStyle/>
           <a:p>
             <a:pPr algn="ctr"/>
-            <a:endParaRPr/>
+            <a:r>
+              <a:rPr sz="1600" dirty="0"/>
+              <a:t>{{local}}</a:t>
+            </a:r>
           </a:p>
         </p:txBody>
       </p:sp>
@@ -9548,7 +9633,18 @@
           <a:lstStyle/>
           <a:p>
             <a:pPr algn="ctr"/>
-            <a:endParaRPr/>
+            <a:r>
+              <a:rPr sz="1600" dirty="0"/>
+              <a:t>{{</a:t>
+            </a:r>
+            <a:r>
+              <a:rPr sz="1600" dirty="0" err="1"/>
+              <a:t>moahel</a:t>
+            </a:r>
+            <a:r>
+              <a:rPr sz="1600" dirty="0"/>
+              <a:t>}}</a:t>
+            </a:r>
           </a:p>
         </p:txBody>
       </p:sp>
@@ -9581,7 +9677,18 @@
           <a:lstStyle/>
           <a:p>
             <a:pPr algn="ctr"/>
-            <a:endParaRPr/>
+            <a:r>
+              <a:rPr sz="1600" dirty="0"/>
+              <a:t>{{</a:t>
+            </a:r>
+            <a:r>
+              <a:rPr sz="1600" dirty="0" err="1"/>
+              <a:t>tahsel</a:t>
+            </a:r>
+            <a:r>
+              <a:rPr sz="1600" dirty="0"/>
+              <a:t>}}</a:t>
+            </a:r>
           </a:p>
         </p:txBody>
       </p:sp>
@@ -9614,7 +9721,10 @@
           <a:lstStyle/>
           <a:p>
             <a:pPr algn="ctr"/>
-            <a:endParaRPr/>
+            <a:r>
+              <a:rPr sz="1600" dirty="0"/>
+              <a:t>{{one}}</a:t>
+            </a:r>
           </a:p>
         </p:txBody>
       </p:sp>
@@ -9647,7 +9757,10 @@
           <a:lstStyle/>
           <a:p>
             <a:pPr algn="ctr"/>
-            <a:endParaRPr/>
+            <a:r>
+              <a:rPr sz="1600" dirty="0"/>
+              <a:t>{{start}}</a:t>
+            </a:r>
           </a:p>
         </p:txBody>
       </p:sp>
@@ -9680,7 +9793,10 @@
           <a:lstStyle/>
           <a:p>
             <a:pPr algn="ctr"/>
-            <a:endParaRPr/>
+            <a:r>
+              <a:rPr sz="1600" dirty="0"/>
+              <a:t>{{step}}</a:t>
+            </a:r>
           </a:p>
         </p:txBody>
       </p:sp>
@@ -9713,7 +9829,10 @@
           <a:lstStyle/>
           <a:p>
             <a:pPr algn="ctr"/>
-            <a:endParaRPr/>
+            <a:r>
+              <a:rPr sz="1600" dirty="0"/>
+              <a:t>{{teacher}}</a:t>
+            </a:r>
           </a:p>
         </p:txBody>
       </p:sp>
@@ -11295,6 +11414,42 @@
           </a:prstGeom>
         </p:spPr>
       </p:pic>
+      <p:sp>
+        <p:nvSpPr>
+          <p:cNvPr id="13" name="عنصر نائب للمحتوى 12">
+            <a:extLst>
+              <a:ext uri="{FF2B5EF4-FFF2-40B4-BE49-F238E27FC236}">
+                <a16:creationId xmlns:a16="http://schemas.microsoft.com/office/drawing/2014/main" id="{D293F24E-2D4E-0039-A407-885707E0D618}"/>
+              </a:ext>
+            </a:extLst>
+          </p:cNvPr>
+          <p:cNvSpPr>
+            <a:spLocks noGrp="1"/>
+          </p:cNvSpPr>
+          <p:nvPr>
+            <p:ph sz="half" idx="2"/>
+          </p:nvPr>
+        </p:nvSpPr>
+        <p:spPr>
+          <a:xfrm>
+            <a:off x="2863850" y="5940974"/>
+            <a:ext cx="1828800" cy="1767926"/>
+          </a:xfrm>
+        </p:spPr>
+        <p:txBody>
+          <a:bodyPr/>
+          <a:lstStyle/>
+          <a:p>
+            <a:pPr marL="0" indent="0" algn="ctr">
+              <a:buNone/>
+            </a:pPr>
+            <a:r>
+              <a:rPr lang="en-US" sz="2400" dirty="0"/>
+              <a:t>{%qr1}</a:t>
+            </a:r>
+          </a:p>
+        </p:txBody>
+      </p:sp>
     </p:spTree>
     <p:extLst>
       <p:ext uri="{BB962C8B-B14F-4D97-AF65-F5344CB8AC3E}">
@@ -13349,6 +13504,180 @@
           </a:prstGeom>
         </p:spPr>
       </p:pic>
+      <p:sp>
+        <p:nvSpPr>
+          <p:cNvPr id="12" name="عنصر نائب للمحتوى 12">
+            <a:extLst>
+              <a:ext uri="{FF2B5EF4-FFF2-40B4-BE49-F238E27FC236}">
+                <a16:creationId xmlns:a16="http://schemas.microsoft.com/office/drawing/2014/main" id="{A08B2657-9A0C-0B54-2BE5-1799E71034A1}"/>
+              </a:ext>
+            </a:extLst>
+          </p:cNvPr>
+          <p:cNvSpPr txBox="1">
+            <a:spLocks/>
+          </p:cNvSpPr>
+          <p:nvPr/>
+        </p:nvSpPr>
+        <p:spPr>
+          <a:xfrm>
+            <a:off x="2838884" y="6755629"/>
+            <a:ext cx="1828800" cy="1767926"/>
+          </a:xfrm>
+          <a:prstGeom prst="rect">
+            <a:avLst/>
+          </a:prstGeom>
+        </p:spPr>
+        <p:txBody>
+          <a:bodyPr/>
+          <a:lstStyle>
+            <a:lvl1pPr marL="342900" indent="-342900" algn="l" defTabSz="914400" rtl="0" eaLnBrk="1" latinLnBrk="0" hangingPunct="1">
+              <a:spcBef>
+                <a:spcPct val="20000"/>
+              </a:spcBef>
+              <a:buFont typeface="Arial" pitchFamily="34" charset="0"/>
+              <a:buChar char="•"/>
+              <a:defRPr sz="3200" kern="1200">
+                <a:solidFill>
+                  <a:schemeClr val="tx1"/>
+                </a:solidFill>
+                <a:latin typeface="+mn-lt"/>
+                <a:ea typeface="+mn-ea"/>
+                <a:cs typeface="+mn-cs"/>
+              </a:defRPr>
+            </a:lvl1pPr>
+            <a:lvl2pPr marL="742950" indent="-285750" algn="l" defTabSz="914400" rtl="0" eaLnBrk="1" latinLnBrk="0" hangingPunct="1">
+              <a:spcBef>
+                <a:spcPct val="20000"/>
+              </a:spcBef>
+              <a:buFont typeface="Arial" pitchFamily="34" charset="0"/>
+              <a:buChar char="–"/>
+              <a:defRPr sz="2800" kern="1200">
+                <a:solidFill>
+                  <a:schemeClr val="tx1"/>
+                </a:solidFill>
+                <a:latin typeface="+mn-lt"/>
+                <a:ea typeface="+mn-ea"/>
+                <a:cs typeface="+mn-cs"/>
+              </a:defRPr>
+            </a:lvl2pPr>
+            <a:lvl3pPr marL="1143000" indent="-228600" algn="l" defTabSz="914400" rtl="0" eaLnBrk="1" latinLnBrk="0" hangingPunct="1">
+              <a:spcBef>
+                <a:spcPct val="20000"/>
+              </a:spcBef>
+              <a:buFont typeface="Arial" pitchFamily="34" charset="0"/>
+              <a:buChar char="•"/>
+              <a:defRPr sz="2400" kern="1200">
+                <a:solidFill>
+                  <a:schemeClr val="tx1"/>
+                </a:solidFill>
+                <a:latin typeface="+mn-lt"/>
+                <a:ea typeface="+mn-ea"/>
+                <a:cs typeface="+mn-cs"/>
+              </a:defRPr>
+            </a:lvl3pPr>
+            <a:lvl4pPr marL="1600200" indent="-228600" algn="l" defTabSz="914400" rtl="0" eaLnBrk="1" latinLnBrk="0" hangingPunct="1">
+              <a:spcBef>
+                <a:spcPct val="20000"/>
+              </a:spcBef>
+              <a:buFont typeface="Arial" pitchFamily="34" charset="0"/>
+              <a:buChar char="–"/>
+              <a:defRPr sz="2000" kern="1200">
+                <a:solidFill>
+                  <a:schemeClr val="tx1"/>
+                </a:solidFill>
+                <a:latin typeface="+mn-lt"/>
+                <a:ea typeface="+mn-ea"/>
+                <a:cs typeface="+mn-cs"/>
+              </a:defRPr>
+            </a:lvl4pPr>
+            <a:lvl5pPr marL="2057400" indent="-228600" algn="l" defTabSz="914400" rtl="0" eaLnBrk="1" latinLnBrk="0" hangingPunct="1">
+              <a:spcBef>
+                <a:spcPct val="20000"/>
+              </a:spcBef>
+              <a:buFont typeface="Arial" pitchFamily="34" charset="0"/>
+              <a:buChar char="»"/>
+              <a:defRPr sz="2000" kern="1200">
+                <a:solidFill>
+                  <a:schemeClr val="tx1"/>
+                </a:solidFill>
+                <a:latin typeface="+mn-lt"/>
+                <a:ea typeface="+mn-ea"/>
+                <a:cs typeface="+mn-cs"/>
+              </a:defRPr>
+            </a:lvl5pPr>
+            <a:lvl6pPr marL="2514600" indent="-228600" algn="l" defTabSz="914400" rtl="0" eaLnBrk="1" latinLnBrk="0" hangingPunct="1">
+              <a:spcBef>
+                <a:spcPct val="20000"/>
+              </a:spcBef>
+              <a:buFont typeface="Arial" pitchFamily="34" charset="0"/>
+              <a:buChar char="•"/>
+              <a:defRPr sz="2000" kern="1200">
+                <a:solidFill>
+                  <a:schemeClr val="tx1"/>
+                </a:solidFill>
+                <a:latin typeface="+mn-lt"/>
+                <a:ea typeface="+mn-ea"/>
+                <a:cs typeface="+mn-cs"/>
+              </a:defRPr>
+            </a:lvl6pPr>
+            <a:lvl7pPr marL="2971800" indent="-228600" algn="l" defTabSz="914400" rtl="0" eaLnBrk="1" latinLnBrk="0" hangingPunct="1">
+              <a:spcBef>
+                <a:spcPct val="20000"/>
+              </a:spcBef>
+              <a:buFont typeface="Arial" pitchFamily="34" charset="0"/>
+              <a:buChar char="•"/>
+              <a:defRPr sz="2000" kern="1200">
+                <a:solidFill>
+                  <a:schemeClr val="tx1"/>
+                </a:solidFill>
+                <a:latin typeface="+mn-lt"/>
+                <a:ea typeface="+mn-ea"/>
+                <a:cs typeface="+mn-cs"/>
+              </a:defRPr>
+            </a:lvl7pPr>
+            <a:lvl8pPr marL="3429000" indent="-228600" algn="l" defTabSz="914400" rtl="0" eaLnBrk="1" latinLnBrk="0" hangingPunct="1">
+              <a:spcBef>
+                <a:spcPct val="20000"/>
+              </a:spcBef>
+              <a:buFont typeface="Arial" pitchFamily="34" charset="0"/>
+              <a:buChar char="•"/>
+              <a:defRPr sz="2000" kern="1200">
+                <a:solidFill>
+                  <a:schemeClr val="tx1"/>
+                </a:solidFill>
+                <a:latin typeface="+mn-lt"/>
+                <a:ea typeface="+mn-ea"/>
+                <a:cs typeface="+mn-cs"/>
+              </a:defRPr>
+            </a:lvl8pPr>
+            <a:lvl9pPr marL="3886200" indent="-228600" algn="l" defTabSz="914400" rtl="0" eaLnBrk="1" latinLnBrk="0" hangingPunct="1">
+              <a:spcBef>
+                <a:spcPct val="20000"/>
+              </a:spcBef>
+              <a:buFont typeface="Arial" pitchFamily="34" charset="0"/>
+              <a:buChar char="•"/>
+              <a:defRPr sz="2000" kern="1200">
+                <a:solidFill>
+                  <a:schemeClr val="tx1"/>
+                </a:solidFill>
+                <a:latin typeface="+mn-lt"/>
+                <a:ea typeface="+mn-ea"/>
+                <a:cs typeface="+mn-cs"/>
+              </a:defRPr>
+            </a:lvl9pPr>
+          </a:lstStyle>
+          <a:p>
+            <a:pPr marL="0" indent="0" algn="ctr">
+              <a:buFont typeface="Arial" pitchFamily="34" charset="0"/>
+              <a:buNone/>
+            </a:pPr>
+            <a:r>
+              <a:rPr lang="en-US" sz="2400" dirty="0"/>
+              <a:t>{%qr2}</a:t>
+            </a:r>
+          </a:p>
+        </p:txBody>
+      </p:sp>
     </p:spTree>
     <p:extLst>
       <p:ext uri="{BB962C8B-B14F-4D97-AF65-F5344CB8AC3E}">
@@ -30320,7 +30649,15 @@
           <a:p>
             <a:r>
               <a:rPr lang="en-US" dirty="0"/>
-              <a:t>خالد</a:t>
+              <a:t>{{</a:t>
+            </a:r>
+            <a:r>
+              <a:rPr lang="en-US" dirty="0" err="1"/>
+              <a:t>teacher_name</a:t>
+            </a:r>
+            <a:r>
+              <a:rPr lang="en-US" dirty="0"/>
+              <a:t>}}</a:t>
             </a:r>
           </a:p>
         </p:txBody>

--- a/templates/template.pptx
+++ b/templates/template.pptx
@@ -1956,7 +1956,7 @@
 </file>
 
 <file path=ppt/slideLayouts/slideLayout7.xml><?xml version="1.0" encoding="utf-8"?>
-<p:sldLayout xmlns:a="http://schemas.openxmlformats.org/drawingml/2006/main" xmlns:r="http://schemas.openxmlformats.org/officeDocument/2006/relationships" xmlns:p="http://schemas.openxmlformats.org/presentationml/2006/main" type="blank" preserve="1">
+<p:sldLayout xmlns:a="http://schemas.openxmlformats.org/drawingml/2006/main" xmlns:r="http://schemas.openxmlformats.org/officeDocument/2006/relationships" xmlns:p="http://schemas.openxmlformats.org/presentationml/2006/main" preserve="1" userDrawn="1">
   <p:cSld name="Blank">
     <p:spTree>
       <p:nvGrpSpPr>
@@ -2036,6 +2036,47 @@
               <a:t>‹#›</a:t>
             </a:fld>
             <a:endParaRPr lang="en-US"/>
+          </a:p>
+        </p:txBody>
+      </p:sp>
+      <p:sp>
+        <p:nvSpPr>
+          <p:cNvPr id="6" name="عنصر نائب للصورة 5">
+            <a:extLst>
+              <a:ext uri="{FF2B5EF4-FFF2-40B4-BE49-F238E27FC236}">
+                <a16:creationId xmlns:a16="http://schemas.microsoft.com/office/drawing/2014/main" id="{F8113A00-E495-69B4-8123-AEB00800AF88}"/>
+              </a:ext>
+            </a:extLst>
+          </p:cNvPr>
+          <p:cNvSpPr>
+            <a:spLocks noGrp="1"/>
+          </p:cNvSpPr>
+          <p:nvPr>
+            <p:ph type="pic" sz="quarter" idx="13" hasCustomPrompt="1"/>
+          </p:nvPr>
+        </p:nvSpPr>
+        <p:spPr>
+          <a:xfrm>
+            <a:off x="3058250" y="7023100"/>
+            <a:ext cx="1440000" cy="1440000"/>
+          </a:xfrm>
+        </p:spPr>
+        <p:txBody>
+          <a:bodyPr/>
+          <a:lstStyle>
+            <a:lvl1pPr marL="0" indent="0">
+              <a:buNone/>
+              <a:defRPr/>
+            </a:lvl1pPr>
+          </a:lstStyle>
+          <a:p>
+            <a:r>
+              <a:rPr lang="en-US" dirty="0"/>
+              <a:t>{{qr2}}</a:t>
+            </a:r>
+          </a:p>
+          <a:p>
+            <a:endParaRPr lang="ar-SA" dirty="0"/>
           </a:p>
         </p:txBody>
       </p:sp>
@@ -11416,10 +11457,10 @@
       </p:pic>
       <p:sp>
         <p:nvSpPr>
-          <p:cNvPr id="13" name="عنصر نائب للمحتوى 12">
+          <p:cNvPr id="11" name="عنصر نائب للمحتوى 10">
             <a:extLst>
               <a:ext uri="{FF2B5EF4-FFF2-40B4-BE49-F238E27FC236}">
-                <a16:creationId xmlns:a16="http://schemas.microsoft.com/office/drawing/2014/main" id="{D293F24E-2D4E-0039-A407-885707E0D618}"/>
+                <a16:creationId xmlns:a16="http://schemas.microsoft.com/office/drawing/2014/main" id="{CBF28C20-23DF-5CAA-66C5-9CABEE1C75B3}"/>
               </a:ext>
             </a:extLst>
           </p:cNvPr>
@@ -11432,20 +11473,20 @@
         </p:nvSpPr>
         <p:spPr>
           <a:xfrm>
-            <a:off x="2863850" y="5940974"/>
-            <a:ext cx="1828800" cy="1767926"/>
+            <a:off x="3058247" y="6091532"/>
+            <a:ext cx="1440000" cy="1440000"/>
           </a:xfrm>
         </p:spPr>
         <p:txBody>
           <a:bodyPr/>
           <a:lstStyle/>
           <a:p>
-            <a:pPr marL="0" indent="0" algn="ctr">
+            <a:pPr marL="0" indent="0">
               <a:buNone/>
             </a:pPr>
             <a:r>
-              <a:rPr lang="en-US" sz="2400" dirty="0"/>
-              <a:t>{%qr1}</a:t>
+              <a:rPr lang="en-US" dirty="0"/>
+              <a:t>{{qr1}}</a:t>
             </a:r>
           </a:p>
         </p:txBody>
@@ -13504,180 +13545,6 @@
           </a:prstGeom>
         </p:spPr>
       </p:pic>
-      <p:sp>
-        <p:nvSpPr>
-          <p:cNvPr id="12" name="عنصر نائب للمحتوى 12">
-            <a:extLst>
-              <a:ext uri="{FF2B5EF4-FFF2-40B4-BE49-F238E27FC236}">
-                <a16:creationId xmlns:a16="http://schemas.microsoft.com/office/drawing/2014/main" id="{A08B2657-9A0C-0B54-2BE5-1799E71034A1}"/>
-              </a:ext>
-            </a:extLst>
-          </p:cNvPr>
-          <p:cNvSpPr txBox="1">
-            <a:spLocks/>
-          </p:cNvSpPr>
-          <p:nvPr/>
-        </p:nvSpPr>
-        <p:spPr>
-          <a:xfrm>
-            <a:off x="2838884" y="6755629"/>
-            <a:ext cx="1828800" cy="1767926"/>
-          </a:xfrm>
-          <a:prstGeom prst="rect">
-            <a:avLst/>
-          </a:prstGeom>
-        </p:spPr>
-        <p:txBody>
-          <a:bodyPr/>
-          <a:lstStyle>
-            <a:lvl1pPr marL="342900" indent="-342900" algn="l" defTabSz="914400" rtl="0" eaLnBrk="1" latinLnBrk="0" hangingPunct="1">
-              <a:spcBef>
-                <a:spcPct val="20000"/>
-              </a:spcBef>
-              <a:buFont typeface="Arial" pitchFamily="34" charset="0"/>
-              <a:buChar char="•"/>
-              <a:defRPr sz="3200" kern="1200">
-                <a:solidFill>
-                  <a:schemeClr val="tx1"/>
-                </a:solidFill>
-                <a:latin typeface="+mn-lt"/>
-                <a:ea typeface="+mn-ea"/>
-                <a:cs typeface="+mn-cs"/>
-              </a:defRPr>
-            </a:lvl1pPr>
-            <a:lvl2pPr marL="742950" indent="-285750" algn="l" defTabSz="914400" rtl="0" eaLnBrk="1" latinLnBrk="0" hangingPunct="1">
-              <a:spcBef>
-                <a:spcPct val="20000"/>
-              </a:spcBef>
-              <a:buFont typeface="Arial" pitchFamily="34" charset="0"/>
-              <a:buChar char="–"/>
-              <a:defRPr sz="2800" kern="1200">
-                <a:solidFill>
-                  <a:schemeClr val="tx1"/>
-                </a:solidFill>
-                <a:latin typeface="+mn-lt"/>
-                <a:ea typeface="+mn-ea"/>
-                <a:cs typeface="+mn-cs"/>
-              </a:defRPr>
-            </a:lvl2pPr>
-            <a:lvl3pPr marL="1143000" indent="-228600" algn="l" defTabSz="914400" rtl="0" eaLnBrk="1" latinLnBrk="0" hangingPunct="1">
-              <a:spcBef>
-                <a:spcPct val="20000"/>
-              </a:spcBef>
-              <a:buFont typeface="Arial" pitchFamily="34" charset="0"/>
-              <a:buChar char="•"/>
-              <a:defRPr sz="2400" kern="1200">
-                <a:solidFill>
-                  <a:schemeClr val="tx1"/>
-                </a:solidFill>
-                <a:latin typeface="+mn-lt"/>
-                <a:ea typeface="+mn-ea"/>
-                <a:cs typeface="+mn-cs"/>
-              </a:defRPr>
-            </a:lvl3pPr>
-            <a:lvl4pPr marL="1600200" indent="-228600" algn="l" defTabSz="914400" rtl="0" eaLnBrk="1" latinLnBrk="0" hangingPunct="1">
-              <a:spcBef>
-                <a:spcPct val="20000"/>
-              </a:spcBef>
-              <a:buFont typeface="Arial" pitchFamily="34" charset="0"/>
-              <a:buChar char="–"/>
-              <a:defRPr sz="2000" kern="1200">
-                <a:solidFill>
-                  <a:schemeClr val="tx1"/>
-                </a:solidFill>
-                <a:latin typeface="+mn-lt"/>
-                <a:ea typeface="+mn-ea"/>
-                <a:cs typeface="+mn-cs"/>
-              </a:defRPr>
-            </a:lvl4pPr>
-            <a:lvl5pPr marL="2057400" indent="-228600" algn="l" defTabSz="914400" rtl="0" eaLnBrk="1" latinLnBrk="0" hangingPunct="1">
-              <a:spcBef>
-                <a:spcPct val="20000"/>
-              </a:spcBef>
-              <a:buFont typeface="Arial" pitchFamily="34" charset="0"/>
-              <a:buChar char="»"/>
-              <a:defRPr sz="2000" kern="1200">
-                <a:solidFill>
-                  <a:schemeClr val="tx1"/>
-                </a:solidFill>
-                <a:latin typeface="+mn-lt"/>
-                <a:ea typeface="+mn-ea"/>
-                <a:cs typeface="+mn-cs"/>
-              </a:defRPr>
-            </a:lvl5pPr>
-            <a:lvl6pPr marL="2514600" indent="-228600" algn="l" defTabSz="914400" rtl="0" eaLnBrk="1" latinLnBrk="0" hangingPunct="1">
-              <a:spcBef>
-                <a:spcPct val="20000"/>
-              </a:spcBef>
-              <a:buFont typeface="Arial" pitchFamily="34" charset="0"/>
-              <a:buChar char="•"/>
-              <a:defRPr sz="2000" kern="1200">
-                <a:solidFill>
-                  <a:schemeClr val="tx1"/>
-                </a:solidFill>
-                <a:latin typeface="+mn-lt"/>
-                <a:ea typeface="+mn-ea"/>
-                <a:cs typeface="+mn-cs"/>
-              </a:defRPr>
-            </a:lvl6pPr>
-            <a:lvl7pPr marL="2971800" indent="-228600" algn="l" defTabSz="914400" rtl="0" eaLnBrk="1" latinLnBrk="0" hangingPunct="1">
-              <a:spcBef>
-                <a:spcPct val="20000"/>
-              </a:spcBef>
-              <a:buFont typeface="Arial" pitchFamily="34" charset="0"/>
-              <a:buChar char="•"/>
-              <a:defRPr sz="2000" kern="1200">
-                <a:solidFill>
-                  <a:schemeClr val="tx1"/>
-                </a:solidFill>
-                <a:latin typeface="+mn-lt"/>
-                <a:ea typeface="+mn-ea"/>
-                <a:cs typeface="+mn-cs"/>
-              </a:defRPr>
-            </a:lvl7pPr>
-            <a:lvl8pPr marL="3429000" indent="-228600" algn="l" defTabSz="914400" rtl="0" eaLnBrk="1" latinLnBrk="0" hangingPunct="1">
-              <a:spcBef>
-                <a:spcPct val="20000"/>
-              </a:spcBef>
-              <a:buFont typeface="Arial" pitchFamily="34" charset="0"/>
-              <a:buChar char="•"/>
-              <a:defRPr sz="2000" kern="1200">
-                <a:solidFill>
-                  <a:schemeClr val="tx1"/>
-                </a:solidFill>
-                <a:latin typeface="+mn-lt"/>
-                <a:ea typeface="+mn-ea"/>
-                <a:cs typeface="+mn-cs"/>
-              </a:defRPr>
-            </a:lvl8pPr>
-            <a:lvl9pPr marL="3886200" indent="-228600" algn="l" defTabSz="914400" rtl="0" eaLnBrk="1" latinLnBrk="0" hangingPunct="1">
-              <a:spcBef>
-                <a:spcPct val="20000"/>
-              </a:spcBef>
-              <a:buFont typeface="Arial" pitchFamily="34" charset="0"/>
-              <a:buChar char="•"/>
-              <a:defRPr sz="2000" kern="1200">
-                <a:solidFill>
-                  <a:schemeClr val="tx1"/>
-                </a:solidFill>
-                <a:latin typeface="+mn-lt"/>
-                <a:ea typeface="+mn-ea"/>
-                <a:cs typeface="+mn-cs"/>
-              </a:defRPr>
-            </a:lvl9pPr>
-          </a:lstStyle>
-          <a:p>
-            <a:pPr marL="0" indent="0" algn="ctr">
-              <a:buFont typeface="Arial" pitchFamily="34" charset="0"/>
-              <a:buNone/>
-            </a:pPr>
-            <a:r>
-              <a:rPr lang="en-US" sz="2400" dirty="0"/>
-              <a:t>{%qr2}</a:t>
-            </a:r>
-          </a:p>
-        </p:txBody>
-      </p:sp>
     </p:spTree>
     <p:extLst>
       <p:ext uri="{BB962C8B-B14F-4D97-AF65-F5344CB8AC3E}">
@@ -15141,180 +15008,6 @@
           </a:prstGeom>
         </p:spPr>
       </p:pic>
-      <p:sp>
-        <p:nvSpPr>
-          <p:cNvPr id="12" name="عنصر نائب للمحتوى 12">
-            <a:extLst>
-              <a:ext uri="{FF2B5EF4-FFF2-40B4-BE49-F238E27FC236}">
-                <a16:creationId xmlns:a16="http://schemas.microsoft.com/office/drawing/2014/main" id="{9742A767-868C-EB3A-B2E0-5D8015AB468D}"/>
-              </a:ext>
-            </a:extLst>
-          </p:cNvPr>
-          <p:cNvSpPr txBox="1">
-            <a:spLocks/>
-          </p:cNvSpPr>
-          <p:nvPr/>
-        </p:nvSpPr>
-        <p:spPr>
-          <a:xfrm>
-            <a:off x="2816882" y="6653452"/>
-            <a:ext cx="1828800" cy="1767926"/>
-          </a:xfrm>
-          <a:prstGeom prst="rect">
-            <a:avLst/>
-          </a:prstGeom>
-        </p:spPr>
-        <p:txBody>
-          <a:bodyPr/>
-          <a:lstStyle>
-            <a:lvl1pPr marL="342900" indent="-342900" algn="l" defTabSz="914400" rtl="0" eaLnBrk="1" latinLnBrk="0" hangingPunct="1">
-              <a:spcBef>
-                <a:spcPct val="20000"/>
-              </a:spcBef>
-              <a:buFont typeface="Arial" pitchFamily="34" charset="0"/>
-              <a:buChar char="•"/>
-              <a:defRPr sz="3200" kern="1200">
-                <a:solidFill>
-                  <a:schemeClr val="tx1"/>
-                </a:solidFill>
-                <a:latin typeface="+mn-lt"/>
-                <a:ea typeface="+mn-ea"/>
-                <a:cs typeface="+mn-cs"/>
-              </a:defRPr>
-            </a:lvl1pPr>
-            <a:lvl2pPr marL="742950" indent="-285750" algn="l" defTabSz="914400" rtl="0" eaLnBrk="1" latinLnBrk="0" hangingPunct="1">
-              <a:spcBef>
-                <a:spcPct val="20000"/>
-              </a:spcBef>
-              <a:buFont typeface="Arial" pitchFamily="34" charset="0"/>
-              <a:buChar char="–"/>
-              <a:defRPr sz="2800" kern="1200">
-                <a:solidFill>
-                  <a:schemeClr val="tx1"/>
-                </a:solidFill>
-                <a:latin typeface="+mn-lt"/>
-                <a:ea typeface="+mn-ea"/>
-                <a:cs typeface="+mn-cs"/>
-              </a:defRPr>
-            </a:lvl2pPr>
-            <a:lvl3pPr marL="1143000" indent="-228600" algn="l" defTabSz="914400" rtl="0" eaLnBrk="1" latinLnBrk="0" hangingPunct="1">
-              <a:spcBef>
-                <a:spcPct val="20000"/>
-              </a:spcBef>
-              <a:buFont typeface="Arial" pitchFamily="34" charset="0"/>
-              <a:buChar char="•"/>
-              <a:defRPr sz="2400" kern="1200">
-                <a:solidFill>
-                  <a:schemeClr val="tx1"/>
-                </a:solidFill>
-                <a:latin typeface="+mn-lt"/>
-                <a:ea typeface="+mn-ea"/>
-                <a:cs typeface="+mn-cs"/>
-              </a:defRPr>
-            </a:lvl3pPr>
-            <a:lvl4pPr marL="1600200" indent="-228600" algn="l" defTabSz="914400" rtl="0" eaLnBrk="1" latinLnBrk="0" hangingPunct="1">
-              <a:spcBef>
-                <a:spcPct val="20000"/>
-              </a:spcBef>
-              <a:buFont typeface="Arial" pitchFamily="34" charset="0"/>
-              <a:buChar char="–"/>
-              <a:defRPr sz="2000" kern="1200">
-                <a:solidFill>
-                  <a:schemeClr val="tx1"/>
-                </a:solidFill>
-                <a:latin typeface="+mn-lt"/>
-                <a:ea typeface="+mn-ea"/>
-                <a:cs typeface="+mn-cs"/>
-              </a:defRPr>
-            </a:lvl4pPr>
-            <a:lvl5pPr marL="2057400" indent="-228600" algn="l" defTabSz="914400" rtl="0" eaLnBrk="1" latinLnBrk="0" hangingPunct="1">
-              <a:spcBef>
-                <a:spcPct val="20000"/>
-              </a:spcBef>
-              <a:buFont typeface="Arial" pitchFamily="34" charset="0"/>
-              <a:buChar char="»"/>
-              <a:defRPr sz="2000" kern="1200">
-                <a:solidFill>
-                  <a:schemeClr val="tx1"/>
-                </a:solidFill>
-                <a:latin typeface="+mn-lt"/>
-                <a:ea typeface="+mn-ea"/>
-                <a:cs typeface="+mn-cs"/>
-              </a:defRPr>
-            </a:lvl5pPr>
-            <a:lvl6pPr marL="2514600" indent="-228600" algn="l" defTabSz="914400" rtl="0" eaLnBrk="1" latinLnBrk="0" hangingPunct="1">
-              <a:spcBef>
-                <a:spcPct val="20000"/>
-              </a:spcBef>
-              <a:buFont typeface="Arial" pitchFamily="34" charset="0"/>
-              <a:buChar char="•"/>
-              <a:defRPr sz="2000" kern="1200">
-                <a:solidFill>
-                  <a:schemeClr val="tx1"/>
-                </a:solidFill>
-                <a:latin typeface="+mn-lt"/>
-                <a:ea typeface="+mn-ea"/>
-                <a:cs typeface="+mn-cs"/>
-              </a:defRPr>
-            </a:lvl6pPr>
-            <a:lvl7pPr marL="2971800" indent="-228600" algn="l" defTabSz="914400" rtl="0" eaLnBrk="1" latinLnBrk="0" hangingPunct="1">
-              <a:spcBef>
-                <a:spcPct val="20000"/>
-              </a:spcBef>
-              <a:buFont typeface="Arial" pitchFamily="34" charset="0"/>
-              <a:buChar char="•"/>
-              <a:defRPr sz="2000" kern="1200">
-                <a:solidFill>
-                  <a:schemeClr val="tx1"/>
-                </a:solidFill>
-                <a:latin typeface="+mn-lt"/>
-                <a:ea typeface="+mn-ea"/>
-                <a:cs typeface="+mn-cs"/>
-              </a:defRPr>
-            </a:lvl7pPr>
-            <a:lvl8pPr marL="3429000" indent="-228600" algn="l" defTabSz="914400" rtl="0" eaLnBrk="1" latinLnBrk="0" hangingPunct="1">
-              <a:spcBef>
-                <a:spcPct val="20000"/>
-              </a:spcBef>
-              <a:buFont typeface="Arial" pitchFamily="34" charset="0"/>
-              <a:buChar char="•"/>
-              <a:defRPr sz="2000" kern="1200">
-                <a:solidFill>
-                  <a:schemeClr val="tx1"/>
-                </a:solidFill>
-                <a:latin typeface="+mn-lt"/>
-                <a:ea typeface="+mn-ea"/>
-                <a:cs typeface="+mn-cs"/>
-              </a:defRPr>
-            </a:lvl8pPr>
-            <a:lvl9pPr marL="3886200" indent="-228600" algn="l" defTabSz="914400" rtl="0" eaLnBrk="1" latinLnBrk="0" hangingPunct="1">
-              <a:spcBef>
-                <a:spcPct val="20000"/>
-              </a:spcBef>
-              <a:buFont typeface="Arial" pitchFamily="34" charset="0"/>
-              <a:buChar char="•"/>
-              <a:defRPr sz="2000" kern="1200">
-                <a:solidFill>
-                  <a:schemeClr val="tx1"/>
-                </a:solidFill>
-                <a:latin typeface="+mn-lt"/>
-                <a:ea typeface="+mn-ea"/>
-                <a:cs typeface="+mn-cs"/>
-              </a:defRPr>
-            </a:lvl9pPr>
-          </a:lstStyle>
-          <a:p>
-            <a:pPr marL="0" indent="0" algn="ctr">
-              <a:buFont typeface="Arial" pitchFamily="34" charset="0"/>
-              <a:buNone/>
-            </a:pPr>
-            <a:r>
-              <a:rPr lang="en-US" sz="2400" dirty="0"/>
-              <a:t>{%qr3}</a:t>
-            </a:r>
-          </a:p>
-        </p:txBody>
-      </p:sp>
     </p:spTree>
     <p:extLst>
       <p:ext uri="{BB962C8B-B14F-4D97-AF65-F5344CB8AC3E}">
@@ -16822,180 +16515,6 @@
           </a:prstGeom>
         </p:spPr>
       </p:pic>
-      <p:sp>
-        <p:nvSpPr>
-          <p:cNvPr id="8" name="عنصر نائب للمحتوى 12">
-            <a:extLst>
-              <a:ext uri="{FF2B5EF4-FFF2-40B4-BE49-F238E27FC236}">
-                <a16:creationId xmlns:a16="http://schemas.microsoft.com/office/drawing/2014/main" id="{1F72D10C-DCA4-3109-04F1-AFAD72AC22E4}"/>
-              </a:ext>
-            </a:extLst>
-          </p:cNvPr>
-          <p:cNvSpPr txBox="1">
-            <a:spLocks/>
-          </p:cNvSpPr>
-          <p:nvPr/>
-        </p:nvSpPr>
-        <p:spPr>
-          <a:xfrm>
-            <a:off x="2863852" y="6639401"/>
-            <a:ext cx="1828800" cy="1767926"/>
-          </a:xfrm>
-          <a:prstGeom prst="rect">
-            <a:avLst/>
-          </a:prstGeom>
-        </p:spPr>
-        <p:txBody>
-          <a:bodyPr/>
-          <a:lstStyle>
-            <a:lvl1pPr marL="342900" indent="-342900" algn="l" defTabSz="914400" rtl="0" eaLnBrk="1" latinLnBrk="0" hangingPunct="1">
-              <a:spcBef>
-                <a:spcPct val="20000"/>
-              </a:spcBef>
-              <a:buFont typeface="Arial" pitchFamily="34" charset="0"/>
-              <a:buChar char="•"/>
-              <a:defRPr sz="3200" kern="1200">
-                <a:solidFill>
-                  <a:schemeClr val="tx1"/>
-                </a:solidFill>
-                <a:latin typeface="+mn-lt"/>
-                <a:ea typeface="+mn-ea"/>
-                <a:cs typeface="+mn-cs"/>
-              </a:defRPr>
-            </a:lvl1pPr>
-            <a:lvl2pPr marL="742950" indent="-285750" algn="l" defTabSz="914400" rtl="0" eaLnBrk="1" latinLnBrk="0" hangingPunct="1">
-              <a:spcBef>
-                <a:spcPct val="20000"/>
-              </a:spcBef>
-              <a:buFont typeface="Arial" pitchFamily="34" charset="0"/>
-              <a:buChar char="–"/>
-              <a:defRPr sz="2800" kern="1200">
-                <a:solidFill>
-                  <a:schemeClr val="tx1"/>
-                </a:solidFill>
-                <a:latin typeface="+mn-lt"/>
-                <a:ea typeface="+mn-ea"/>
-                <a:cs typeface="+mn-cs"/>
-              </a:defRPr>
-            </a:lvl2pPr>
-            <a:lvl3pPr marL="1143000" indent="-228600" algn="l" defTabSz="914400" rtl="0" eaLnBrk="1" latinLnBrk="0" hangingPunct="1">
-              <a:spcBef>
-                <a:spcPct val="20000"/>
-              </a:spcBef>
-              <a:buFont typeface="Arial" pitchFamily="34" charset="0"/>
-              <a:buChar char="•"/>
-              <a:defRPr sz="2400" kern="1200">
-                <a:solidFill>
-                  <a:schemeClr val="tx1"/>
-                </a:solidFill>
-                <a:latin typeface="+mn-lt"/>
-                <a:ea typeface="+mn-ea"/>
-                <a:cs typeface="+mn-cs"/>
-              </a:defRPr>
-            </a:lvl3pPr>
-            <a:lvl4pPr marL="1600200" indent="-228600" algn="l" defTabSz="914400" rtl="0" eaLnBrk="1" latinLnBrk="0" hangingPunct="1">
-              <a:spcBef>
-                <a:spcPct val="20000"/>
-              </a:spcBef>
-              <a:buFont typeface="Arial" pitchFamily="34" charset="0"/>
-              <a:buChar char="–"/>
-              <a:defRPr sz="2000" kern="1200">
-                <a:solidFill>
-                  <a:schemeClr val="tx1"/>
-                </a:solidFill>
-                <a:latin typeface="+mn-lt"/>
-                <a:ea typeface="+mn-ea"/>
-                <a:cs typeface="+mn-cs"/>
-              </a:defRPr>
-            </a:lvl4pPr>
-            <a:lvl5pPr marL="2057400" indent="-228600" algn="l" defTabSz="914400" rtl="0" eaLnBrk="1" latinLnBrk="0" hangingPunct="1">
-              <a:spcBef>
-                <a:spcPct val="20000"/>
-              </a:spcBef>
-              <a:buFont typeface="Arial" pitchFamily="34" charset="0"/>
-              <a:buChar char="»"/>
-              <a:defRPr sz="2000" kern="1200">
-                <a:solidFill>
-                  <a:schemeClr val="tx1"/>
-                </a:solidFill>
-                <a:latin typeface="+mn-lt"/>
-                <a:ea typeface="+mn-ea"/>
-                <a:cs typeface="+mn-cs"/>
-              </a:defRPr>
-            </a:lvl5pPr>
-            <a:lvl6pPr marL="2514600" indent="-228600" algn="l" defTabSz="914400" rtl="0" eaLnBrk="1" latinLnBrk="0" hangingPunct="1">
-              <a:spcBef>
-                <a:spcPct val="20000"/>
-              </a:spcBef>
-              <a:buFont typeface="Arial" pitchFamily="34" charset="0"/>
-              <a:buChar char="•"/>
-              <a:defRPr sz="2000" kern="1200">
-                <a:solidFill>
-                  <a:schemeClr val="tx1"/>
-                </a:solidFill>
-                <a:latin typeface="+mn-lt"/>
-                <a:ea typeface="+mn-ea"/>
-                <a:cs typeface="+mn-cs"/>
-              </a:defRPr>
-            </a:lvl6pPr>
-            <a:lvl7pPr marL="2971800" indent="-228600" algn="l" defTabSz="914400" rtl="0" eaLnBrk="1" latinLnBrk="0" hangingPunct="1">
-              <a:spcBef>
-                <a:spcPct val="20000"/>
-              </a:spcBef>
-              <a:buFont typeface="Arial" pitchFamily="34" charset="0"/>
-              <a:buChar char="•"/>
-              <a:defRPr sz="2000" kern="1200">
-                <a:solidFill>
-                  <a:schemeClr val="tx1"/>
-                </a:solidFill>
-                <a:latin typeface="+mn-lt"/>
-                <a:ea typeface="+mn-ea"/>
-                <a:cs typeface="+mn-cs"/>
-              </a:defRPr>
-            </a:lvl7pPr>
-            <a:lvl8pPr marL="3429000" indent="-228600" algn="l" defTabSz="914400" rtl="0" eaLnBrk="1" latinLnBrk="0" hangingPunct="1">
-              <a:spcBef>
-                <a:spcPct val="20000"/>
-              </a:spcBef>
-              <a:buFont typeface="Arial" pitchFamily="34" charset="0"/>
-              <a:buChar char="•"/>
-              <a:defRPr sz="2000" kern="1200">
-                <a:solidFill>
-                  <a:schemeClr val="tx1"/>
-                </a:solidFill>
-                <a:latin typeface="+mn-lt"/>
-                <a:ea typeface="+mn-ea"/>
-                <a:cs typeface="+mn-cs"/>
-              </a:defRPr>
-            </a:lvl8pPr>
-            <a:lvl9pPr marL="3886200" indent="-228600" algn="l" defTabSz="914400" rtl="0" eaLnBrk="1" latinLnBrk="0" hangingPunct="1">
-              <a:spcBef>
-                <a:spcPct val="20000"/>
-              </a:spcBef>
-              <a:buFont typeface="Arial" pitchFamily="34" charset="0"/>
-              <a:buChar char="•"/>
-              <a:defRPr sz="2000" kern="1200">
-                <a:solidFill>
-                  <a:schemeClr val="tx1"/>
-                </a:solidFill>
-                <a:latin typeface="+mn-lt"/>
-                <a:ea typeface="+mn-ea"/>
-                <a:cs typeface="+mn-cs"/>
-              </a:defRPr>
-            </a:lvl9pPr>
-          </a:lstStyle>
-          <a:p>
-            <a:pPr marL="0" indent="0" algn="ctr">
-              <a:buFont typeface="Arial" pitchFamily="34" charset="0"/>
-              <a:buNone/>
-            </a:pPr>
-            <a:r>
-              <a:rPr lang="en-US" sz="2400" dirty="0"/>
-              <a:t>{%qr4}</a:t>
-            </a:r>
-          </a:p>
-        </p:txBody>
-      </p:sp>
     </p:spTree>
     <p:extLst>
       <p:ext uri="{BB962C8B-B14F-4D97-AF65-F5344CB8AC3E}">
@@ -18487,180 +18006,6 @@
           </a:prstGeom>
         </p:spPr>
       </p:pic>
-      <p:sp>
-        <p:nvSpPr>
-          <p:cNvPr id="8" name="عنصر نائب للمحتوى 12">
-            <a:extLst>
-              <a:ext uri="{FF2B5EF4-FFF2-40B4-BE49-F238E27FC236}">
-                <a16:creationId xmlns:a16="http://schemas.microsoft.com/office/drawing/2014/main" id="{25963BA2-6234-D98C-99B2-B960864BBA93}"/>
-              </a:ext>
-            </a:extLst>
-          </p:cNvPr>
-          <p:cNvSpPr txBox="1">
-            <a:spLocks/>
-          </p:cNvSpPr>
-          <p:nvPr/>
-        </p:nvSpPr>
-        <p:spPr>
-          <a:xfrm>
-            <a:off x="2863852" y="6594026"/>
-            <a:ext cx="1828800" cy="1767926"/>
-          </a:xfrm>
-          <a:prstGeom prst="rect">
-            <a:avLst/>
-          </a:prstGeom>
-        </p:spPr>
-        <p:txBody>
-          <a:bodyPr/>
-          <a:lstStyle>
-            <a:lvl1pPr marL="342900" indent="-342900" algn="l" defTabSz="914400" rtl="0" eaLnBrk="1" latinLnBrk="0" hangingPunct="1">
-              <a:spcBef>
-                <a:spcPct val="20000"/>
-              </a:spcBef>
-              <a:buFont typeface="Arial" pitchFamily="34" charset="0"/>
-              <a:buChar char="•"/>
-              <a:defRPr sz="3200" kern="1200">
-                <a:solidFill>
-                  <a:schemeClr val="tx1"/>
-                </a:solidFill>
-                <a:latin typeface="+mn-lt"/>
-                <a:ea typeface="+mn-ea"/>
-                <a:cs typeface="+mn-cs"/>
-              </a:defRPr>
-            </a:lvl1pPr>
-            <a:lvl2pPr marL="742950" indent="-285750" algn="l" defTabSz="914400" rtl="0" eaLnBrk="1" latinLnBrk="0" hangingPunct="1">
-              <a:spcBef>
-                <a:spcPct val="20000"/>
-              </a:spcBef>
-              <a:buFont typeface="Arial" pitchFamily="34" charset="0"/>
-              <a:buChar char="–"/>
-              <a:defRPr sz="2800" kern="1200">
-                <a:solidFill>
-                  <a:schemeClr val="tx1"/>
-                </a:solidFill>
-                <a:latin typeface="+mn-lt"/>
-                <a:ea typeface="+mn-ea"/>
-                <a:cs typeface="+mn-cs"/>
-              </a:defRPr>
-            </a:lvl2pPr>
-            <a:lvl3pPr marL="1143000" indent="-228600" algn="l" defTabSz="914400" rtl="0" eaLnBrk="1" latinLnBrk="0" hangingPunct="1">
-              <a:spcBef>
-                <a:spcPct val="20000"/>
-              </a:spcBef>
-              <a:buFont typeface="Arial" pitchFamily="34" charset="0"/>
-              <a:buChar char="•"/>
-              <a:defRPr sz="2400" kern="1200">
-                <a:solidFill>
-                  <a:schemeClr val="tx1"/>
-                </a:solidFill>
-                <a:latin typeface="+mn-lt"/>
-                <a:ea typeface="+mn-ea"/>
-                <a:cs typeface="+mn-cs"/>
-              </a:defRPr>
-            </a:lvl3pPr>
-            <a:lvl4pPr marL="1600200" indent="-228600" algn="l" defTabSz="914400" rtl="0" eaLnBrk="1" latinLnBrk="0" hangingPunct="1">
-              <a:spcBef>
-                <a:spcPct val="20000"/>
-              </a:spcBef>
-              <a:buFont typeface="Arial" pitchFamily="34" charset="0"/>
-              <a:buChar char="–"/>
-              <a:defRPr sz="2000" kern="1200">
-                <a:solidFill>
-                  <a:schemeClr val="tx1"/>
-                </a:solidFill>
-                <a:latin typeface="+mn-lt"/>
-                <a:ea typeface="+mn-ea"/>
-                <a:cs typeface="+mn-cs"/>
-              </a:defRPr>
-            </a:lvl4pPr>
-            <a:lvl5pPr marL="2057400" indent="-228600" algn="l" defTabSz="914400" rtl="0" eaLnBrk="1" latinLnBrk="0" hangingPunct="1">
-              <a:spcBef>
-                <a:spcPct val="20000"/>
-              </a:spcBef>
-              <a:buFont typeface="Arial" pitchFamily="34" charset="0"/>
-              <a:buChar char="»"/>
-              <a:defRPr sz="2000" kern="1200">
-                <a:solidFill>
-                  <a:schemeClr val="tx1"/>
-                </a:solidFill>
-                <a:latin typeface="+mn-lt"/>
-                <a:ea typeface="+mn-ea"/>
-                <a:cs typeface="+mn-cs"/>
-              </a:defRPr>
-            </a:lvl5pPr>
-            <a:lvl6pPr marL="2514600" indent="-228600" algn="l" defTabSz="914400" rtl="0" eaLnBrk="1" latinLnBrk="0" hangingPunct="1">
-              <a:spcBef>
-                <a:spcPct val="20000"/>
-              </a:spcBef>
-              <a:buFont typeface="Arial" pitchFamily="34" charset="0"/>
-              <a:buChar char="•"/>
-              <a:defRPr sz="2000" kern="1200">
-                <a:solidFill>
-                  <a:schemeClr val="tx1"/>
-                </a:solidFill>
-                <a:latin typeface="+mn-lt"/>
-                <a:ea typeface="+mn-ea"/>
-                <a:cs typeface="+mn-cs"/>
-              </a:defRPr>
-            </a:lvl6pPr>
-            <a:lvl7pPr marL="2971800" indent="-228600" algn="l" defTabSz="914400" rtl="0" eaLnBrk="1" latinLnBrk="0" hangingPunct="1">
-              <a:spcBef>
-                <a:spcPct val="20000"/>
-              </a:spcBef>
-              <a:buFont typeface="Arial" pitchFamily="34" charset="0"/>
-              <a:buChar char="•"/>
-              <a:defRPr sz="2000" kern="1200">
-                <a:solidFill>
-                  <a:schemeClr val="tx1"/>
-                </a:solidFill>
-                <a:latin typeface="+mn-lt"/>
-                <a:ea typeface="+mn-ea"/>
-                <a:cs typeface="+mn-cs"/>
-              </a:defRPr>
-            </a:lvl7pPr>
-            <a:lvl8pPr marL="3429000" indent="-228600" algn="l" defTabSz="914400" rtl="0" eaLnBrk="1" latinLnBrk="0" hangingPunct="1">
-              <a:spcBef>
-                <a:spcPct val="20000"/>
-              </a:spcBef>
-              <a:buFont typeface="Arial" pitchFamily="34" charset="0"/>
-              <a:buChar char="•"/>
-              <a:defRPr sz="2000" kern="1200">
-                <a:solidFill>
-                  <a:schemeClr val="tx1"/>
-                </a:solidFill>
-                <a:latin typeface="+mn-lt"/>
-                <a:ea typeface="+mn-ea"/>
-                <a:cs typeface="+mn-cs"/>
-              </a:defRPr>
-            </a:lvl8pPr>
-            <a:lvl9pPr marL="3886200" indent="-228600" algn="l" defTabSz="914400" rtl="0" eaLnBrk="1" latinLnBrk="0" hangingPunct="1">
-              <a:spcBef>
-                <a:spcPct val="20000"/>
-              </a:spcBef>
-              <a:buFont typeface="Arial" pitchFamily="34" charset="0"/>
-              <a:buChar char="•"/>
-              <a:defRPr sz="2000" kern="1200">
-                <a:solidFill>
-                  <a:schemeClr val="tx1"/>
-                </a:solidFill>
-                <a:latin typeface="+mn-lt"/>
-                <a:ea typeface="+mn-ea"/>
-                <a:cs typeface="+mn-cs"/>
-              </a:defRPr>
-            </a:lvl9pPr>
-          </a:lstStyle>
-          <a:p>
-            <a:pPr marL="0" indent="0" algn="ctr">
-              <a:buFont typeface="Arial" pitchFamily="34" charset="0"/>
-              <a:buNone/>
-            </a:pPr>
-            <a:r>
-              <a:rPr lang="en-US" sz="2400" dirty="0"/>
-              <a:t>{%qr5}</a:t>
-            </a:r>
-          </a:p>
-        </p:txBody>
-      </p:sp>
     </p:spTree>
     <p:extLst>
       <p:ext uri="{BB962C8B-B14F-4D97-AF65-F5344CB8AC3E}">
@@ -20140,180 +19485,6 @@
           </a:prstGeom>
         </p:spPr>
       </p:pic>
-      <p:sp>
-        <p:nvSpPr>
-          <p:cNvPr id="12" name="عنصر نائب للمحتوى 12">
-            <a:extLst>
-              <a:ext uri="{FF2B5EF4-FFF2-40B4-BE49-F238E27FC236}">
-                <a16:creationId xmlns:a16="http://schemas.microsoft.com/office/drawing/2014/main" id="{5D4B9C30-356D-A62D-0143-6B18C2EE4D70}"/>
-              </a:ext>
-            </a:extLst>
-          </p:cNvPr>
-          <p:cNvSpPr txBox="1">
-            <a:spLocks/>
-          </p:cNvSpPr>
-          <p:nvPr/>
-        </p:nvSpPr>
-        <p:spPr>
-          <a:xfrm>
-            <a:off x="2863852" y="6577270"/>
-            <a:ext cx="1828800" cy="1767926"/>
-          </a:xfrm>
-          <a:prstGeom prst="rect">
-            <a:avLst/>
-          </a:prstGeom>
-        </p:spPr>
-        <p:txBody>
-          <a:bodyPr/>
-          <a:lstStyle>
-            <a:lvl1pPr marL="342900" indent="-342900" algn="l" defTabSz="914400" rtl="0" eaLnBrk="1" latinLnBrk="0" hangingPunct="1">
-              <a:spcBef>
-                <a:spcPct val="20000"/>
-              </a:spcBef>
-              <a:buFont typeface="Arial" pitchFamily="34" charset="0"/>
-              <a:buChar char="•"/>
-              <a:defRPr sz="3200" kern="1200">
-                <a:solidFill>
-                  <a:schemeClr val="tx1"/>
-                </a:solidFill>
-                <a:latin typeface="+mn-lt"/>
-                <a:ea typeface="+mn-ea"/>
-                <a:cs typeface="+mn-cs"/>
-              </a:defRPr>
-            </a:lvl1pPr>
-            <a:lvl2pPr marL="742950" indent="-285750" algn="l" defTabSz="914400" rtl="0" eaLnBrk="1" latinLnBrk="0" hangingPunct="1">
-              <a:spcBef>
-                <a:spcPct val="20000"/>
-              </a:spcBef>
-              <a:buFont typeface="Arial" pitchFamily="34" charset="0"/>
-              <a:buChar char="–"/>
-              <a:defRPr sz="2800" kern="1200">
-                <a:solidFill>
-                  <a:schemeClr val="tx1"/>
-                </a:solidFill>
-                <a:latin typeface="+mn-lt"/>
-                <a:ea typeface="+mn-ea"/>
-                <a:cs typeface="+mn-cs"/>
-              </a:defRPr>
-            </a:lvl2pPr>
-            <a:lvl3pPr marL="1143000" indent="-228600" algn="l" defTabSz="914400" rtl="0" eaLnBrk="1" latinLnBrk="0" hangingPunct="1">
-              <a:spcBef>
-                <a:spcPct val="20000"/>
-              </a:spcBef>
-              <a:buFont typeface="Arial" pitchFamily="34" charset="0"/>
-              <a:buChar char="•"/>
-              <a:defRPr sz="2400" kern="1200">
-                <a:solidFill>
-                  <a:schemeClr val="tx1"/>
-                </a:solidFill>
-                <a:latin typeface="+mn-lt"/>
-                <a:ea typeface="+mn-ea"/>
-                <a:cs typeface="+mn-cs"/>
-              </a:defRPr>
-            </a:lvl3pPr>
-            <a:lvl4pPr marL="1600200" indent="-228600" algn="l" defTabSz="914400" rtl="0" eaLnBrk="1" latinLnBrk="0" hangingPunct="1">
-              <a:spcBef>
-                <a:spcPct val="20000"/>
-              </a:spcBef>
-              <a:buFont typeface="Arial" pitchFamily="34" charset="0"/>
-              <a:buChar char="–"/>
-              <a:defRPr sz="2000" kern="1200">
-                <a:solidFill>
-                  <a:schemeClr val="tx1"/>
-                </a:solidFill>
-                <a:latin typeface="+mn-lt"/>
-                <a:ea typeface="+mn-ea"/>
-                <a:cs typeface="+mn-cs"/>
-              </a:defRPr>
-            </a:lvl4pPr>
-            <a:lvl5pPr marL="2057400" indent="-228600" algn="l" defTabSz="914400" rtl="0" eaLnBrk="1" latinLnBrk="0" hangingPunct="1">
-              <a:spcBef>
-                <a:spcPct val="20000"/>
-              </a:spcBef>
-              <a:buFont typeface="Arial" pitchFamily="34" charset="0"/>
-              <a:buChar char="»"/>
-              <a:defRPr sz="2000" kern="1200">
-                <a:solidFill>
-                  <a:schemeClr val="tx1"/>
-                </a:solidFill>
-                <a:latin typeface="+mn-lt"/>
-                <a:ea typeface="+mn-ea"/>
-                <a:cs typeface="+mn-cs"/>
-              </a:defRPr>
-            </a:lvl5pPr>
-            <a:lvl6pPr marL="2514600" indent="-228600" algn="l" defTabSz="914400" rtl="0" eaLnBrk="1" latinLnBrk="0" hangingPunct="1">
-              <a:spcBef>
-                <a:spcPct val="20000"/>
-              </a:spcBef>
-              <a:buFont typeface="Arial" pitchFamily="34" charset="0"/>
-              <a:buChar char="•"/>
-              <a:defRPr sz="2000" kern="1200">
-                <a:solidFill>
-                  <a:schemeClr val="tx1"/>
-                </a:solidFill>
-                <a:latin typeface="+mn-lt"/>
-                <a:ea typeface="+mn-ea"/>
-                <a:cs typeface="+mn-cs"/>
-              </a:defRPr>
-            </a:lvl6pPr>
-            <a:lvl7pPr marL="2971800" indent="-228600" algn="l" defTabSz="914400" rtl="0" eaLnBrk="1" latinLnBrk="0" hangingPunct="1">
-              <a:spcBef>
-                <a:spcPct val="20000"/>
-              </a:spcBef>
-              <a:buFont typeface="Arial" pitchFamily="34" charset="0"/>
-              <a:buChar char="•"/>
-              <a:defRPr sz="2000" kern="1200">
-                <a:solidFill>
-                  <a:schemeClr val="tx1"/>
-                </a:solidFill>
-                <a:latin typeface="+mn-lt"/>
-                <a:ea typeface="+mn-ea"/>
-                <a:cs typeface="+mn-cs"/>
-              </a:defRPr>
-            </a:lvl7pPr>
-            <a:lvl8pPr marL="3429000" indent="-228600" algn="l" defTabSz="914400" rtl="0" eaLnBrk="1" latinLnBrk="0" hangingPunct="1">
-              <a:spcBef>
-                <a:spcPct val="20000"/>
-              </a:spcBef>
-              <a:buFont typeface="Arial" pitchFamily="34" charset="0"/>
-              <a:buChar char="•"/>
-              <a:defRPr sz="2000" kern="1200">
-                <a:solidFill>
-                  <a:schemeClr val="tx1"/>
-                </a:solidFill>
-                <a:latin typeface="+mn-lt"/>
-                <a:ea typeface="+mn-ea"/>
-                <a:cs typeface="+mn-cs"/>
-              </a:defRPr>
-            </a:lvl8pPr>
-            <a:lvl9pPr marL="3886200" indent="-228600" algn="l" defTabSz="914400" rtl="0" eaLnBrk="1" latinLnBrk="0" hangingPunct="1">
-              <a:spcBef>
-                <a:spcPct val="20000"/>
-              </a:spcBef>
-              <a:buFont typeface="Arial" pitchFamily="34" charset="0"/>
-              <a:buChar char="•"/>
-              <a:defRPr sz="2000" kern="1200">
-                <a:solidFill>
-                  <a:schemeClr val="tx1"/>
-                </a:solidFill>
-                <a:latin typeface="+mn-lt"/>
-                <a:ea typeface="+mn-ea"/>
-                <a:cs typeface="+mn-cs"/>
-              </a:defRPr>
-            </a:lvl9pPr>
-          </a:lstStyle>
-          <a:p>
-            <a:pPr marL="0" indent="0" algn="ctr">
-              <a:buFont typeface="Arial" pitchFamily="34" charset="0"/>
-              <a:buNone/>
-            </a:pPr>
-            <a:r>
-              <a:rPr lang="en-US" sz="2400" dirty="0"/>
-              <a:t>{%qr6}</a:t>
-            </a:r>
-          </a:p>
-        </p:txBody>
-      </p:sp>
     </p:spTree>
     <p:extLst>
       <p:ext uri="{BB962C8B-B14F-4D97-AF65-F5344CB8AC3E}">
@@ -22037,180 +21208,6 @@
           </a:prstGeom>
         </p:spPr>
       </p:pic>
-      <p:sp>
-        <p:nvSpPr>
-          <p:cNvPr id="12" name="عنصر نائب للمحتوى 12">
-            <a:extLst>
-              <a:ext uri="{FF2B5EF4-FFF2-40B4-BE49-F238E27FC236}">
-                <a16:creationId xmlns:a16="http://schemas.microsoft.com/office/drawing/2014/main" id="{A3CDB417-DB3B-537B-5A33-CCBCD1BA8CDB}"/>
-              </a:ext>
-            </a:extLst>
-          </p:cNvPr>
-          <p:cNvSpPr txBox="1">
-            <a:spLocks/>
-          </p:cNvSpPr>
-          <p:nvPr/>
-        </p:nvSpPr>
-        <p:spPr>
-          <a:xfrm>
-            <a:off x="2863852" y="6720126"/>
-            <a:ext cx="1828800" cy="1767926"/>
-          </a:xfrm>
-          <a:prstGeom prst="rect">
-            <a:avLst/>
-          </a:prstGeom>
-        </p:spPr>
-        <p:txBody>
-          <a:bodyPr/>
-          <a:lstStyle>
-            <a:lvl1pPr marL="342900" indent="-342900" algn="l" defTabSz="914400" rtl="0" eaLnBrk="1" latinLnBrk="0" hangingPunct="1">
-              <a:spcBef>
-                <a:spcPct val="20000"/>
-              </a:spcBef>
-              <a:buFont typeface="Arial" pitchFamily="34" charset="0"/>
-              <a:buChar char="•"/>
-              <a:defRPr sz="3200" kern="1200">
-                <a:solidFill>
-                  <a:schemeClr val="tx1"/>
-                </a:solidFill>
-                <a:latin typeface="+mn-lt"/>
-                <a:ea typeface="+mn-ea"/>
-                <a:cs typeface="+mn-cs"/>
-              </a:defRPr>
-            </a:lvl1pPr>
-            <a:lvl2pPr marL="742950" indent="-285750" algn="l" defTabSz="914400" rtl="0" eaLnBrk="1" latinLnBrk="0" hangingPunct="1">
-              <a:spcBef>
-                <a:spcPct val="20000"/>
-              </a:spcBef>
-              <a:buFont typeface="Arial" pitchFamily="34" charset="0"/>
-              <a:buChar char="–"/>
-              <a:defRPr sz="2800" kern="1200">
-                <a:solidFill>
-                  <a:schemeClr val="tx1"/>
-                </a:solidFill>
-                <a:latin typeface="+mn-lt"/>
-                <a:ea typeface="+mn-ea"/>
-                <a:cs typeface="+mn-cs"/>
-              </a:defRPr>
-            </a:lvl2pPr>
-            <a:lvl3pPr marL="1143000" indent="-228600" algn="l" defTabSz="914400" rtl="0" eaLnBrk="1" latinLnBrk="0" hangingPunct="1">
-              <a:spcBef>
-                <a:spcPct val="20000"/>
-              </a:spcBef>
-              <a:buFont typeface="Arial" pitchFamily="34" charset="0"/>
-              <a:buChar char="•"/>
-              <a:defRPr sz="2400" kern="1200">
-                <a:solidFill>
-                  <a:schemeClr val="tx1"/>
-                </a:solidFill>
-                <a:latin typeface="+mn-lt"/>
-                <a:ea typeface="+mn-ea"/>
-                <a:cs typeface="+mn-cs"/>
-              </a:defRPr>
-            </a:lvl3pPr>
-            <a:lvl4pPr marL="1600200" indent="-228600" algn="l" defTabSz="914400" rtl="0" eaLnBrk="1" latinLnBrk="0" hangingPunct="1">
-              <a:spcBef>
-                <a:spcPct val="20000"/>
-              </a:spcBef>
-              <a:buFont typeface="Arial" pitchFamily="34" charset="0"/>
-              <a:buChar char="–"/>
-              <a:defRPr sz="2000" kern="1200">
-                <a:solidFill>
-                  <a:schemeClr val="tx1"/>
-                </a:solidFill>
-                <a:latin typeface="+mn-lt"/>
-                <a:ea typeface="+mn-ea"/>
-                <a:cs typeface="+mn-cs"/>
-              </a:defRPr>
-            </a:lvl4pPr>
-            <a:lvl5pPr marL="2057400" indent="-228600" algn="l" defTabSz="914400" rtl="0" eaLnBrk="1" latinLnBrk="0" hangingPunct="1">
-              <a:spcBef>
-                <a:spcPct val="20000"/>
-              </a:spcBef>
-              <a:buFont typeface="Arial" pitchFamily="34" charset="0"/>
-              <a:buChar char="»"/>
-              <a:defRPr sz="2000" kern="1200">
-                <a:solidFill>
-                  <a:schemeClr val="tx1"/>
-                </a:solidFill>
-                <a:latin typeface="+mn-lt"/>
-                <a:ea typeface="+mn-ea"/>
-                <a:cs typeface="+mn-cs"/>
-              </a:defRPr>
-            </a:lvl5pPr>
-            <a:lvl6pPr marL="2514600" indent="-228600" algn="l" defTabSz="914400" rtl="0" eaLnBrk="1" latinLnBrk="0" hangingPunct="1">
-              <a:spcBef>
-                <a:spcPct val="20000"/>
-              </a:spcBef>
-              <a:buFont typeface="Arial" pitchFamily="34" charset="0"/>
-              <a:buChar char="•"/>
-              <a:defRPr sz="2000" kern="1200">
-                <a:solidFill>
-                  <a:schemeClr val="tx1"/>
-                </a:solidFill>
-                <a:latin typeface="+mn-lt"/>
-                <a:ea typeface="+mn-ea"/>
-                <a:cs typeface="+mn-cs"/>
-              </a:defRPr>
-            </a:lvl6pPr>
-            <a:lvl7pPr marL="2971800" indent="-228600" algn="l" defTabSz="914400" rtl="0" eaLnBrk="1" latinLnBrk="0" hangingPunct="1">
-              <a:spcBef>
-                <a:spcPct val="20000"/>
-              </a:spcBef>
-              <a:buFont typeface="Arial" pitchFamily="34" charset="0"/>
-              <a:buChar char="•"/>
-              <a:defRPr sz="2000" kern="1200">
-                <a:solidFill>
-                  <a:schemeClr val="tx1"/>
-                </a:solidFill>
-                <a:latin typeface="+mn-lt"/>
-                <a:ea typeface="+mn-ea"/>
-                <a:cs typeface="+mn-cs"/>
-              </a:defRPr>
-            </a:lvl7pPr>
-            <a:lvl8pPr marL="3429000" indent="-228600" algn="l" defTabSz="914400" rtl="0" eaLnBrk="1" latinLnBrk="0" hangingPunct="1">
-              <a:spcBef>
-                <a:spcPct val="20000"/>
-              </a:spcBef>
-              <a:buFont typeface="Arial" pitchFamily="34" charset="0"/>
-              <a:buChar char="•"/>
-              <a:defRPr sz="2000" kern="1200">
-                <a:solidFill>
-                  <a:schemeClr val="tx1"/>
-                </a:solidFill>
-                <a:latin typeface="+mn-lt"/>
-                <a:ea typeface="+mn-ea"/>
-                <a:cs typeface="+mn-cs"/>
-              </a:defRPr>
-            </a:lvl8pPr>
-            <a:lvl9pPr marL="3886200" indent="-228600" algn="l" defTabSz="914400" rtl="0" eaLnBrk="1" latinLnBrk="0" hangingPunct="1">
-              <a:spcBef>
-                <a:spcPct val="20000"/>
-              </a:spcBef>
-              <a:buFont typeface="Arial" pitchFamily="34" charset="0"/>
-              <a:buChar char="•"/>
-              <a:defRPr sz="2000" kern="1200">
-                <a:solidFill>
-                  <a:schemeClr val="tx1"/>
-                </a:solidFill>
-                <a:latin typeface="+mn-lt"/>
-                <a:ea typeface="+mn-ea"/>
-                <a:cs typeface="+mn-cs"/>
-              </a:defRPr>
-            </a:lvl9pPr>
-          </a:lstStyle>
-          <a:p>
-            <a:pPr marL="0" indent="0" algn="ctr">
-              <a:buFont typeface="Arial" pitchFamily="34" charset="0"/>
-              <a:buNone/>
-            </a:pPr>
-            <a:r>
-              <a:rPr lang="en-US" sz="2400" dirty="0"/>
-              <a:t>{%qr7}</a:t>
-            </a:r>
-          </a:p>
-        </p:txBody>
-      </p:sp>
     </p:spTree>
     <p:extLst>
       <p:ext uri="{BB962C8B-B14F-4D97-AF65-F5344CB8AC3E}">
@@ -23477,180 +22474,6 @@
           </a:prstGeom>
         </p:spPr>
       </p:pic>
-      <p:sp>
-        <p:nvSpPr>
-          <p:cNvPr id="12" name="عنصر نائب للمحتوى 12">
-            <a:extLst>
-              <a:ext uri="{FF2B5EF4-FFF2-40B4-BE49-F238E27FC236}">
-                <a16:creationId xmlns:a16="http://schemas.microsoft.com/office/drawing/2014/main" id="{A7BE01B5-5DB7-FA33-0E38-5E1394C8DF20}"/>
-              </a:ext>
-            </a:extLst>
-          </p:cNvPr>
-          <p:cNvSpPr txBox="1">
-            <a:spLocks/>
-          </p:cNvSpPr>
-          <p:nvPr/>
-        </p:nvSpPr>
-        <p:spPr>
-          <a:xfrm>
-            <a:off x="2863850" y="5940974"/>
-            <a:ext cx="1828800" cy="1767926"/>
-          </a:xfrm>
-          <a:prstGeom prst="rect">
-            <a:avLst/>
-          </a:prstGeom>
-        </p:spPr>
-        <p:txBody>
-          <a:bodyPr/>
-          <a:lstStyle>
-            <a:lvl1pPr marL="342900" indent="-342900" algn="l" defTabSz="914400" rtl="0" eaLnBrk="1" latinLnBrk="0" hangingPunct="1">
-              <a:spcBef>
-                <a:spcPct val="20000"/>
-              </a:spcBef>
-              <a:buFont typeface="Arial" pitchFamily="34" charset="0"/>
-              <a:buChar char="•"/>
-              <a:defRPr sz="3200" kern="1200">
-                <a:solidFill>
-                  <a:schemeClr val="tx1"/>
-                </a:solidFill>
-                <a:latin typeface="+mn-lt"/>
-                <a:ea typeface="+mn-ea"/>
-                <a:cs typeface="+mn-cs"/>
-              </a:defRPr>
-            </a:lvl1pPr>
-            <a:lvl2pPr marL="742950" indent="-285750" algn="l" defTabSz="914400" rtl="0" eaLnBrk="1" latinLnBrk="0" hangingPunct="1">
-              <a:spcBef>
-                <a:spcPct val="20000"/>
-              </a:spcBef>
-              <a:buFont typeface="Arial" pitchFamily="34" charset="0"/>
-              <a:buChar char="–"/>
-              <a:defRPr sz="2800" kern="1200">
-                <a:solidFill>
-                  <a:schemeClr val="tx1"/>
-                </a:solidFill>
-                <a:latin typeface="+mn-lt"/>
-                <a:ea typeface="+mn-ea"/>
-                <a:cs typeface="+mn-cs"/>
-              </a:defRPr>
-            </a:lvl2pPr>
-            <a:lvl3pPr marL="1143000" indent="-228600" algn="l" defTabSz="914400" rtl="0" eaLnBrk="1" latinLnBrk="0" hangingPunct="1">
-              <a:spcBef>
-                <a:spcPct val="20000"/>
-              </a:spcBef>
-              <a:buFont typeface="Arial" pitchFamily="34" charset="0"/>
-              <a:buChar char="•"/>
-              <a:defRPr sz="2400" kern="1200">
-                <a:solidFill>
-                  <a:schemeClr val="tx1"/>
-                </a:solidFill>
-                <a:latin typeface="+mn-lt"/>
-                <a:ea typeface="+mn-ea"/>
-                <a:cs typeface="+mn-cs"/>
-              </a:defRPr>
-            </a:lvl3pPr>
-            <a:lvl4pPr marL="1600200" indent="-228600" algn="l" defTabSz="914400" rtl="0" eaLnBrk="1" latinLnBrk="0" hangingPunct="1">
-              <a:spcBef>
-                <a:spcPct val="20000"/>
-              </a:spcBef>
-              <a:buFont typeface="Arial" pitchFamily="34" charset="0"/>
-              <a:buChar char="–"/>
-              <a:defRPr sz="2000" kern="1200">
-                <a:solidFill>
-                  <a:schemeClr val="tx1"/>
-                </a:solidFill>
-                <a:latin typeface="+mn-lt"/>
-                <a:ea typeface="+mn-ea"/>
-                <a:cs typeface="+mn-cs"/>
-              </a:defRPr>
-            </a:lvl4pPr>
-            <a:lvl5pPr marL="2057400" indent="-228600" algn="l" defTabSz="914400" rtl="0" eaLnBrk="1" latinLnBrk="0" hangingPunct="1">
-              <a:spcBef>
-                <a:spcPct val="20000"/>
-              </a:spcBef>
-              <a:buFont typeface="Arial" pitchFamily="34" charset="0"/>
-              <a:buChar char="»"/>
-              <a:defRPr sz="2000" kern="1200">
-                <a:solidFill>
-                  <a:schemeClr val="tx1"/>
-                </a:solidFill>
-                <a:latin typeface="+mn-lt"/>
-                <a:ea typeface="+mn-ea"/>
-                <a:cs typeface="+mn-cs"/>
-              </a:defRPr>
-            </a:lvl5pPr>
-            <a:lvl6pPr marL="2514600" indent="-228600" algn="l" defTabSz="914400" rtl="0" eaLnBrk="1" latinLnBrk="0" hangingPunct="1">
-              <a:spcBef>
-                <a:spcPct val="20000"/>
-              </a:spcBef>
-              <a:buFont typeface="Arial" pitchFamily="34" charset="0"/>
-              <a:buChar char="•"/>
-              <a:defRPr sz="2000" kern="1200">
-                <a:solidFill>
-                  <a:schemeClr val="tx1"/>
-                </a:solidFill>
-                <a:latin typeface="+mn-lt"/>
-                <a:ea typeface="+mn-ea"/>
-                <a:cs typeface="+mn-cs"/>
-              </a:defRPr>
-            </a:lvl6pPr>
-            <a:lvl7pPr marL="2971800" indent="-228600" algn="l" defTabSz="914400" rtl="0" eaLnBrk="1" latinLnBrk="0" hangingPunct="1">
-              <a:spcBef>
-                <a:spcPct val="20000"/>
-              </a:spcBef>
-              <a:buFont typeface="Arial" pitchFamily="34" charset="0"/>
-              <a:buChar char="•"/>
-              <a:defRPr sz="2000" kern="1200">
-                <a:solidFill>
-                  <a:schemeClr val="tx1"/>
-                </a:solidFill>
-                <a:latin typeface="+mn-lt"/>
-                <a:ea typeface="+mn-ea"/>
-                <a:cs typeface="+mn-cs"/>
-              </a:defRPr>
-            </a:lvl7pPr>
-            <a:lvl8pPr marL="3429000" indent="-228600" algn="l" defTabSz="914400" rtl="0" eaLnBrk="1" latinLnBrk="0" hangingPunct="1">
-              <a:spcBef>
-                <a:spcPct val="20000"/>
-              </a:spcBef>
-              <a:buFont typeface="Arial" pitchFamily="34" charset="0"/>
-              <a:buChar char="•"/>
-              <a:defRPr sz="2000" kern="1200">
-                <a:solidFill>
-                  <a:schemeClr val="tx1"/>
-                </a:solidFill>
-                <a:latin typeface="+mn-lt"/>
-                <a:ea typeface="+mn-ea"/>
-                <a:cs typeface="+mn-cs"/>
-              </a:defRPr>
-            </a:lvl8pPr>
-            <a:lvl9pPr marL="3886200" indent="-228600" algn="l" defTabSz="914400" rtl="0" eaLnBrk="1" latinLnBrk="0" hangingPunct="1">
-              <a:spcBef>
-                <a:spcPct val="20000"/>
-              </a:spcBef>
-              <a:buFont typeface="Arial" pitchFamily="34" charset="0"/>
-              <a:buChar char="•"/>
-              <a:defRPr sz="2000" kern="1200">
-                <a:solidFill>
-                  <a:schemeClr val="tx1"/>
-                </a:solidFill>
-                <a:latin typeface="+mn-lt"/>
-                <a:ea typeface="+mn-ea"/>
-                <a:cs typeface="+mn-cs"/>
-              </a:defRPr>
-            </a:lvl9pPr>
-          </a:lstStyle>
-          <a:p>
-            <a:pPr marL="0" indent="0" algn="ctr">
-              <a:buFont typeface="Arial" pitchFamily="34" charset="0"/>
-              <a:buNone/>
-            </a:pPr>
-            <a:r>
-              <a:rPr lang="en-US" sz="2400" dirty="0"/>
-              <a:t>{%qr8}</a:t>
-            </a:r>
-          </a:p>
-        </p:txBody>
-      </p:sp>
     </p:spTree>
     <p:extLst>
       <p:ext uri="{BB962C8B-B14F-4D97-AF65-F5344CB8AC3E}">
@@ -25114,180 +23937,6 @@
           </a:prstGeom>
         </p:spPr>
       </p:pic>
-      <p:sp>
-        <p:nvSpPr>
-          <p:cNvPr id="14" name="عنصر نائب للمحتوى 12">
-            <a:extLst>
-              <a:ext uri="{FF2B5EF4-FFF2-40B4-BE49-F238E27FC236}">
-                <a16:creationId xmlns:a16="http://schemas.microsoft.com/office/drawing/2014/main" id="{3FEC7AB4-B0F3-69D1-56E8-DBB7B15BFE06}"/>
-              </a:ext>
-            </a:extLst>
-          </p:cNvPr>
-          <p:cNvSpPr txBox="1">
-            <a:spLocks/>
-          </p:cNvSpPr>
-          <p:nvPr/>
-        </p:nvSpPr>
-        <p:spPr>
-          <a:xfrm>
-            <a:off x="2863850" y="6650291"/>
-            <a:ext cx="1828800" cy="1767926"/>
-          </a:xfrm>
-          <a:prstGeom prst="rect">
-            <a:avLst/>
-          </a:prstGeom>
-        </p:spPr>
-        <p:txBody>
-          <a:bodyPr/>
-          <a:lstStyle>
-            <a:lvl1pPr marL="342900" indent="-342900" algn="l" defTabSz="914400" rtl="0" eaLnBrk="1" latinLnBrk="0" hangingPunct="1">
-              <a:spcBef>
-                <a:spcPct val="20000"/>
-              </a:spcBef>
-              <a:buFont typeface="Arial" pitchFamily="34" charset="0"/>
-              <a:buChar char="•"/>
-              <a:defRPr sz="3200" kern="1200">
-                <a:solidFill>
-                  <a:schemeClr val="tx1"/>
-                </a:solidFill>
-                <a:latin typeface="+mn-lt"/>
-                <a:ea typeface="+mn-ea"/>
-                <a:cs typeface="+mn-cs"/>
-              </a:defRPr>
-            </a:lvl1pPr>
-            <a:lvl2pPr marL="742950" indent="-285750" algn="l" defTabSz="914400" rtl="0" eaLnBrk="1" latinLnBrk="0" hangingPunct="1">
-              <a:spcBef>
-                <a:spcPct val="20000"/>
-              </a:spcBef>
-              <a:buFont typeface="Arial" pitchFamily="34" charset="0"/>
-              <a:buChar char="–"/>
-              <a:defRPr sz="2800" kern="1200">
-                <a:solidFill>
-                  <a:schemeClr val="tx1"/>
-                </a:solidFill>
-                <a:latin typeface="+mn-lt"/>
-                <a:ea typeface="+mn-ea"/>
-                <a:cs typeface="+mn-cs"/>
-              </a:defRPr>
-            </a:lvl2pPr>
-            <a:lvl3pPr marL="1143000" indent="-228600" algn="l" defTabSz="914400" rtl="0" eaLnBrk="1" latinLnBrk="0" hangingPunct="1">
-              <a:spcBef>
-                <a:spcPct val="20000"/>
-              </a:spcBef>
-              <a:buFont typeface="Arial" pitchFamily="34" charset="0"/>
-              <a:buChar char="•"/>
-              <a:defRPr sz="2400" kern="1200">
-                <a:solidFill>
-                  <a:schemeClr val="tx1"/>
-                </a:solidFill>
-                <a:latin typeface="+mn-lt"/>
-                <a:ea typeface="+mn-ea"/>
-                <a:cs typeface="+mn-cs"/>
-              </a:defRPr>
-            </a:lvl3pPr>
-            <a:lvl4pPr marL="1600200" indent="-228600" algn="l" defTabSz="914400" rtl="0" eaLnBrk="1" latinLnBrk="0" hangingPunct="1">
-              <a:spcBef>
-                <a:spcPct val="20000"/>
-              </a:spcBef>
-              <a:buFont typeface="Arial" pitchFamily="34" charset="0"/>
-              <a:buChar char="–"/>
-              <a:defRPr sz="2000" kern="1200">
-                <a:solidFill>
-                  <a:schemeClr val="tx1"/>
-                </a:solidFill>
-                <a:latin typeface="+mn-lt"/>
-                <a:ea typeface="+mn-ea"/>
-                <a:cs typeface="+mn-cs"/>
-              </a:defRPr>
-            </a:lvl4pPr>
-            <a:lvl5pPr marL="2057400" indent="-228600" algn="l" defTabSz="914400" rtl="0" eaLnBrk="1" latinLnBrk="0" hangingPunct="1">
-              <a:spcBef>
-                <a:spcPct val="20000"/>
-              </a:spcBef>
-              <a:buFont typeface="Arial" pitchFamily="34" charset="0"/>
-              <a:buChar char="»"/>
-              <a:defRPr sz="2000" kern="1200">
-                <a:solidFill>
-                  <a:schemeClr val="tx1"/>
-                </a:solidFill>
-                <a:latin typeface="+mn-lt"/>
-                <a:ea typeface="+mn-ea"/>
-                <a:cs typeface="+mn-cs"/>
-              </a:defRPr>
-            </a:lvl5pPr>
-            <a:lvl6pPr marL="2514600" indent="-228600" algn="l" defTabSz="914400" rtl="0" eaLnBrk="1" latinLnBrk="0" hangingPunct="1">
-              <a:spcBef>
-                <a:spcPct val="20000"/>
-              </a:spcBef>
-              <a:buFont typeface="Arial" pitchFamily="34" charset="0"/>
-              <a:buChar char="•"/>
-              <a:defRPr sz="2000" kern="1200">
-                <a:solidFill>
-                  <a:schemeClr val="tx1"/>
-                </a:solidFill>
-                <a:latin typeface="+mn-lt"/>
-                <a:ea typeface="+mn-ea"/>
-                <a:cs typeface="+mn-cs"/>
-              </a:defRPr>
-            </a:lvl6pPr>
-            <a:lvl7pPr marL="2971800" indent="-228600" algn="l" defTabSz="914400" rtl="0" eaLnBrk="1" latinLnBrk="0" hangingPunct="1">
-              <a:spcBef>
-                <a:spcPct val="20000"/>
-              </a:spcBef>
-              <a:buFont typeface="Arial" pitchFamily="34" charset="0"/>
-              <a:buChar char="•"/>
-              <a:defRPr sz="2000" kern="1200">
-                <a:solidFill>
-                  <a:schemeClr val="tx1"/>
-                </a:solidFill>
-                <a:latin typeface="+mn-lt"/>
-                <a:ea typeface="+mn-ea"/>
-                <a:cs typeface="+mn-cs"/>
-              </a:defRPr>
-            </a:lvl7pPr>
-            <a:lvl8pPr marL="3429000" indent="-228600" algn="l" defTabSz="914400" rtl="0" eaLnBrk="1" latinLnBrk="0" hangingPunct="1">
-              <a:spcBef>
-                <a:spcPct val="20000"/>
-              </a:spcBef>
-              <a:buFont typeface="Arial" pitchFamily="34" charset="0"/>
-              <a:buChar char="•"/>
-              <a:defRPr sz="2000" kern="1200">
-                <a:solidFill>
-                  <a:schemeClr val="tx1"/>
-                </a:solidFill>
-                <a:latin typeface="+mn-lt"/>
-                <a:ea typeface="+mn-ea"/>
-                <a:cs typeface="+mn-cs"/>
-              </a:defRPr>
-            </a:lvl8pPr>
-            <a:lvl9pPr marL="3886200" indent="-228600" algn="l" defTabSz="914400" rtl="0" eaLnBrk="1" latinLnBrk="0" hangingPunct="1">
-              <a:spcBef>
-                <a:spcPct val="20000"/>
-              </a:spcBef>
-              <a:buFont typeface="Arial" pitchFamily="34" charset="0"/>
-              <a:buChar char="•"/>
-              <a:defRPr sz="2000" kern="1200">
-                <a:solidFill>
-                  <a:schemeClr val="tx1"/>
-                </a:solidFill>
-                <a:latin typeface="+mn-lt"/>
-                <a:ea typeface="+mn-ea"/>
-                <a:cs typeface="+mn-cs"/>
-              </a:defRPr>
-            </a:lvl9pPr>
-          </a:lstStyle>
-          <a:p>
-            <a:pPr marL="0" indent="0" algn="ctr">
-              <a:buFont typeface="Arial" pitchFamily="34" charset="0"/>
-              <a:buNone/>
-            </a:pPr>
-            <a:r>
-              <a:rPr lang="en-US" sz="2400" dirty="0"/>
-              <a:t>{%qr9}</a:t>
-            </a:r>
-          </a:p>
-        </p:txBody>
-      </p:sp>
     </p:spTree>
     <p:extLst>
       <p:ext uri="{BB962C8B-B14F-4D97-AF65-F5344CB8AC3E}">
@@ -26754,180 +25403,6 @@
           </a:prstGeom>
         </p:spPr>
       </p:pic>
-      <p:sp>
-        <p:nvSpPr>
-          <p:cNvPr id="12" name="عنصر نائب للمحتوى 12">
-            <a:extLst>
-              <a:ext uri="{FF2B5EF4-FFF2-40B4-BE49-F238E27FC236}">
-                <a16:creationId xmlns:a16="http://schemas.microsoft.com/office/drawing/2014/main" id="{6867B9B9-4A99-3F17-09F3-3FAE5AFEDA50}"/>
-              </a:ext>
-            </a:extLst>
-          </p:cNvPr>
-          <p:cNvSpPr txBox="1">
-            <a:spLocks/>
-          </p:cNvSpPr>
-          <p:nvPr/>
-        </p:nvSpPr>
-        <p:spPr>
-          <a:xfrm>
-            <a:off x="2863850" y="6955091"/>
-            <a:ext cx="1828800" cy="1767926"/>
-          </a:xfrm>
-          <a:prstGeom prst="rect">
-            <a:avLst/>
-          </a:prstGeom>
-        </p:spPr>
-        <p:txBody>
-          <a:bodyPr/>
-          <a:lstStyle>
-            <a:lvl1pPr marL="342900" indent="-342900" algn="l" defTabSz="914400" rtl="0" eaLnBrk="1" latinLnBrk="0" hangingPunct="1">
-              <a:spcBef>
-                <a:spcPct val="20000"/>
-              </a:spcBef>
-              <a:buFont typeface="Arial" pitchFamily="34" charset="0"/>
-              <a:buChar char="•"/>
-              <a:defRPr sz="3200" kern="1200">
-                <a:solidFill>
-                  <a:schemeClr val="tx1"/>
-                </a:solidFill>
-                <a:latin typeface="+mn-lt"/>
-                <a:ea typeface="+mn-ea"/>
-                <a:cs typeface="+mn-cs"/>
-              </a:defRPr>
-            </a:lvl1pPr>
-            <a:lvl2pPr marL="742950" indent="-285750" algn="l" defTabSz="914400" rtl="0" eaLnBrk="1" latinLnBrk="0" hangingPunct="1">
-              <a:spcBef>
-                <a:spcPct val="20000"/>
-              </a:spcBef>
-              <a:buFont typeface="Arial" pitchFamily="34" charset="0"/>
-              <a:buChar char="–"/>
-              <a:defRPr sz="2800" kern="1200">
-                <a:solidFill>
-                  <a:schemeClr val="tx1"/>
-                </a:solidFill>
-                <a:latin typeface="+mn-lt"/>
-                <a:ea typeface="+mn-ea"/>
-                <a:cs typeface="+mn-cs"/>
-              </a:defRPr>
-            </a:lvl2pPr>
-            <a:lvl3pPr marL="1143000" indent="-228600" algn="l" defTabSz="914400" rtl="0" eaLnBrk="1" latinLnBrk="0" hangingPunct="1">
-              <a:spcBef>
-                <a:spcPct val="20000"/>
-              </a:spcBef>
-              <a:buFont typeface="Arial" pitchFamily="34" charset="0"/>
-              <a:buChar char="•"/>
-              <a:defRPr sz="2400" kern="1200">
-                <a:solidFill>
-                  <a:schemeClr val="tx1"/>
-                </a:solidFill>
-                <a:latin typeface="+mn-lt"/>
-                <a:ea typeface="+mn-ea"/>
-                <a:cs typeface="+mn-cs"/>
-              </a:defRPr>
-            </a:lvl3pPr>
-            <a:lvl4pPr marL="1600200" indent="-228600" algn="l" defTabSz="914400" rtl="0" eaLnBrk="1" latinLnBrk="0" hangingPunct="1">
-              <a:spcBef>
-                <a:spcPct val="20000"/>
-              </a:spcBef>
-              <a:buFont typeface="Arial" pitchFamily="34" charset="0"/>
-              <a:buChar char="–"/>
-              <a:defRPr sz="2000" kern="1200">
-                <a:solidFill>
-                  <a:schemeClr val="tx1"/>
-                </a:solidFill>
-                <a:latin typeface="+mn-lt"/>
-                <a:ea typeface="+mn-ea"/>
-                <a:cs typeface="+mn-cs"/>
-              </a:defRPr>
-            </a:lvl4pPr>
-            <a:lvl5pPr marL="2057400" indent="-228600" algn="l" defTabSz="914400" rtl="0" eaLnBrk="1" latinLnBrk="0" hangingPunct="1">
-              <a:spcBef>
-                <a:spcPct val="20000"/>
-              </a:spcBef>
-              <a:buFont typeface="Arial" pitchFamily="34" charset="0"/>
-              <a:buChar char="»"/>
-              <a:defRPr sz="2000" kern="1200">
-                <a:solidFill>
-                  <a:schemeClr val="tx1"/>
-                </a:solidFill>
-                <a:latin typeface="+mn-lt"/>
-                <a:ea typeface="+mn-ea"/>
-                <a:cs typeface="+mn-cs"/>
-              </a:defRPr>
-            </a:lvl5pPr>
-            <a:lvl6pPr marL="2514600" indent="-228600" algn="l" defTabSz="914400" rtl="0" eaLnBrk="1" latinLnBrk="0" hangingPunct="1">
-              <a:spcBef>
-                <a:spcPct val="20000"/>
-              </a:spcBef>
-              <a:buFont typeface="Arial" pitchFamily="34" charset="0"/>
-              <a:buChar char="•"/>
-              <a:defRPr sz="2000" kern="1200">
-                <a:solidFill>
-                  <a:schemeClr val="tx1"/>
-                </a:solidFill>
-                <a:latin typeface="+mn-lt"/>
-                <a:ea typeface="+mn-ea"/>
-                <a:cs typeface="+mn-cs"/>
-              </a:defRPr>
-            </a:lvl6pPr>
-            <a:lvl7pPr marL="2971800" indent="-228600" algn="l" defTabSz="914400" rtl="0" eaLnBrk="1" latinLnBrk="0" hangingPunct="1">
-              <a:spcBef>
-                <a:spcPct val="20000"/>
-              </a:spcBef>
-              <a:buFont typeface="Arial" pitchFamily="34" charset="0"/>
-              <a:buChar char="•"/>
-              <a:defRPr sz="2000" kern="1200">
-                <a:solidFill>
-                  <a:schemeClr val="tx1"/>
-                </a:solidFill>
-                <a:latin typeface="+mn-lt"/>
-                <a:ea typeface="+mn-ea"/>
-                <a:cs typeface="+mn-cs"/>
-              </a:defRPr>
-            </a:lvl7pPr>
-            <a:lvl8pPr marL="3429000" indent="-228600" algn="l" defTabSz="914400" rtl="0" eaLnBrk="1" latinLnBrk="0" hangingPunct="1">
-              <a:spcBef>
-                <a:spcPct val="20000"/>
-              </a:spcBef>
-              <a:buFont typeface="Arial" pitchFamily="34" charset="0"/>
-              <a:buChar char="•"/>
-              <a:defRPr sz="2000" kern="1200">
-                <a:solidFill>
-                  <a:schemeClr val="tx1"/>
-                </a:solidFill>
-                <a:latin typeface="+mn-lt"/>
-                <a:ea typeface="+mn-ea"/>
-                <a:cs typeface="+mn-cs"/>
-              </a:defRPr>
-            </a:lvl8pPr>
-            <a:lvl9pPr marL="3886200" indent="-228600" algn="l" defTabSz="914400" rtl="0" eaLnBrk="1" latinLnBrk="0" hangingPunct="1">
-              <a:spcBef>
-                <a:spcPct val="20000"/>
-              </a:spcBef>
-              <a:buFont typeface="Arial" pitchFamily="34" charset="0"/>
-              <a:buChar char="•"/>
-              <a:defRPr sz="2000" kern="1200">
-                <a:solidFill>
-                  <a:schemeClr val="tx1"/>
-                </a:solidFill>
-                <a:latin typeface="+mn-lt"/>
-                <a:ea typeface="+mn-ea"/>
-                <a:cs typeface="+mn-cs"/>
-              </a:defRPr>
-            </a:lvl9pPr>
-          </a:lstStyle>
-          <a:p>
-            <a:pPr marL="0" indent="0" algn="ctr">
-              <a:buFont typeface="Arial" pitchFamily="34" charset="0"/>
-              <a:buNone/>
-            </a:pPr>
-            <a:r>
-              <a:rPr lang="en-US" sz="2400" dirty="0"/>
-              <a:t>{%qr10}</a:t>
-            </a:r>
-          </a:p>
-        </p:txBody>
-      </p:sp>
     </p:spTree>
     <p:extLst>
       <p:ext uri="{BB962C8B-B14F-4D97-AF65-F5344CB8AC3E}">
@@ -28195,181 +26670,6 @@
           </a:prstGeom>
         </p:spPr>
       </p:pic>
-      <p:sp>
-        <p:nvSpPr>
-          <p:cNvPr id="12" name="عنصر نائب للمحتوى 12">
-            <a:extLst>
-              <a:ext uri="{FF2B5EF4-FFF2-40B4-BE49-F238E27FC236}">
-                <a16:creationId xmlns:a16="http://schemas.microsoft.com/office/drawing/2014/main" id="{7F2519E2-532D-BABF-D1A6-3DE92C899B34}"/>
-              </a:ext>
-            </a:extLst>
-          </p:cNvPr>
-          <p:cNvSpPr txBox="1">
-            <a:spLocks/>
-          </p:cNvSpPr>
-          <p:nvPr/>
-        </p:nvSpPr>
-        <p:spPr>
-          <a:xfrm>
-            <a:off x="2863850" y="6497891"/>
-            <a:ext cx="1828800" cy="1767926"/>
-          </a:xfrm>
-          <a:prstGeom prst="rect">
-            <a:avLst/>
-          </a:prstGeom>
-        </p:spPr>
-        <p:txBody>
-          <a:bodyPr/>
-          <a:lstStyle>
-            <a:lvl1pPr marL="342900" indent="-342900" algn="l" defTabSz="914400" rtl="0" eaLnBrk="1" latinLnBrk="0" hangingPunct="1">
-              <a:spcBef>
-                <a:spcPct val="20000"/>
-              </a:spcBef>
-              <a:buFont typeface="Arial" pitchFamily="34" charset="0"/>
-              <a:buChar char="•"/>
-              <a:defRPr sz="3200" kern="1200">
-                <a:solidFill>
-                  <a:schemeClr val="tx1"/>
-                </a:solidFill>
-                <a:latin typeface="+mn-lt"/>
-                <a:ea typeface="+mn-ea"/>
-                <a:cs typeface="+mn-cs"/>
-              </a:defRPr>
-            </a:lvl1pPr>
-            <a:lvl2pPr marL="742950" indent="-285750" algn="l" defTabSz="914400" rtl="0" eaLnBrk="1" latinLnBrk="0" hangingPunct="1">
-              <a:spcBef>
-                <a:spcPct val="20000"/>
-              </a:spcBef>
-              <a:buFont typeface="Arial" pitchFamily="34" charset="0"/>
-              <a:buChar char="–"/>
-              <a:defRPr sz="2800" kern="1200">
-                <a:solidFill>
-                  <a:schemeClr val="tx1"/>
-                </a:solidFill>
-                <a:latin typeface="+mn-lt"/>
-                <a:ea typeface="+mn-ea"/>
-                <a:cs typeface="+mn-cs"/>
-              </a:defRPr>
-            </a:lvl2pPr>
-            <a:lvl3pPr marL="1143000" indent="-228600" algn="l" defTabSz="914400" rtl="0" eaLnBrk="1" latinLnBrk="0" hangingPunct="1">
-              <a:spcBef>
-                <a:spcPct val="20000"/>
-              </a:spcBef>
-              <a:buFont typeface="Arial" pitchFamily="34" charset="0"/>
-              <a:buChar char="•"/>
-              <a:defRPr sz="2400" kern="1200">
-                <a:solidFill>
-                  <a:schemeClr val="tx1"/>
-                </a:solidFill>
-                <a:latin typeface="+mn-lt"/>
-                <a:ea typeface="+mn-ea"/>
-                <a:cs typeface="+mn-cs"/>
-              </a:defRPr>
-            </a:lvl3pPr>
-            <a:lvl4pPr marL="1600200" indent="-228600" algn="l" defTabSz="914400" rtl="0" eaLnBrk="1" latinLnBrk="0" hangingPunct="1">
-              <a:spcBef>
-                <a:spcPct val="20000"/>
-              </a:spcBef>
-              <a:buFont typeface="Arial" pitchFamily="34" charset="0"/>
-              <a:buChar char="–"/>
-              <a:defRPr sz="2000" kern="1200">
-                <a:solidFill>
-                  <a:schemeClr val="tx1"/>
-                </a:solidFill>
-                <a:latin typeface="+mn-lt"/>
-                <a:ea typeface="+mn-ea"/>
-                <a:cs typeface="+mn-cs"/>
-              </a:defRPr>
-            </a:lvl4pPr>
-            <a:lvl5pPr marL="2057400" indent="-228600" algn="l" defTabSz="914400" rtl="0" eaLnBrk="1" latinLnBrk="0" hangingPunct="1">
-              <a:spcBef>
-                <a:spcPct val="20000"/>
-              </a:spcBef>
-              <a:buFont typeface="Arial" pitchFamily="34" charset="0"/>
-              <a:buChar char="»"/>
-              <a:defRPr sz="2000" kern="1200">
-                <a:solidFill>
-                  <a:schemeClr val="tx1"/>
-                </a:solidFill>
-                <a:latin typeface="+mn-lt"/>
-                <a:ea typeface="+mn-ea"/>
-                <a:cs typeface="+mn-cs"/>
-              </a:defRPr>
-            </a:lvl5pPr>
-            <a:lvl6pPr marL="2514600" indent="-228600" algn="l" defTabSz="914400" rtl="0" eaLnBrk="1" latinLnBrk="0" hangingPunct="1">
-              <a:spcBef>
-                <a:spcPct val="20000"/>
-              </a:spcBef>
-              <a:buFont typeface="Arial" pitchFamily="34" charset="0"/>
-              <a:buChar char="•"/>
-              <a:defRPr sz="2000" kern="1200">
-                <a:solidFill>
-                  <a:schemeClr val="tx1"/>
-                </a:solidFill>
-                <a:latin typeface="+mn-lt"/>
-                <a:ea typeface="+mn-ea"/>
-                <a:cs typeface="+mn-cs"/>
-              </a:defRPr>
-            </a:lvl6pPr>
-            <a:lvl7pPr marL="2971800" indent="-228600" algn="l" defTabSz="914400" rtl="0" eaLnBrk="1" latinLnBrk="0" hangingPunct="1">
-              <a:spcBef>
-                <a:spcPct val="20000"/>
-              </a:spcBef>
-              <a:buFont typeface="Arial" pitchFamily="34" charset="0"/>
-              <a:buChar char="•"/>
-              <a:defRPr sz="2000" kern="1200">
-                <a:solidFill>
-                  <a:schemeClr val="tx1"/>
-                </a:solidFill>
-                <a:latin typeface="+mn-lt"/>
-                <a:ea typeface="+mn-ea"/>
-                <a:cs typeface="+mn-cs"/>
-              </a:defRPr>
-            </a:lvl7pPr>
-            <a:lvl8pPr marL="3429000" indent="-228600" algn="l" defTabSz="914400" rtl="0" eaLnBrk="1" latinLnBrk="0" hangingPunct="1">
-              <a:spcBef>
-                <a:spcPct val="20000"/>
-              </a:spcBef>
-              <a:buFont typeface="Arial" pitchFamily="34" charset="0"/>
-              <a:buChar char="•"/>
-              <a:defRPr sz="2000" kern="1200">
-                <a:solidFill>
-                  <a:schemeClr val="tx1"/>
-                </a:solidFill>
-                <a:latin typeface="+mn-lt"/>
-                <a:ea typeface="+mn-ea"/>
-                <a:cs typeface="+mn-cs"/>
-              </a:defRPr>
-            </a:lvl8pPr>
-            <a:lvl9pPr marL="3886200" indent="-228600" algn="l" defTabSz="914400" rtl="0" eaLnBrk="1" latinLnBrk="0" hangingPunct="1">
-              <a:spcBef>
-                <a:spcPct val="20000"/>
-              </a:spcBef>
-              <a:buFont typeface="Arial" pitchFamily="34" charset="0"/>
-              <a:buChar char="•"/>
-              <a:defRPr sz="2000" kern="1200">
-                <a:solidFill>
-                  <a:schemeClr val="tx1"/>
-                </a:solidFill>
-                <a:latin typeface="+mn-lt"/>
-                <a:ea typeface="+mn-ea"/>
-                <a:cs typeface="+mn-cs"/>
-              </a:defRPr>
-            </a:lvl9pPr>
-          </a:lstStyle>
-          <a:p>
-            <a:pPr marL="0" indent="0" algn="ctr">
-              <a:buFont typeface="Arial" pitchFamily="34" charset="0"/>
-              <a:buNone/>
-            </a:pPr>
-            <a:r>
-              <a:rPr lang="en-US" sz="2400"/>
-              <a:t>{%qr11}</a:t>
-            </a:r>
-            <a:endParaRPr lang="en-US" sz="2400" dirty="0"/>
-          </a:p>
-        </p:txBody>
-      </p:sp>
     </p:spTree>
     <p:extLst>
       <p:ext uri="{BB962C8B-B14F-4D97-AF65-F5344CB8AC3E}">
